--- a/10.SystemD_And_TheBootProcedure/10-SystemDAndTheBootProcedure.pptx
+++ b/10.SystemD_And_TheBootProcedure/10-SystemDAndTheBootProcedure.pptx
@@ -138,11 +138,7 @@
 <file path=ppt/commentAuthors.xml><?xml version="1.0" encoding="utf-8"?>
 <p:cmAuthorLst xmlns:a="http://schemas.openxmlformats.org/drawingml/2006/main" xmlns:r="http://schemas.openxmlformats.org/officeDocument/2006/relationships" xmlns:p="http://schemas.openxmlformats.org/presentationml/2006/main">
   <p:cmAuthor id="1" name="Belichev, Iliya" initials="BI" lastIdx="1" clrIdx="0">
-    <p:extLst>
-      <p:ext uri="{19B8F6BF-5375-455C-9EA6-DF929625EA0E}">
-        <p15:presenceInfo xmlns:p15="http://schemas.microsoft.com/office/powerpoint/2012/main" userId="S-1-5-21-1957994488-842925246-40105171-1920375" providerId="AD"/>
-      </p:ext>
-    </p:extLst>
+    <p:extLst/>
   </p:cmAuthor>
 </p:cmAuthorLst>
 </file>
@@ -229,7 +225,7 @@
           <a:p>
             <a:fld id="{75861919-8521-4274-BB91-998CD62CEE44}" type="datetimeFigureOut">
               <a:rPr lang="en-US" smtClean="0"/>
-              <a:t>12/20/2016</a:t>
+              <a:t>3/24/17</a:t>
             </a:fld>
             <a:endParaRPr lang="en-US"/>
           </a:p>
@@ -762,7 +758,7 @@
           <a:p>
             <a:fld id="{3EA744D9-3FBE-48D8-BF2A-85DF203E4D20}" type="datetimeFigureOut">
               <a:rPr lang="bg-BG" smtClean="0"/>
-              <a:t>20.12.2016 г.</a:t>
+              <a:t>24.03.17 г.</a:t>
             </a:fld>
             <a:endParaRPr lang="bg-BG"/>
           </a:p>
@@ -932,7 +928,7 @@
           <a:p>
             <a:fld id="{3EA744D9-3FBE-48D8-BF2A-85DF203E4D20}" type="datetimeFigureOut">
               <a:rPr lang="bg-BG" smtClean="0"/>
-              <a:t>20.12.2016 г.</a:t>
+              <a:t>24.03.17 г.</a:t>
             </a:fld>
             <a:endParaRPr lang="bg-BG"/>
           </a:p>
@@ -1112,7 +1108,7 @@
           <a:p>
             <a:fld id="{3EA744D9-3FBE-48D8-BF2A-85DF203E4D20}" type="datetimeFigureOut">
               <a:rPr lang="bg-BG" smtClean="0"/>
-              <a:t>20.12.2016 г.</a:t>
+              <a:t>24.03.17 г.</a:t>
             </a:fld>
             <a:endParaRPr lang="bg-BG"/>
           </a:p>
@@ -1282,7 +1278,7 @@
           <a:p>
             <a:fld id="{3EA744D9-3FBE-48D8-BF2A-85DF203E4D20}" type="datetimeFigureOut">
               <a:rPr lang="bg-BG" smtClean="0"/>
-              <a:t>20.12.2016 г.</a:t>
+              <a:t>24.03.17 г.</a:t>
             </a:fld>
             <a:endParaRPr lang="bg-BG"/>
           </a:p>
@@ -1528,7 +1524,7 @@
           <a:p>
             <a:fld id="{3EA744D9-3FBE-48D8-BF2A-85DF203E4D20}" type="datetimeFigureOut">
               <a:rPr lang="bg-BG" smtClean="0"/>
-              <a:t>20.12.2016 г.</a:t>
+              <a:t>24.03.17 г.</a:t>
             </a:fld>
             <a:endParaRPr lang="bg-BG"/>
           </a:p>
@@ -1816,7 +1812,7 @@
           <a:p>
             <a:fld id="{3EA744D9-3FBE-48D8-BF2A-85DF203E4D20}" type="datetimeFigureOut">
               <a:rPr lang="bg-BG" smtClean="0"/>
-              <a:t>20.12.2016 г.</a:t>
+              <a:t>24.03.17 г.</a:t>
             </a:fld>
             <a:endParaRPr lang="bg-BG"/>
           </a:p>
@@ -2238,7 +2234,7 @@
           <a:p>
             <a:fld id="{3EA744D9-3FBE-48D8-BF2A-85DF203E4D20}" type="datetimeFigureOut">
               <a:rPr lang="bg-BG" smtClean="0"/>
-              <a:t>20.12.2016 г.</a:t>
+              <a:t>24.03.17 г.</a:t>
             </a:fld>
             <a:endParaRPr lang="bg-BG"/>
           </a:p>
@@ -2356,7 +2352,7 @@
           <a:p>
             <a:fld id="{3EA744D9-3FBE-48D8-BF2A-85DF203E4D20}" type="datetimeFigureOut">
               <a:rPr lang="bg-BG" smtClean="0"/>
-              <a:t>20.12.2016 г.</a:t>
+              <a:t>24.03.17 г.</a:t>
             </a:fld>
             <a:endParaRPr lang="bg-BG"/>
           </a:p>
@@ -2451,7 +2447,7 @@
           <a:p>
             <a:fld id="{3EA744D9-3FBE-48D8-BF2A-85DF203E4D20}" type="datetimeFigureOut">
               <a:rPr lang="bg-BG" smtClean="0"/>
-              <a:t>20.12.2016 г.</a:t>
+              <a:t>24.03.17 г.</a:t>
             </a:fld>
             <a:endParaRPr lang="bg-BG"/>
           </a:p>
@@ -2728,7 +2724,7 @@
           <a:p>
             <a:fld id="{3EA744D9-3FBE-48D8-BF2A-85DF203E4D20}" type="datetimeFigureOut">
               <a:rPr lang="bg-BG" smtClean="0"/>
-              <a:t>20.12.2016 г.</a:t>
+              <a:t>24.03.17 г.</a:t>
             </a:fld>
             <a:endParaRPr lang="bg-BG"/>
           </a:p>
@@ -2981,7 +2977,7 @@
           <a:p>
             <a:fld id="{3EA744D9-3FBE-48D8-BF2A-85DF203E4D20}" type="datetimeFigureOut">
               <a:rPr lang="bg-BG" smtClean="0"/>
-              <a:t>20.12.2016 г.</a:t>
+              <a:t>24.03.17 г.</a:t>
             </a:fld>
             <a:endParaRPr lang="bg-BG"/>
           </a:p>
@@ -3203,7 +3199,7 @@
           <a:p>
             <a:fld id="{3EA744D9-3FBE-48D8-BF2A-85DF203E4D20}" type="datetimeFigureOut">
               <a:rPr lang="bg-BG" smtClean="0"/>
-              <a:t>20.12.2016 г.</a:t>
+              <a:t>24.03.17 г.</a:t>
             </a:fld>
             <a:endParaRPr lang="bg-BG"/>
           </a:p>
@@ -3716,8 +3712,8 @@
         </p:nvSpPr>
         <p:spPr>
           <a:xfrm>
-            <a:off x="609600" y="914400"/>
-            <a:ext cx="7924800" cy="7017306"/>
+            <a:off x="494805" y="609600"/>
+            <a:ext cx="7924800" cy="7294305"/>
           </a:xfrm>
           <a:prstGeom prst="rect">
             <a:avLst/>
@@ -3737,7 +3733,7 @@
             <a:r>
               <a:rPr lang="en-US" dirty="0" err="1" smtClean="0">
                 <a:solidFill>
-                  <a:schemeClr val="accent6"/>
+                  <a:srgbClr val="FF0000"/>
                 </a:solidFill>
               </a:rPr>
               <a:t>Systemd</a:t>
@@ -3748,7 +3744,7 @@
                   <a:schemeClr val="accent6"/>
                 </a:solidFill>
               </a:rPr>
-              <a:t> is the new service in RHEL distros that is responsible for starting all kinds of different services. </a:t>
+              <a:t> is the new service/system manager in RHEL distros that is responsible for starting the first process and controlling other ones. </a:t>
             </a:r>
             <a:r>
               <a:rPr lang="en-US" dirty="0" err="1" smtClean="0">
@@ -3764,7 +3760,7 @@
                   <a:schemeClr val="accent6"/>
                 </a:solidFill>
               </a:rPr>
-              <a:t> is used to star stuff. The stuff is referred to as units.</a:t>
+              <a:t> is used to start and manage units. </a:t>
             </a:r>
           </a:p>
           <a:p>
@@ -3852,7 +3848,7 @@
             <a:r>
               <a:rPr lang="en-US" dirty="0">
                 <a:solidFill>
-                  <a:schemeClr val="accent6"/>
+                  <a:schemeClr val="bg1"/>
                 </a:solidFill>
               </a:rPr>
               <a:t>m</a:t>
@@ -3860,27 +3856,24 @@
             <a:r>
               <a:rPr lang="en-US" dirty="0" smtClean="0">
                 <a:solidFill>
-                  <a:schemeClr val="accent6"/>
-                </a:solidFill>
-              </a:rPr>
-              <a:t>an ‘</a:t>
+                  <a:schemeClr val="bg1"/>
+                </a:solidFill>
+              </a:rPr>
+              <a:t>an </a:t>
             </a:r>
             <a:r>
               <a:rPr lang="en-US" dirty="0" err="1" smtClean="0">
                 <a:solidFill>
-                  <a:schemeClr val="accent6"/>
+                  <a:schemeClr val="bg1"/>
                 </a:solidFill>
               </a:rPr>
               <a:t>systemd</a:t>
             </a:r>
-            <a:r>
-              <a:rPr lang="en-US" dirty="0" smtClean="0">
-                <a:solidFill>
-                  <a:schemeClr val="accent6"/>
-                </a:solidFill>
-              </a:rPr>
-              <a:t>‘</a:t>
-            </a:r>
+            <a:endParaRPr lang="en-US" dirty="0" smtClean="0">
+              <a:solidFill>
+                <a:schemeClr val="bg1"/>
+              </a:solidFill>
+            </a:endParaRPr>
           </a:p>
           <a:p>
             <a:pPr marL="342900" indent="-342900">
@@ -3956,8 +3949,8 @@
         </p:blipFill>
         <p:spPr>
           <a:xfrm>
-            <a:off x="2971800" y="2514600"/>
-            <a:ext cx="2362200" cy="3048000"/>
+            <a:off x="2971800" y="2743200"/>
+            <a:ext cx="2362200" cy="2819400"/>
           </a:xfrm>
           <a:prstGeom prst="rect">
             <a:avLst/>
@@ -4238,7 +4231,7 @@
             <a:r>
               <a:rPr lang="en-US" sz="2400" dirty="0" err="1" smtClean="0">
                 <a:solidFill>
-                  <a:schemeClr val="accent6"/>
+                  <a:schemeClr val="bg1"/>
                 </a:solidFill>
               </a:rPr>
               <a:t>systemd</a:t>
@@ -4254,7 +4247,7 @@
             <a:r>
               <a:rPr lang="en-US" sz="2400" dirty="0" err="1" smtClean="0">
                 <a:solidFill>
-                  <a:schemeClr val="accent6"/>
+                  <a:schemeClr val="bg1"/>
                 </a:solidFill>
               </a:rPr>
               <a:t>init</a:t>
@@ -4270,7 +4263,7 @@
             <a:r>
               <a:rPr lang="en-US" sz="2400" dirty="0" err="1" smtClean="0">
                 <a:solidFill>
-                  <a:schemeClr val="accent6"/>
+                  <a:srgbClr val="FF0000"/>
                 </a:solidFill>
               </a:rPr>
               <a:t>runlevels</a:t>
@@ -4281,7 +4274,23 @@
                   <a:schemeClr val="accent6"/>
                 </a:solidFill>
               </a:rPr>
-              <a:t>, now we are working with targets. </a:t>
+              <a:t>, now we are working with </a:t>
+            </a:r>
+            <a:r>
+              <a:rPr lang="en-US" sz="2400" dirty="0" smtClean="0">
+                <a:solidFill>
+                  <a:srgbClr val="FF0000"/>
+                </a:solidFill>
+              </a:rPr>
+              <a:t>targets</a:t>
+            </a:r>
+            <a:r>
+              <a:rPr lang="en-US" sz="2400" dirty="0" smtClean="0">
+                <a:solidFill>
+                  <a:schemeClr val="accent6"/>
+                </a:solidFill>
+              </a:rPr>
+              <a:t>. </a:t>
             </a:r>
             <a:endParaRPr lang="en-US" sz="2400" dirty="0"/>
           </a:p>
@@ -4557,7 +4566,7 @@
             <a:r>
               <a:rPr lang="en-US" sz="2000" dirty="0" err="1" smtClean="0">
                 <a:solidFill>
-                  <a:schemeClr val="accent6"/>
+                  <a:srgbClr val="FF0000"/>
                 </a:solidFill>
               </a:rPr>
               <a:t>systemctl</a:t>
@@ -4565,7 +4574,7 @@
             <a:r>
               <a:rPr lang="en-US" sz="2000" dirty="0" smtClean="0">
                 <a:solidFill>
-                  <a:schemeClr val="accent6"/>
+                  <a:srgbClr val="FF0000"/>
                 </a:solidFill>
               </a:rPr>
               <a:t> –t help</a:t>
@@ -4573,7 +4582,7 @@
             <a:br>
               <a:rPr lang="en-US" sz="2000" dirty="0" smtClean="0">
                 <a:solidFill>
-                  <a:schemeClr val="accent6"/>
+                  <a:srgbClr val="FF0000"/>
                 </a:solidFill>
               </a:rPr>
             </a:br>
@@ -4614,28 +4623,121 @@
                   <a:schemeClr val="accent6"/>
                 </a:solidFill>
               </a:rPr>
-              <a:t> is that it provides a uniform interface to start unites. This </a:t>
+              <a:t> is that it provides a uniform interface to start units. This interface is defined in the unit file. The system unit files are in </a:t>
+            </a:r>
+            <a:r>
+              <a:rPr lang="en-US" sz="2000" dirty="0" smtClean="0">
+                <a:solidFill>
+                  <a:schemeClr val="bg1"/>
+                </a:solidFill>
+              </a:rPr>
+              <a:t>/</a:t>
             </a:r>
             <a:r>
               <a:rPr lang="en-US" sz="2000" dirty="0" err="1" smtClean="0">
                 <a:solidFill>
-                  <a:schemeClr val="accent6"/>
-                </a:solidFill>
-              </a:rPr>
-              <a:t>insterface</a:t>
-            </a:r>
-            <a:r>
-              <a:rPr lang="en-US" sz="2000" dirty="0" smtClean="0">
-                <a:solidFill>
-                  <a:schemeClr val="accent6"/>
-                </a:solidFill>
-              </a:rPr>
-              <a:t> is defined in the unit file. The system unit files are in /</a:t>
+                  <a:schemeClr val="bg1"/>
+                </a:solidFill>
+              </a:rPr>
+              <a:t>usr</a:t>
+            </a:r>
+            <a:r>
+              <a:rPr lang="en-US" sz="2000" dirty="0" smtClean="0">
+                <a:solidFill>
+                  <a:schemeClr val="bg1"/>
+                </a:solidFill>
+              </a:rPr>
+              <a:t>/lib/</a:t>
             </a:r>
             <a:r>
               <a:rPr lang="en-US" sz="2000" dirty="0" err="1" smtClean="0">
                 <a:solidFill>
-                  <a:schemeClr val="accent6"/>
+                  <a:schemeClr val="bg1"/>
+                </a:solidFill>
+              </a:rPr>
+              <a:t>systemd</a:t>
+            </a:r>
+            <a:r>
+              <a:rPr lang="en-US" sz="2000" dirty="0" smtClean="0">
+                <a:solidFill>
+                  <a:schemeClr val="bg1"/>
+                </a:solidFill>
+              </a:rPr>
+              <a:t>/system</a:t>
+            </a:r>
+            <a:r>
+              <a:rPr lang="en-US" sz="2000" dirty="0" smtClean="0">
+                <a:solidFill>
+                  <a:schemeClr val="accent6"/>
+                </a:solidFill>
+              </a:rPr>
+              <a:t/>
+            </a:r>
+            <a:br>
+              <a:rPr lang="en-US" sz="2000" dirty="0" smtClean="0">
+                <a:solidFill>
+                  <a:schemeClr val="accent6"/>
+                </a:solidFill>
+              </a:rPr>
+            </a:br>
+            <a:r>
+              <a:rPr lang="en-US" sz="2000" dirty="0" smtClean="0">
+                <a:solidFill>
+                  <a:schemeClr val="accent6"/>
+                </a:solidFill>
+              </a:rPr>
+              <a:t/>
+            </a:r>
+            <a:br>
+              <a:rPr lang="en-US" sz="2000" dirty="0" smtClean="0">
+                <a:solidFill>
+                  <a:schemeClr val="accent6"/>
+                </a:solidFill>
+              </a:rPr>
+            </a:br>
+            <a:r>
+              <a:rPr lang="en-US" sz="2000" dirty="0" smtClean="0">
+                <a:solidFill>
+                  <a:srgbClr val="FF0000"/>
+                </a:solidFill>
+              </a:rPr>
+              <a:t>Exercises:</a:t>
+            </a:r>
+            <a:r>
+              <a:rPr lang="en-US" sz="2000" dirty="0" smtClean="0">
+                <a:solidFill>
+                  <a:schemeClr val="accent6"/>
+                </a:solidFill>
+              </a:rPr>
+              <a:t/>
+            </a:r>
+            <a:br>
+              <a:rPr lang="en-US" sz="2000" dirty="0" smtClean="0">
+                <a:solidFill>
+                  <a:schemeClr val="accent6"/>
+                </a:solidFill>
+              </a:rPr>
+            </a:br>
+            <a:r>
+              <a:rPr lang="en-US" sz="2000" dirty="0" smtClean="0">
+                <a:solidFill>
+                  <a:schemeClr val="accent6"/>
+                </a:solidFill>
+              </a:rPr>
+              <a:t>1. </a:t>
+            </a:r>
+            <a:r>
+              <a:rPr lang="en-US" sz="2000" dirty="0" smtClean="0">
+                <a:solidFill>
+                  <a:schemeClr val="bg1"/>
+                </a:solidFill>
+              </a:rPr>
+              <a:t>SYSTEMDD=/</a:t>
+            </a:r>
+            <a:r>
+              <a:rPr lang="en-US" sz="2000" dirty="0" err="1" smtClean="0">
+                <a:solidFill>
+                  <a:schemeClr val="bg1"/>
                 </a:solidFill>
               </a:rPr>
               <a:t>usr</a:t>
@@ -4643,7 +4745,7 @@
             <a:r>
               <a:rPr lang="en-US" sz="2000" dirty="0" smtClean="0">
                 <a:solidFill>
-                  <a:schemeClr val="accent6"/>
+                  <a:schemeClr val="bg1"/>
                 </a:solidFill>
               </a:rPr>
               <a:t>/lib/</a:t>
@@ -4651,7 +4753,7 @@
             <a:r>
               <a:rPr lang="en-US" sz="2000" dirty="0" err="1" smtClean="0">
                 <a:solidFill>
-                  <a:schemeClr val="accent6"/>
+                  <a:schemeClr val="bg1"/>
                 </a:solidFill>
               </a:rPr>
               <a:t>systemd</a:t>
@@ -4659,76 +4761,217 @@
             <a:r>
               <a:rPr lang="en-US" sz="2000" dirty="0" smtClean="0">
                 <a:solidFill>
-                  <a:schemeClr val="accent6"/>
+                  <a:schemeClr val="bg1"/>
                 </a:solidFill>
               </a:rPr>
               <a:t>/system</a:t>
             </a:r>
-            <a:br>
-              <a:rPr lang="en-US" sz="2000" dirty="0" smtClean="0">
-                <a:solidFill>
-                  <a:schemeClr val="accent6"/>
-                </a:solidFill>
-              </a:rPr>
-            </a:br>
-            <a:r>
-              <a:rPr lang="en-US" sz="2000" dirty="0" smtClean="0">
-                <a:solidFill>
-                  <a:schemeClr val="accent6"/>
-                </a:solidFill>
-              </a:rPr>
-              <a:t/>
-            </a:r>
-            <a:br>
-              <a:rPr lang="en-US" sz="2000" dirty="0" smtClean="0">
-                <a:solidFill>
-                  <a:schemeClr val="accent6"/>
-                </a:solidFill>
-              </a:rPr>
-            </a:br>
-            <a:r>
-              <a:rPr lang="en-US" sz="2000" dirty="0" smtClean="0">
-                <a:solidFill>
-                  <a:schemeClr val="accent6"/>
-                </a:solidFill>
-              </a:rPr>
-              <a:t>Exercises:</a:t>
-            </a:r>
-            <a:br>
-              <a:rPr lang="en-US" sz="2000" dirty="0" smtClean="0">
-                <a:solidFill>
-                  <a:schemeClr val="accent6"/>
-                </a:solidFill>
-              </a:rPr>
-            </a:br>
-            <a:r>
-              <a:rPr lang="en-US" sz="2000" dirty="0" smtClean="0">
-                <a:solidFill>
-                  <a:schemeClr val="accent6"/>
-                </a:solidFill>
-              </a:rPr>
-              <a:t>1. SYSTEMDD=/</a:t>
+            <a:r>
+              <a:rPr lang="en-US" sz="2000" dirty="0" smtClean="0">
+                <a:solidFill>
+                  <a:schemeClr val="accent6"/>
+                </a:solidFill>
+              </a:rPr>
+              <a:t/>
+            </a:r>
+            <a:br>
+              <a:rPr lang="en-US" sz="2000" dirty="0" smtClean="0">
+                <a:solidFill>
+                  <a:schemeClr val="accent6"/>
+                </a:solidFill>
+              </a:rPr>
+            </a:br>
+            <a:r>
+              <a:rPr lang="en-US" sz="2000" dirty="0" smtClean="0">
+                <a:solidFill>
+                  <a:schemeClr val="accent6"/>
+                </a:solidFill>
+              </a:rPr>
+              <a:t>2. </a:t>
+            </a:r>
+            <a:r>
+              <a:rPr lang="en-US" sz="2000" dirty="0" smtClean="0">
+                <a:solidFill>
+                  <a:schemeClr val="bg1"/>
+                </a:solidFill>
+              </a:rPr>
+              <a:t>cd $SYSTEMDD</a:t>
+            </a:r>
+            <a:r>
+              <a:rPr lang="en-US" sz="2000" dirty="0" smtClean="0">
+                <a:solidFill>
+                  <a:schemeClr val="accent6"/>
+                </a:solidFill>
+              </a:rPr>
+              <a:t/>
+            </a:r>
+            <a:br>
+              <a:rPr lang="en-US" sz="2000" dirty="0" smtClean="0">
+                <a:solidFill>
+                  <a:schemeClr val="accent6"/>
+                </a:solidFill>
+              </a:rPr>
+            </a:br>
+            <a:r>
+              <a:rPr lang="en-US" sz="2000" dirty="0" smtClean="0">
+                <a:solidFill>
+                  <a:schemeClr val="accent6"/>
+                </a:solidFill>
+              </a:rPr>
+              <a:t>3. </a:t>
             </a:r>
             <a:r>
               <a:rPr lang="en-US" sz="2000" dirty="0" err="1" smtClean="0">
                 <a:solidFill>
-                  <a:schemeClr val="accent6"/>
-                </a:solidFill>
-              </a:rPr>
-              <a:t>usr</a:t>
-            </a:r>
-            <a:r>
-              <a:rPr lang="en-US" sz="2000" dirty="0" smtClean="0">
-                <a:solidFill>
-                  <a:schemeClr val="accent6"/>
-                </a:solidFill>
-              </a:rPr>
-              <a:t>/lib/</a:t>
+                  <a:schemeClr val="bg1"/>
+                </a:solidFill>
+              </a:rPr>
+              <a:t>pwd</a:t>
+            </a:r>
+            <a:r>
+              <a:rPr lang="en-US" sz="2000" dirty="0" smtClean="0">
+                <a:solidFill>
+                  <a:schemeClr val="accent6"/>
+                </a:solidFill>
+              </a:rPr>
+              <a:t/>
+            </a:r>
+            <a:br>
+              <a:rPr lang="en-US" sz="2000" dirty="0" smtClean="0">
+                <a:solidFill>
+                  <a:schemeClr val="accent6"/>
+                </a:solidFill>
+              </a:rPr>
+            </a:br>
+            <a:r>
+              <a:rPr lang="en-US" sz="2000" dirty="0" smtClean="0">
+                <a:solidFill>
+                  <a:schemeClr val="accent6"/>
+                </a:solidFill>
+              </a:rPr>
+              <a:t>4. </a:t>
+            </a:r>
+            <a:r>
+              <a:rPr lang="en-US" sz="2000" dirty="0" smtClean="0">
+                <a:solidFill>
+                  <a:schemeClr val="bg1"/>
+                </a:solidFill>
+              </a:rPr>
+              <a:t>file </a:t>
             </a:r>
             <a:r>
               <a:rPr lang="en-US" sz="2000" dirty="0" err="1" smtClean="0">
                 <a:solidFill>
-                  <a:schemeClr val="accent6"/>
+                  <a:schemeClr val="bg1"/>
+                </a:solidFill>
+              </a:rPr>
+              <a:t>default.target</a:t>
+            </a:r>
+            <a:r>
+              <a:rPr lang="en-US" sz="2000" dirty="0" smtClean="0">
+                <a:solidFill>
+                  <a:schemeClr val="accent6"/>
+                </a:solidFill>
+              </a:rPr>
+              <a:t/>
+            </a:r>
+            <a:br>
+              <a:rPr lang="en-US" sz="2000" dirty="0" smtClean="0">
+                <a:solidFill>
+                  <a:schemeClr val="accent6"/>
+                </a:solidFill>
+              </a:rPr>
+            </a:br>
+            <a:r>
+              <a:rPr lang="en-US" sz="2000" dirty="0" smtClean="0">
+                <a:solidFill>
+                  <a:schemeClr val="accent6"/>
+                </a:solidFill>
+              </a:rPr>
+              <a:t>5. </a:t>
+            </a:r>
+            <a:r>
+              <a:rPr lang="en-US" sz="2000" dirty="0" smtClean="0">
+                <a:solidFill>
+                  <a:schemeClr val="bg1"/>
+                </a:solidFill>
+              </a:rPr>
+              <a:t>cat </a:t>
+            </a:r>
+            <a:r>
+              <a:rPr lang="en-US" sz="2000" dirty="0" err="1" smtClean="0">
+                <a:solidFill>
+                  <a:schemeClr val="bg1"/>
+                </a:solidFill>
+              </a:rPr>
+              <a:t>default.target</a:t>
+            </a:r>
+            <a:r>
+              <a:rPr lang="en-US" sz="2000" dirty="0">
+                <a:solidFill>
+                  <a:schemeClr val="bg1"/>
+                </a:solidFill>
+              </a:rPr>
+              <a:t/>
+            </a:r>
+            <a:br>
+              <a:rPr lang="en-US" sz="2000" dirty="0">
+                <a:solidFill>
+                  <a:schemeClr val="bg1"/>
+                </a:solidFill>
+              </a:rPr>
+            </a:br>
+            <a:r>
+              <a:rPr lang="en-US" sz="2000" dirty="0" smtClean="0">
+                <a:solidFill>
+                  <a:schemeClr val="accent6"/>
+                </a:solidFill>
+              </a:rPr>
+              <a:t/>
+            </a:r>
+            <a:br>
+              <a:rPr lang="en-US" sz="2000" dirty="0" smtClean="0">
+                <a:solidFill>
+                  <a:schemeClr val="accent6"/>
+                </a:solidFill>
+              </a:rPr>
+            </a:br>
+            <a:r>
+              <a:rPr lang="en-US" sz="2000" dirty="0" smtClean="0">
+                <a:solidFill>
+                  <a:schemeClr val="accent6"/>
+                </a:solidFill>
+              </a:rPr>
+              <a:t>Overriding the default configurations happens in </a:t>
+            </a:r>
+            <a:r>
+              <a:rPr lang="en-US" sz="2000" dirty="0" smtClean="0">
+                <a:solidFill>
+                  <a:schemeClr val="bg1"/>
+                </a:solidFill>
+              </a:rPr>
+              <a:t>/</a:t>
+            </a:r>
+            <a:r>
+              <a:rPr lang="en-US" sz="2000" dirty="0" err="1" smtClean="0">
+                <a:solidFill>
+                  <a:schemeClr val="bg1"/>
+                </a:solidFill>
+              </a:rPr>
+              <a:t>etc</a:t>
+            </a:r>
+            <a:r>
+              <a:rPr lang="en-US" sz="2000" dirty="0" smtClean="0">
+                <a:solidFill>
+                  <a:schemeClr val="bg1"/>
+                </a:solidFill>
+              </a:rPr>
+              <a:t>/</a:t>
+            </a:r>
+            <a:r>
+              <a:rPr lang="en-US" sz="2000" dirty="0" err="1" smtClean="0">
+                <a:solidFill>
+                  <a:schemeClr val="bg1"/>
                 </a:solidFill>
               </a:rPr>
               <a:t>systemd</a:t>
@@ -4736,180 +4979,18 @@
             <a:r>
               <a:rPr lang="en-US" sz="2000" dirty="0" smtClean="0">
                 <a:solidFill>
-                  <a:schemeClr val="accent6"/>
+                  <a:schemeClr val="bg1"/>
                 </a:solidFill>
               </a:rPr>
               <a:t>/system</a:t>
             </a:r>
-            <a:br>
-              <a:rPr lang="en-US" sz="2000" dirty="0" smtClean="0">
-                <a:solidFill>
-                  <a:schemeClr val="accent6"/>
-                </a:solidFill>
-              </a:rPr>
-            </a:br>
-            <a:r>
-              <a:rPr lang="en-US" sz="2000" dirty="0" smtClean="0">
-                <a:solidFill>
-                  <a:schemeClr val="accent6"/>
-                </a:solidFill>
-              </a:rPr>
-              <a:t>2. cd $SYSTEMDD</a:t>
-            </a:r>
-            <a:br>
-              <a:rPr lang="en-US" sz="2000" dirty="0" smtClean="0">
-                <a:solidFill>
-                  <a:schemeClr val="accent6"/>
-                </a:solidFill>
-              </a:rPr>
-            </a:br>
-            <a:r>
-              <a:rPr lang="en-US" sz="2000" dirty="0" smtClean="0">
-                <a:solidFill>
-                  <a:schemeClr val="accent6"/>
-                </a:solidFill>
-              </a:rPr>
-              <a:t>3. </a:t>
-            </a:r>
-            <a:r>
-              <a:rPr lang="en-US" sz="2000" dirty="0" err="1" smtClean="0">
-                <a:solidFill>
-                  <a:schemeClr val="accent6"/>
-                </a:solidFill>
-              </a:rPr>
-              <a:t>pwd</a:t>
-            </a:r>
-            <a:r>
-              <a:rPr lang="en-US" sz="2000" dirty="0" smtClean="0">
-                <a:solidFill>
-                  <a:schemeClr val="accent6"/>
-                </a:solidFill>
-              </a:rPr>
-              <a:t/>
-            </a:r>
-            <a:br>
-              <a:rPr lang="en-US" sz="2000" dirty="0" smtClean="0">
-                <a:solidFill>
-                  <a:schemeClr val="accent6"/>
-                </a:solidFill>
-              </a:rPr>
-            </a:br>
-            <a:r>
-              <a:rPr lang="en-US" sz="2000" dirty="0" smtClean="0">
-                <a:solidFill>
-                  <a:schemeClr val="accent6"/>
-                </a:solidFill>
-              </a:rPr>
-              <a:t>4. file </a:t>
-            </a:r>
-            <a:r>
-              <a:rPr lang="en-US" sz="2000" dirty="0" err="1" smtClean="0">
-                <a:solidFill>
-                  <a:schemeClr val="accent6"/>
-                </a:solidFill>
-              </a:rPr>
-              <a:t>default.target</a:t>
-            </a:r>
-            <a:r>
-              <a:rPr lang="en-US" sz="2000" dirty="0" smtClean="0">
-                <a:solidFill>
-                  <a:schemeClr val="accent6"/>
-                </a:solidFill>
-              </a:rPr>
-              <a:t/>
-            </a:r>
-            <a:br>
-              <a:rPr lang="en-US" sz="2000" dirty="0" smtClean="0">
-                <a:solidFill>
-                  <a:schemeClr val="accent6"/>
-                </a:solidFill>
-              </a:rPr>
-            </a:br>
-            <a:r>
-              <a:rPr lang="en-US" sz="2000" dirty="0" smtClean="0">
-                <a:solidFill>
-                  <a:schemeClr val="accent6"/>
-                </a:solidFill>
-              </a:rPr>
-              <a:t>5. cat </a:t>
-            </a:r>
-            <a:r>
-              <a:rPr lang="en-US" sz="2000" dirty="0" err="1" smtClean="0">
-                <a:solidFill>
-                  <a:schemeClr val="accent6"/>
-                </a:solidFill>
-              </a:rPr>
-              <a:t>default.target</a:t>
-            </a:r>
-            <a:r>
-              <a:rPr lang="en-US" sz="2000" dirty="0">
-                <a:solidFill>
-                  <a:schemeClr val="accent6"/>
-                </a:solidFill>
-              </a:rPr>
-              <a:t/>
-            </a:r>
-            <a:br>
-              <a:rPr lang="en-US" sz="2000" dirty="0">
-                <a:solidFill>
-                  <a:schemeClr val="accent6"/>
-                </a:solidFill>
-              </a:rPr>
-            </a:br>
-            <a:r>
-              <a:rPr lang="en-US" sz="2000" dirty="0" smtClean="0">
-                <a:solidFill>
-                  <a:schemeClr val="accent6"/>
-                </a:solidFill>
-              </a:rPr>
-              <a:t/>
-            </a:r>
-            <a:br>
-              <a:rPr lang="en-US" sz="2000" dirty="0" smtClean="0">
-                <a:solidFill>
-                  <a:schemeClr val="accent6"/>
-                </a:solidFill>
-              </a:rPr>
-            </a:br>
-            <a:r>
-              <a:rPr lang="en-US" sz="2000" dirty="0" smtClean="0">
-                <a:solidFill>
-                  <a:schemeClr val="accent6"/>
-                </a:solidFill>
-              </a:rPr>
-              <a:t>Overriding the default configurations happens in /</a:t>
-            </a:r>
-            <a:r>
-              <a:rPr lang="en-US" sz="2000" dirty="0" err="1" smtClean="0">
-                <a:solidFill>
-                  <a:schemeClr val="accent6"/>
-                </a:solidFill>
-              </a:rPr>
-              <a:t>etc</a:t>
-            </a:r>
-            <a:r>
-              <a:rPr lang="en-US" sz="2000" dirty="0" smtClean="0">
-                <a:solidFill>
-                  <a:schemeClr val="accent6"/>
-                </a:solidFill>
-              </a:rPr>
-              <a:t>/</a:t>
-            </a:r>
-            <a:r>
-              <a:rPr lang="en-US" sz="2000" dirty="0" err="1" smtClean="0">
-                <a:solidFill>
-                  <a:schemeClr val="accent6"/>
-                </a:solidFill>
-              </a:rPr>
-              <a:t>systemd</a:t>
-            </a:r>
-            <a:r>
-              <a:rPr lang="en-US" sz="2000" dirty="0" smtClean="0">
-                <a:solidFill>
-                  <a:schemeClr val="accent6"/>
-                </a:solidFill>
-              </a:rPr>
-              <a:t>/system</a:t>
+            <a:r>
+              <a:rPr lang="en-US" sz="2000" dirty="0" smtClean="0">
+                <a:solidFill>
+                  <a:schemeClr val="accent6"/>
+                </a:solidFill>
+              </a:rPr>
+              <a:t/>
             </a:r>
             <a:br>
               <a:rPr lang="en-US" sz="2000" dirty="0" smtClean="0">
@@ -4971,7 +5052,12 @@
             <p:ph idx="1"/>
           </p:nvPr>
         </p:nvSpPr>
-        <p:spPr/>
+        <p:spPr>
+          <a:xfrm>
+            <a:off x="457200" y="4343400"/>
+            <a:ext cx="8229600" cy="1782763"/>
+          </a:xfrm>
+        </p:spPr>
         <p:txBody>
           <a:bodyPr/>
           <a:lstStyle/>
@@ -5080,13 +5166,10 @@
             </a:r>
           </a:p>
           <a:p>
-            <a:pPr marL="514350" indent="-514350">
-              <a:buAutoNum type="arabicPeriod"/>
-            </a:pPr>
             <a:r>
               <a:rPr lang="en-US" sz="2000" dirty="0" err="1" smtClean="0">
                 <a:solidFill>
-                  <a:schemeClr val="accent6"/>
+                  <a:schemeClr val="bg1"/>
                 </a:solidFill>
               </a:rPr>
               <a:t>systemctl</a:t>
@@ -5094,7 +5177,7 @@
             <a:r>
               <a:rPr lang="en-US" sz="2000" dirty="0" smtClean="0">
                 <a:solidFill>
-                  <a:schemeClr val="accent6"/>
+                  <a:schemeClr val="bg1"/>
                 </a:solidFill>
               </a:rPr>
               <a:t> status </a:t>
@@ -5102,276 +5185,200 @@
             <a:r>
               <a:rPr lang="en-US" sz="2000" dirty="0" err="1" smtClean="0">
                 <a:solidFill>
-                  <a:schemeClr val="accent6"/>
+                  <a:schemeClr val="bg1"/>
                 </a:solidFill>
               </a:rPr>
               <a:t>sshd</a:t>
             </a:r>
-            <a:endParaRPr lang="en-US" sz="2000" dirty="0" smtClean="0">
+            <a:endParaRPr lang="en-US" sz="2000" dirty="0">
+              <a:solidFill>
+                <a:schemeClr val="bg1"/>
+              </a:solidFill>
+            </a:endParaRPr>
+          </a:p>
+          <a:p>
+            <a:r>
+              <a:rPr lang="en-US" sz="2000" dirty="0" err="1" smtClean="0">
+                <a:solidFill>
+                  <a:schemeClr val="bg1"/>
+                </a:solidFill>
+              </a:rPr>
+              <a:t>systemctl</a:t>
+            </a:r>
+            <a:r>
+              <a:rPr lang="en-US" sz="2000" dirty="0" smtClean="0">
+                <a:solidFill>
+                  <a:schemeClr val="bg1"/>
+                </a:solidFill>
+              </a:rPr>
+              <a:t> stop </a:t>
+            </a:r>
+            <a:r>
+              <a:rPr lang="en-US" sz="2000" dirty="0" err="1" smtClean="0">
+                <a:solidFill>
+                  <a:schemeClr val="bg1"/>
+                </a:solidFill>
+              </a:rPr>
+              <a:t>sshd</a:t>
+            </a:r>
+            <a:endParaRPr lang="en-US" sz="2000" dirty="0">
+              <a:solidFill>
+                <a:schemeClr val="bg1"/>
+              </a:solidFill>
+            </a:endParaRPr>
+          </a:p>
+          <a:p>
+            <a:r>
+              <a:rPr lang="en-US" sz="2000" dirty="0" err="1" smtClean="0">
+                <a:solidFill>
+                  <a:schemeClr val="bg1"/>
+                </a:solidFill>
+              </a:rPr>
+              <a:t>systemctl</a:t>
+            </a:r>
+            <a:r>
+              <a:rPr lang="en-US" sz="2000" dirty="0" smtClean="0">
+                <a:solidFill>
+                  <a:schemeClr val="bg1"/>
+                </a:solidFill>
+              </a:rPr>
+              <a:t> status </a:t>
+            </a:r>
+            <a:r>
+              <a:rPr lang="en-US" sz="2000" dirty="0" err="1" smtClean="0">
+                <a:solidFill>
+                  <a:schemeClr val="bg1"/>
+                </a:solidFill>
+              </a:rPr>
+              <a:t>sshd</a:t>
+            </a:r>
+            <a:endParaRPr lang="en-US" sz="2000" dirty="0">
+              <a:solidFill>
+                <a:schemeClr val="bg1"/>
+              </a:solidFill>
+            </a:endParaRPr>
+          </a:p>
+          <a:p>
+            <a:r>
+              <a:rPr lang="en-US" sz="2000" dirty="0" err="1" smtClean="0">
+                <a:solidFill>
+                  <a:schemeClr val="bg1"/>
+                </a:solidFill>
+              </a:rPr>
+              <a:t>systemctl</a:t>
+            </a:r>
+            <a:r>
+              <a:rPr lang="en-US" sz="2000" dirty="0" smtClean="0">
+                <a:solidFill>
+                  <a:schemeClr val="bg1"/>
+                </a:solidFill>
+              </a:rPr>
+              <a:t> start </a:t>
+            </a:r>
+            <a:r>
+              <a:rPr lang="en-US" sz="2000" dirty="0" err="1" smtClean="0">
+                <a:solidFill>
+                  <a:schemeClr val="bg1"/>
+                </a:solidFill>
+              </a:rPr>
+              <a:t>sshd</a:t>
+            </a:r>
+            <a:endParaRPr lang="en-US" sz="2000" dirty="0">
+              <a:solidFill>
+                <a:schemeClr val="bg1"/>
+              </a:solidFill>
+            </a:endParaRPr>
+          </a:p>
+          <a:p>
+            <a:r>
+              <a:rPr lang="en-US" sz="2000" dirty="0" err="1" smtClean="0">
+                <a:solidFill>
+                  <a:schemeClr val="bg1"/>
+                </a:solidFill>
+              </a:rPr>
+              <a:t>systemctl</a:t>
+            </a:r>
+            <a:r>
+              <a:rPr lang="en-US" sz="2000" dirty="0" smtClean="0">
+                <a:solidFill>
+                  <a:schemeClr val="bg1"/>
+                </a:solidFill>
+              </a:rPr>
+              <a:t> is-enabled </a:t>
+            </a:r>
+            <a:r>
+              <a:rPr lang="en-US" sz="2000" dirty="0" err="1" smtClean="0">
+                <a:solidFill>
+                  <a:schemeClr val="bg1"/>
+                </a:solidFill>
+              </a:rPr>
+              <a:t>sshd</a:t>
+            </a:r>
+            <a:endParaRPr lang="en-US" sz="2000" dirty="0">
+              <a:solidFill>
+                <a:schemeClr val="bg1"/>
+              </a:solidFill>
+            </a:endParaRPr>
+          </a:p>
+          <a:p>
+            <a:r>
+              <a:rPr lang="en-US" sz="2000" dirty="0" err="1" smtClean="0">
+                <a:solidFill>
+                  <a:schemeClr val="bg1"/>
+                </a:solidFill>
+              </a:rPr>
+              <a:t>systemctl</a:t>
+            </a:r>
+            <a:r>
+              <a:rPr lang="en-US" sz="2000" dirty="0" smtClean="0">
+                <a:solidFill>
+                  <a:schemeClr val="bg1"/>
+                </a:solidFill>
+              </a:rPr>
+              <a:t> disable </a:t>
+            </a:r>
+            <a:r>
+              <a:rPr lang="en-US" sz="2000" dirty="0" err="1" smtClean="0">
+                <a:solidFill>
+                  <a:schemeClr val="bg1"/>
+                </a:solidFill>
+              </a:rPr>
+              <a:t>ssh</a:t>
+            </a:r>
+            <a:endParaRPr lang="en-US" sz="2000" dirty="0">
               <a:solidFill>
                 <a:schemeClr val="accent6"/>
               </a:solidFill>
             </a:endParaRPr>
           </a:p>
           <a:p>
-            <a:pPr marL="514350" indent="-514350">
-              <a:buAutoNum type="arabicPeriod"/>
-            </a:pPr>
-            <a:r>
-              <a:rPr lang="en-US" sz="2000" dirty="0" err="1">
-                <a:solidFill>
-                  <a:schemeClr val="accent6"/>
-                </a:solidFill>
-              </a:rPr>
-              <a:t>s</a:t>
-            </a:r>
             <a:r>
               <a:rPr lang="en-US" sz="2000" dirty="0" err="1" smtClean="0">
                 <a:solidFill>
-                  <a:schemeClr val="accent6"/>
-                </a:solidFill>
-              </a:rPr>
-              <a:t>ystemctl</a:t>
-            </a:r>
-            <a:r>
-              <a:rPr lang="en-US" sz="2000" dirty="0" smtClean="0">
-                <a:solidFill>
-                  <a:schemeClr val="accent6"/>
-                </a:solidFill>
-              </a:rPr>
-              <a:t> stop </a:t>
+                  <a:schemeClr val="bg1"/>
+                </a:solidFill>
+              </a:rPr>
+              <a:t>systemctl</a:t>
+            </a:r>
+            <a:r>
+              <a:rPr lang="en-US" sz="2000" dirty="0" smtClean="0">
+                <a:solidFill>
+                  <a:schemeClr val="bg1"/>
+                </a:solidFill>
+              </a:rPr>
+              <a:t> enable </a:t>
             </a:r>
             <a:r>
               <a:rPr lang="en-US" sz="2000" dirty="0" err="1" smtClean="0">
                 <a:solidFill>
-                  <a:schemeClr val="accent6"/>
+                  <a:schemeClr val="bg1"/>
                 </a:solidFill>
               </a:rPr>
               <a:t>sshd</a:t>
             </a:r>
             <a:endParaRPr lang="en-US" sz="2000" dirty="0" smtClean="0">
               <a:solidFill>
-                <a:schemeClr val="accent6"/>
-              </a:solidFill>
-            </a:endParaRPr>
-          </a:p>
-          <a:p>
-            <a:pPr marL="514350" indent="-514350">
-              <a:buAutoNum type="arabicPeriod"/>
-            </a:pPr>
-            <a:r>
-              <a:rPr lang="en-US" sz="2000" dirty="0" err="1">
-                <a:solidFill>
-                  <a:schemeClr val="accent6"/>
-                </a:solidFill>
-              </a:rPr>
-              <a:t>s</a:t>
-            </a:r>
-            <a:r>
-              <a:rPr lang="en-US" sz="2000" dirty="0" err="1" smtClean="0">
-                <a:solidFill>
-                  <a:schemeClr val="accent6"/>
-                </a:solidFill>
-              </a:rPr>
-              <a:t>ystemctl</a:t>
-            </a:r>
-            <a:r>
-              <a:rPr lang="en-US" sz="2000" dirty="0" smtClean="0">
-                <a:solidFill>
-                  <a:schemeClr val="accent6"/>
-                </a:solidFill>
-              </a:rPr>
-              <a:t> status </a:t>
-            </a:r>
-            <a:r>
-              <a:rPr lang="en-US" sz="2000" dirty="0" err="1" smtClean="0">
-                <a:solidFill>
-                  <a:schemeClr val="accent6"/>
-                </a:solidFill>
-              </a:rPr>
-              <a:t>sshd</a:t>
-            </a:r>
-            <a:endParaRPr lang="en-US" sz="2000" dirty="0" smtClean="0">
-              <a:solidFill>
-                <a:schemeClr val="accent6"/>
-              </a:solidFill>
-            </a:endParaRPr>
-          </a:p>
-          <a:p>
-            <a:pPr marL="514350" indent="-514350">
-              <a:buAutoNum type="arabicPeriod"/>
-            </a:pPr>
-            <a:r>
-              <a:rPr lang="en-US" sz="2000" dirty="0" err="1">
-                <a:solidFill>
-                  <a:schemeClr val="accent6"/>
-                </a:solidFill>
-              </a:rPr>
-              <a:t>s</a:t>
-            </a:r>
-            <a:r>
-              <a:rPr lang="en-US" sz="2000" dirty="0" err="1" smtClean="0">
-                <a:solidFill>
-                  <a:schemeClr val="accent6"/>
-                </a:solidFill>
-              </a:rPr>
-              <a:t>ystemctl</a:t>
-            </a:r>
-            <a:r>
-              <a:rPr lang="en-US" sz="2000" dirty="0" smtClean="0">
-                <a:solidFill>
-                  <a:schemeClr val="accent6"/>
-                </a:solidFill>
-              </a:rPr>
-              <a:t> start </a:t>
-            </a:r>
-            <a:r>
-              <a:rPr lang="en-US" sz="2000" dirty="0" err="1" smtClean="0">
-                <a:solidFill>
-                  <a:schemeClr val="accent6"/>
-                </a:solidFill>
-              </a:rPr>
-              <a:t>sshd</a:t>
-            </a:r>
-            <a:endParaRPr lang="en-US" sz="2000" dirty="0" smtClean="0">
-              <a:solidFill>
-                <a:schemeClr val="accent6"/>
-              </a:solidFill>
-            </a:endParaRPr>
-          </a:p>
-          <a:p>
-            <a:pPr marL="514350" indent="-514350">
-              <a:buAutoNum type="arabicPeriod"/>
-            </a:pPr>
-            <a:r>
-              <a:rPr lang="en-US" sz="2000" dirty="0" err="1">
-                <a:solidFill>
-                  <a:schemeClr val="accent6"/>
-                </a:solidFill>
-              </a:rPr>
-              <a:t>s</a:t>
-            </a:r>
-            <a:r>
-              <a:rPr lang="en-US" sz="2000" dirty="0" err="1" smtClean="0">
-                <a:solidFill>
-                  <a:schemeClr val="accent6"/>
-                </a:solidFill>
-              </a:rPr>
-              <a:t>ystemctl</a:t>
-            </a:r>
-            <a:r>
-              <a:rPr lang="en-US" sz="2000" dirty="0" smtClean="0">
-                <a:solidFill>
-                  <a:schemeClr val="accent6"/>
-                </a:solidFill>
-              </a:rPr>
-              <a:t> is-enabled </a:t>
-            </a:r>
-            <a:r>
-              <a:rPr lang="en-US" sz="2000" dirty="0" err="1" smtClean="0">
-                <a:solidFill>
-                  <a:schemeClr val="accent6"/>
-                </a:solidFill>
-              </a:rPr>
-              <a:t>sshd</a:t>
-            </a:r>
-            <a:endParaRPr lang="en-US" sz="2000" dirty="0" smtClean="0">
-              <a:solidFill>
-                <a:schemeClr val="accent6"/>
-              </a:solidFill>
-            </a:endParaRPr>
-          </a:p>
-          <a:p>
-            <a:r>
-              <a:rPr lang="en-US" sz="2000" dirty="0" smtClean="0">
-                <a:solidFill>
-                  <a:schemeClr val="accent6"/>
-                </a:solidFill>
-              </a:rPr>
-              <a:t>6. </a:t>
-            </a:r>
-            <a:r>
-              <a:rPr lang="en-US" sz="2000" dirty="0" err="1">
-                <a:solidFill>
-                  <a:schemeClr val="accent6"/>
-                </a:solidFill>
-              </a:rPr>
-              <a:t>s</a:t>
-            </a:r>
-            <a:r>
-              <a:rPr lang="en-US" sz="2000" dirty="0" err="1" smtClean="0">
-                <a:solidFill>
-                  <a:schemeClr val="accent6"/>
-                </a:solidFill>
-              </a:rPr>
-              <a:t>ystemctl</a:t>
-            </a:r>
-            <a:r>
-              <a:rPr lang="en-US" sz="2000" dirty="0" smtClean="0">
-                <a:solidFill>
-                  <a:schemeClr val="accent6"/>
-                </a:solidFill>
-              </a:rPr>
-              <a:t> disable </a:t>
-            </a:r>
-            <a:r>
-              <a:rPr lang="en-US" sz="2000" dirty="0" err="1" smtClean="0">
-                <a:solidFill>
-                  <a:schemeClr val="accent6"/>
-                </a:solidFill>
-              </a:rPr>
-              <a:t>sshd</a:t>
-            </a:r>
-            <a:endParaRPr lang="en-US" sz="2000" dirty="0" smtClean="0">
-              <a:solidFill>
-                <a:schemeClr val="accent6"/>
-              </a:solidFill>
-            </a:endParaRPr>
-          </a:p>
-          <a:p>
-            <a:r>
-              <a:rPr lang="en-US" sz="2000" dirty="0" smtClean="0">
-                <a:solidFill>
-                  <a:schemeClr val="accent6"/>
-                </a:solidFill>
-              </a:rPr>
-              <a:t>7. </a:t>
-            </a:r>
-            <a:r>
-              <a:rPr lang="en-US" sz="2000" dirty="0" err="1">
-                <a:solidFill>
-                  <a:schemeClr val="accent6"/>
-                </a:solidFill>
-              </a:rPr>
-              <a:t>s</a:t>
-            </a:r>
-            <a:r>
-              <a:rPr lang="en-US" sz="2000" dirty="0" err="1" smtClean="0">
-                <a:solidFill>
-                  <a:schemeClr val="accent6"/>
-                </a:solidFill>
-              </a:rPr>
-              <a:t>ystemctl</a:t>
-            </a:r>
-            <a:r>
-              <a:rPr lang="en-US" sz="2000" dirty="0" smtClean="0">
-                <a:solidFill>
-                  <a:schemeClr val="accent6"/>
-                </a:solidFill>
-              </a:rPr>
-              <a:t> enable </a:t>
-            </a:r>
-            <a:r>
-              <a:rPr lang="en-US" sz="2000" dirty="0" err="1" smtClean="0">
-                <a:solidFill>
-                  <a:schemeClr val="accent6"/>
-                </a:solidFill>
-              </a:rPr>
-              <a:t>sshd</a:t>
-            </a:r>
-            <a:endParaRPr lang="en-US" sz="2000" dirty="0" smtClean="0">
-              <a:solidFill>
-                <a:schemeClr val="accent6"/>
+                <a:schemeClr val="bg1"/>
               </a:solidFill>
             </a:endParaRPr>
           </a:p>
@@ -5661,12 +5668,20 @@
                   <a:schemeClr val="accent6"/>
                 </a:solidFill>
               </a:rPr>
-              <a:t>1. cat /</a:t>
+              <a:t>1. </a:t>
+            </a:r>
+            <a:r>
+              <a:rPr lang="en-US" sz="2200" dirty="0" smtClean="0">
+                <a:solidFill>
+                  <a:schemeClr val="bg1"/>
+                </a:solidFill>
+              </a:rPr>
+              <a:t>cat /</a:t>
             </a:r>
             <a:r>
               <a:rPr lang="en-US" sz="2200" dirty="0" err="1" smtClean="0">
                 <a:solidFill>
-                  <a:schemeClr val="accent6"/>
+                  <a:schemeClr val="bg1"/>
                 </a:solidFill>
               </a:rPr>
               <a:t>usr</a:t>
@@ -5674,7 +5689,7 @@
             <a:r>
               <a:rPr lang="en-US" sz="2200" dirty="0" smtClean="0">
                 <a:solidFill>
-                  <a:schemeClr val="accent6"/>
+                  <a:schemeClr val="bg1"/>
                 </a:solidFill>
               </a:rPr>
               <a:t>/lib/</a:t>
@@ -5682,7 +5697,7 @@
             <a:r>
               <a:rPr lang="en-US" sz="2200" dirty="0" err="1" smtClean="0">
                 <a:solidFill>
-                  <a:schemeClr val="accent6"/>
+                  <a:schemeClr val="bg1"/>
                 </a:solidFill>
               </a:rPr>
               <a:t>systemd</a:t>
@@ -5690,7 +5705,7 @@
             <a:r>
               <a:rPr lang="en-US" sz="2200" dirty="0" smtClean="0">
                 <a:solidFill>
-                  <a:schemeClr val="accent6"/>
+                  <a:schemeClr val="bg1"/>
                 </a:solidFill>
               </a:rPr>
               <a:t>/system/</a:t>
@@ -5698,7 +5713,7 @@
             <a:r>
               <a:rPr lang="en-US" sz="2200" dirty="0" err="1" smtClean="0">
                 <a:solidFill>
-                  <a:schemeClr val="accent6"/>
+                  <a:schemeClr val="bg1"/>
                 </a:solidFill>
               </a:rPr>
               <a:t>graphical.target</a:t>
@@ -5729,7 +5744,7 @@
             <a:r>
               <a:rPr lang="en-US" sz="2200" dirty="0" err="1" smtClean="0">
                 <a:solidFill>
-                  <a:schemeClr val="accent6"/>
+                  <a:schemeClr val="bg1"/>
                 </a:solidFill>
               </a:rPr>
               <a:t>systemctl</a:t>
@@ -5737,10 +5752,18 @@
             <a:r>
               <a:rPr lang="en-US" sz="2200" dirty="0" smtClean="0">
                 <a:solidFill>
-                  <a:schemeClr val="accent6"/>
-                </a:solidFill>
-              </a:rPr>
-              <a:t> get-default =&gt; multi-</a:t>
+                  <a:schemeClr val="bg1"/>
+                </a:solidFill>
+              </a:rPr>
+              <a:t> get-default </a:t>
+            </a:r>
+            <a:r>
+              <a:rPr lang="en-US" sz="2200" dirty="0" smtClean="0">
+                <a:solidFill>
+                  <a:schemeClr val="accent6"/>
+                </a:solidFill>
+              </a:rPr>
+              <a:t>=&gt; multi-</a:t>
             </a:r>
             <a:r>
               <a:rPr lang="en-US" sz="2200" dirty="0" err="1" smtClean="0">
@@ -5776,7 +5799,7 @@
             <a:r>
               <a:rPr lang="en-US" sz="2200" dirty="0" err="1" smtClean="0">
                 <a:solidFill>
-                  <a:schemeClr val="accent6"/>
+                  <a:schemeClr val="bg1"/>
                 </a:solidFill>
               </a:rPr>
               <a:t>systemctl</a:t>
@@ -5784,7 +5807,7 @@
             <a:r>
               <a:rPr lang="en-US" sz="2200" dirty="0" smtClean="0">
                 <a:solidFill>
-                  <a:schemeClr val="accent6"/>
+                  <a:schemeClr val="bg1"/>
                 </a:solidFill>
               </a:rPr>
               <a:t> isolate </a:t>
@@ -5792,7 +5815,7 @@
             <a:r>
               <a:rPr lang="en-US" sz="2200" dirty="0" err="1" smtClean="0">
                 <a:solidFill>
-                  <a:schemeClr val="accent6"/>
+                  <a:schemeClr val="bg1"/>
                 </a:solidFill>
               </a:rPr>
               <a:t>graphical.target</a:t>
@@ -5846,7 +5869,7 @@
             <a:r>
               <a:rPr lang="en-US" sz="2200" dirty="0" smtClean="0">
                 <a:solidFill>
-                  <a:schemeClr val="accent6"/>
+                  <a:schemeClr val="bg2"/>
                 </a:solidFill>
               </a:rPr>
               <a:t>yum –y groups install “GNOME Desktop”</a:t>
@@ -5854,7 +5877,7 @@
             <a:br>
               <a:rPr lang="en-US" sz="2200" dirty="0" smtClean="0">
                 <a:solidFill>
-                  <a:schemeClr val="accent6"/>
+                  <a:schemeClr val="bg2"/>
                 </a:solidFill>
               </a:rPr>
             </a:br>
@@ -5869,7 +5892,7 @@
             <a:r>
               <a:rPr lang="en-US" sz="2200" dirty="0" err="1" smtClean="0">
                 <a:solidFill>
-                  <a:schemeClr val="accent6"/>
+                  <a:schemeClr val="bg2"/>
                 </a:solidFill>
               </a:rPr>
               <a:t>startx</a:t>
@@ -5900,7 +5923,7 @@
             <a:r>
               <a:rPr lang="en-US" sz="2200" dirty="0" err="1" smtClean="0">
                 <a:solidFill>
-                  <a:schemeClr val="accent6"/>
+                  <a:schemeClr val="bg2"/>
                 </a:solidFill>
               </a:rPr>
               <a:t>systemctl</a:t>
@@ -5908,7 +5931,7 @@
             <a:r>
               <a:rPr lang="en-US" sz="2200" dirty="0" smtClean="0">
                 <a:solidFill>
-                  <a:schemeClr val="accent6"/>
+                  <a:schemeClr val="bg2"/>
                 </a:solidFill>
               </a:rPr>
               <a:t> set-default </a:t>
@@ -5916,7 +5939,7 @@
             <a:r>
               <a:rPr lang="en-US" sz="2200" dirty="0" err="1" smtClean="0">
                 <a:solidFill>
-                  <a:schemeClr val="accent6"/>
+                  <a:schemeClr val="bg2"/>
                 </a:solidFill>
               </a:rPr>
               <a:t>graphical.target</a:t>
@@ -6452,7 +6475,7 @@
                   <a:schemeClr val="accent6"/>
                 </a:solidFill>
               </a:rPr>
-              <a:t> contains drivers that are needed to start your server. It contains a mini file system that is mounted </a:t>
+              <a:t> contains drivers that are needed to start your server. It contains a mini file system that is mounted during boot. In it are kernel modules that are needed during the rest of the boot process (</a:t>
             </a:r>
             <a:r>
               <a:rPr lang="en-US" sz="2000" dirty="0" err="1" smtClean="0">
@@ -6460,31 +6483,232 @@
                   <a:schemeClr val="accent6"/>
                 </a:solidFill>
               </a:rPr>
-              <a:t>druging</a:t>
-            </a:r>
-            <a:r>
-              <a:rPr lang="en-US" sz="2000" dirty="0" smtClean="0">
-                <a:solidFill>
-                  <a:schemeClr val="accent6"/>
-                </a:solidFill>
-              </a:rPr>
-              <a:t> boot. In it are kernel modules that are needed during the rest of the boot process (</a:t>
+              <a:t>eg.LVM</a:t>
+            </a:r>
+            <a:r>
+              <a:rPr lang="en-US" sz="2000" dirty="0" smtClean="0">
+                <a:solidFill>
+                  <a:schemeClr val="accent6"/>
+                </a:solidFill>
+              </a:rPr>
+              <a:t> and SCSI modules for accessing disks that are not supported by default).</a:t>
+            </a:r>
+            <a:br>
+              <a:rPr lang="en-US" sz="2000" dirty="0" smtClean="0">
+                <a:solidFill>
+                  <a:schemeClr val="accent6"/>
+                </a:solidFill>
+              </a:rPr>
+            </a:br>
+            <a:r>
+              <a:rPr lang="en-US" sz="2000" dirty="0">
+                <a:solidFill>
+                  <a:schemeClr val="accent6"/>
+                </a:solidFill>
+              </a:rPr>
+              <a:t/>
+            </a:r>
+            <a:br>
+              <a:rPr lang="en-US" sz="2000" dirty="0">
+                <a:solidFill>
+                  <a:schemeClr val="accent6"/>
+                </a:solidFill>
+              </a:rPr>
+            </a:br>
+            <a:r>
+              <a:rPr lang="en-US" sz="2000" dirty="0" smtClean="0">
+                <a:solidFill>
+                  <a:srgbClr val="FF0000"/>
+                </a:solidFill>
+              </a:rPr>
+              <a:t>Exercises:</a:t>
+            </a:r>
+            <a:r>
+              <a:rPr lang="en-US" sz="2000" dirty="0" smtClean="0">
+                <a:solidFill>
+                  <a:schemeClr val="accent6"/>
+                </a:solidFill>
+              </a:rPr>
+              <a:t/>
+            </a:r>
+            <a:br>
+              <a:rPr lang="en-US" sz="2000" dirty="0" smtClean="0">
+                <a:solidFill>
+                  <a:schemeClr val="accent6"/>
+                </a:solidFill>
+              </a:rPr>
+            </a:br>
+            <a:r>
+              <a:rPr lang="en-US" sz="2000" dirty="0" smtClean="0">
+                <a:solidFill>
+                  <a:schemeClr val="accent6"/>
+                </a:solidFill>
+              </a:rPr>
+              <a:t>1.c</a:t>
+            </a:r>
+            <a:r>
+              <a:rPr lang="en-US" sz="2000" dirty="0" smtClean="0">
+                <a:solidFill>
+                  <a:schemeClr val="bg2"/>
+                </a:solidFill>
+              </a:rPr>
+              <a:t>at /</a:t>
             </a:r>
             <a:r>
               <a:rPr lang="en-US" sz="2000" dirty="0" err="1" smtClean="0">
                 <a:solidFill>
-                  <a:schemeClr val="accent6"/>
-                </a:solidFill>
-              </a:rPr>
-              <a:t>eg.LVM</a:t>
-            </a:r>
-            <a:r>
-              <a:rPr lang="en-US" sz="2000" dirty="0" smtClean="0">
-                <a:solidFill>
-                  <a:schemeClr val="accent6"/>
-                </a:solidFill>
-              </a:rPr>
-              <a:t> and SCSI modules for accessing disks that are not supported by default).</a:t>
+                  <a:schemeClr val="bg2"/>
+                </a:solidFill>
+              </a:rPr>
+              <a:t>etc</a:t>
+            </a:r>
+            <a:r>
+              <a:rPr lang="en-US" sz="2000" dirty="0" smtClean="0">
+                <a:solidFill>
+                  <a:schemeClr val="bg2"/>
+                </a:solidFill>
+              </a:rPr>
+              <a:t>/default/grub</a:t>
+            </a:r>
+            <a:r>
+              <a:rPr lang="en-US" sz="2000" dirty="0" smtClean="0">
+                <a:solidFill>
+                  <a:schemeClr val="accent6"/>
+                </a:solidFill>
+              </a:rPr>
+              <a:t/>
+            </a:r>
+            <a:br>
+              <a:rPr lang="en-US" sz="2000" dirty="0" smtClean="0">
+                <a:solidFill>
+                  <a:schemeClr val="accent6"/>
+                </a:solidFill>
+              </a:rPr>
+            </a:br>
+            <a:r>
+              <a:rPr lang="en-US" sz="2000" dirty="0" smtClean="0">
+                <a:solidFill>
+                  <a:schemeClr val="accent6"/>
+                </a:solidFill>
+              </a:rPr>
+              <a:t>2. </a:t>
+            </a:r>
+            <a:r>
+              <a:rPr lang="en-US" sz="2000" dirty="0" smtClean="0">
+                <a:solidFill>
+                  <a:schemeClr val="bg2"/>
+                </a:solidFill>
+              </a:rPr>
+              <a:t>cat /proc/</a:t>
+            </a:r>
+            <a:r>
+              <a:rPr lang="en-US" sz="2000" dirty="0" err="1" smtClean="0">
+                <a:solidFill>
+                  <a:schemeClr val="bg2"/>
+                </a:solidFill>
+              </a:rPr>
+              <a:t>cmdline</a:t>
+            </a:r>
+            <a:r>
+              <a:rPr lang="en-US" sz="2000" dirty="0" smtClean="0">
+                <a:solidFill>
+                  <a:schemeClr val="accent6"/>
+                </a:solidFill>
+              </a:rPr>
+              <a:t/>
+            </a:r>
+            <a:br>
+              <a:rPr lang="en-US" sz="2000" dirty="0" smtClean="0">
+                <a:solidFill>
+                  <a:schemeClr val="accent6"/>
+                </a:solidFill>
+              </a:rPr>
+            </a:br>
+            <a:r>
+              <a:rPr lang="en-US" sz="2000" dirty="0" smtClean="0">
+                <a:solidFill>
+                  <a:schemeClr val="accent6"/>
+                </a:solidFill>
+              </a:rPr>
+              <a:t/>
+            </a:r>
+            <a:br>
+              <a:rPr lang="en-US" sz="2000" dirty="0" smtClean="0">
+                <a:solidFill>
+                  <a:schemeClr val="accent6"/>
+                </a:solidFill>
+              </a:rPr>
+            </a:br>
+            <a:r>
+              <a:rPr lang="en-US" sz="2000" dirty="0" smtClean="0">
+                <a:solidFill>
+                  <a:schemeClr val="accent6"/>
+                </a:solidFill>
+              </a:rPr>
+              <a:t>You won’t have to modify anything if you want to select from different kernels. GRUB2 picks up new kernels automatically.</a:t>
+            </a:r>
+            <a:br>
+              <a:rPr lang="en-US" sz="2000" dirty="0" smtClean="0">
+                <a:solidFill>
+                  <a:schemeClr val="accent6"/>
+                </a:solidFill>
+              </a:rPr>
+            </a:br>
+            <a:r>
+              <a:rPr lang="en-US" sz="2000" dirty="0" smtClean="0">
+                <a:solidFill>
+                  <a:schemeClr val="accent6"/>
+                </a:solidFill>
+              </a:rPr>
+              <a:t>The base configuration file is </a:t>
+            </a:r>
+            <a:r>
+              <a:rPr lang="en-US" sz="2000" dirty="0" smtClean="0">
+                <a:solidFill>
+                  <a:schemeClr val="bg2"/>
+                </a:solidFill>
+              </a:rPr>
+              <a:t>/boot/grub2/</a:t>
+            </a:r>
+            <a:r>
+              <a:rPr lang="en-US" sz="2000" dirty="0" err="1" smtClean="0">
+                <a:solidFill>
+                  <a:schemeClr val="bg2"/>
+                </a:solidFill>
+              </a:rPr>
+              <a:t>grub.cfg</a:t>
+            </a:r>
+            <a:r>
+              <a:rPr lang="en-US" sz="2000" dirty="0" smtClean="0">
+                <a:solidFill>
+                  <a:schemeClr val="bg2"/>
+                </a:solidFill>
+              </a:rPr>
+              <a:t> </a:t>
+            </a:r>
+            <a:r>
+              <a:rPr lang="en-US" sz="2000" dirty="0" smtClean="0">
+                <a:solidFill>
+                  <a:schemeClr val="accent6"/>
+                </a:solidFill>
+              </a:rPr>
+              <a:t>=&gt; never change it manually! To change GRUB2 settings, use </a:t>
+            </a:r>
+            <a:r>
+              <a:rPr lang="en-US" sz="2000" dirty="0" smtClean="0">
+                <a:solidFill>
+                  <a:schemeClr val="bg2"/>
+                </a:solidFill>
+              </a:rPr>
+              <a:t>grub2-mkconfig</a:t>
+            </a:r>
+            <a:r>
+              <a:rPr lang="en-US" sz="2000" dirty="0" smtClean="0">
+                <a:solidFill>
+                  <a:schemeClr val="accent6"/>
+                </a:solidFill>
+              </a:rPr>
+              <a:t>.</a:t>
             </a:r>
             <a:br>
               <a:rPr lang="en-US" sz="2000" dirty="0" smtClean="0">
@@ -6514,159 +6738,6 @@
                   <a:schemeClr val="accent6"/>
                 </a:solidFill>
               </a:rPr>
-              <a:t>Exercises:</a:t>
-            </a:r>
-            <a:br>
-              <a:rPr lang="en-US" sz="2000" dirty="0" smtClean="0">
-                <a:solidFill>
-                  <a:schemeClr val="accent6"/>
-                </a:solidFill>
-              </a:rPr>
-            </a:br>
-            <a:r>
-              <a:rPr lang="en-US" sz="2000" dirty="0" smtClean="0">
-                <a:solidFill>
-                  <a:schemeClr val="accent6"/>
-                </a:solidFill>
-              </a:rPr>
-              <a:t>1.cat /</a:t>
-            </a:r>
-            <a:r>
-              <a:rPr lang="en-US" sz="2000" dirty="0" err="1" smtClean="0">
-                <a:solidFill>
-                  <a:schemeClr val="accent6"/>
-                </a:solidFill>
-              </a:rPr>
-              <a:t>etc</a:t>
-            </a:r>
-            <a:r>
-              <a:rPr lang="en-US" sz="2000" dirty="0" smtClean="0">
-                <a:solidFill>
-                  <a:schemeClr val="accent6"/>
-                </a:solidFill>
-              </a:rPr>
-              <a:t>/default/grub</a:t>
-            </a:r>
-            <a:br>
-              <a:rPr lang="en-US" sz="2000" dirty="0" smtClean="0">
-                <a:solidFill>
-                  <a:schemeClr val="accent6"/>
-                </a:solidFill>
-              </a:rPr>
-            </a:br>
-            <a:r>
-              <a:rPr lang="en-US" sz="2000" dirty="0" smtClean="0">
-                <a:solidFill>
-                  <a:schemeClr val="accent6"/>
-                </a:solidFill>
-              </a:rPr>
-              <a:t>2. cat /proc/</a:t>
-            </a:r>
-            <a:r>
-              <a:rPr lang="en-US" sz="2000" dirty="0" err="1" smtClean="0">
-                <a:solidFill>
-                  <a:schemeClr val="accent6"/>
-                </a:solidFill>
-              </a:rPr>
-              <a:t>cmdline</a:t>
-            </a:r>
-            <a:r>
-              <a:rPr lang="en-US" sz="2000" dirty="0" smtClean="0">
-                <a:solidFill>
-                  <a:schemeClr val="accent6"/>
-                </a:solidFill>
-              </a:rPr>
-              <a:t/>
-            </a:r>
-            <a:br>
-              <a:rPr lang="en-US" sz="2000" dirty="0" smtClean="0">
-                <a:solidFill>
-                  <a:schemeClr val="accent6"/>
-                </a:solidFill>
-              </a:rPr>
-            </a:br>
-            <a:r>
-              <a:rPr lang="en-US" sz="2000" dirty="0" smtClean="0">
-                <a:solidFill>
-                  <a:schemeClr val="accent6"/>
-                </a:solidFill>
-              </a:rPr>
-              <a:t/>
-            </a:r>
-            <a:br>
-              <a:rPr lang="en-US" sz="2000" dirty="0" smtClean="0">
-                <a:solidFill>
-                  <a:schemeClr val="accent6"/>
-                </a:solidFill>
-              </a:rPr>
-            </a:br>
-            <a:r>
-              <a:rPr lang="en-US" sz="2000" dirty="0" smtClean="0">
-                <a:solidFill>
-                  <a:schemeClr val="accent6"/>
-                </a:solidFill>
-              </a:rPr>
-              <a:t>You won’t have to modify anything if you want to select from different kernels. GRUB2 picks up new kernels automatically.</a:t>
-            </a:r>
-            <a:br>
-              <a:rPr lang="en-US" sz="2000" dirty="0" smtClean="0">
-                <a:solidFill>
-                  <a:schemeClr val="accent6"/>
-                </a:solidFill>
-              </a:rPr>
-            </a:br>
-            <a:r>
-              <a:rPr lang="en-US" sz="2000" dirty="0" smtClean="0">
-                <a:solidFill>
-                  <a:schemeClr val="accent6"/>
-                </a:solidFill>
-              </a:rPr>
-              <a:t>The base configuration file is /boot/grub2/</a:t>
-            </a:r>
-            <a:r>
-              <a:rPr lang="en-US" sz="2000" dirty="0" err="1" smtClean="0">
-                <a:solidFill>
-                  <a:schemeClr val="accent6"/>
-                </a:solidFill>
-              </a:rPr>
-              <a:t>grub.cfg</a:t>
-            </a:r>
-            <a:r>
-              <a:rPr lang="en-US" sz="2000" dirty="0" smtClean="0">
-                <a:solidFill>
-                  <a:schemeClr val="accent6"/>
-                </a:solidFill>
-              </a:rPr>
-              <a:t> =&gt; never change it manually! To change GRUB2 settings, use grub2-mkconfig.</a:t>
-            </a:r>
-            <a:br>
-              <a:rPr lang="en-US" sz="2000" dirty="0" smtClean="0">
-                <a:solidFill>
-                  <a:schemeClr val="accent6"/>
-                </a:solidFill>
-              </a:rPr>
-            </a:br>
-            <a:r>
-              <a:rPr lang="en-US" sz="2000" dirty="0">
-                <a:solidFill>
-                  <a:schemeClr val="accent6"/>
-                </a:solidFill>
-              </a:rPr>
-              <a:t/>
-            </a:r>
-            <a:br>
-              <a:rPr lang="en-US" sz="2000" dirty="0">
-                <a:solidFill>
-                  <a:schemeClr val="accent6"/>
-                </a:solidFill>
-              </a:rPr>
-            </a:br>
-            <a:r>
-              <a:rPr lang="en-US" sz="2000" dirty="0" smtClean="0">
-                <a:solidFill>
-                  <a:schemeClr val="accent6"/>
-                </a:solidFill>
-              </a:rPr>
               <a:t>Exercise:</a:t>
             </a:r>
             <a:br>
@@ -6682,22 +6753,38 @@
                   <a:schemeClr val="accent6"/>
                 </a:solidFill>
               </a:rPr>
-              <a:t>1. man grub2-mkconfig</a:t>
-            </a:r>
-            <a:br>
-              <a:rPr lang="en-US" sz="2000" dirty="0" smtClean="0">
-                <a:solidFill>
-                  <a:schemeClr val="accent6"/>
-                </a:solidFill>
-              </a:rPr>
-            </a:br>
-            <a:r>
-              <a:rPr lang="en-US" sz="2000" dirty="0" smtClean="0">
-                <a:solidFill>
-                  <a:schemeClr val="accent6"/>
-                </a:solidFill>
-              </a:rPr>
-              <a:t>2. That’s was a short man page : ) </a:t>
+              <a:t>1. </a:t>
+            </a:r>
+            <a:r>
+              <a:rPr lang="en-US" sz="2000" dirty="0" smtClean="0">
+                <a:solidFill>
+                  <a:schemeClr val="bg2"/>
+                </a:solidFill>
+              </a:rPr>
+              <a:t>man grub2-mkconfig</a:t>
+            </a:r>
+            <a:r>
+              <a:rPr lang="en-US" sz="2000" dirty="0" smtClean="0">
+                <a:solidFill>
+                  <a:schemeClr val="accent6"/>
+                </a:solidFill>
+              </a:rPr>
+              <a:t/>
+            </a:r>
+            <a:br>
+              <a:rPr lang="en-US" sz="2000" dirty="0" smtClean="0">
+                <a:solidFill>
+                  <a:schemeClr val="accent6"/>
+                </a:solidFill>
+              </a:rPr>
+            </a:br>
+            <a:r>
+              <a:rPr lang="en-US" sz="2000" dirty="0" smtClean="0">
+                <a:solidFill>
+                  <a:schemeClr val="accent6"/>
+                </a:solidFill>
+              </a:rPr>
+              <a:t>2. That was a short man page : ) </a:t>
             </a:r>
             <a:br>
               <a:rPr lang="en-US" sz="2000" dirty="0" smtClean="0">
@@ -6872,12 +6959,20 @@
                   <a:schemeClr val="accent6"/>
                 </a:solidFill>
               </a:rPr>
-              <a:t>To apply modifications to the GRUB 2 boot loader, the file /</a:t>
+              <a:t>To apply modifications to the GRUB 2 boot loader, the file </a:t>
+            </a:r>
+            <a:r>
+              <a:rPr lang="en-US" sz="2700" dirty="0" smtClean="0">
+                <a:solidFill>
+                  <a:schemeClr val="bg2"/>
+                </a:solidFill>
+              </a:rPr>
+              <a:t>/</a:t>
             </a:r>
             <a:r>
               <a:rPr lang="en-US" sz="2700" dirty="0" err="1" smtClean="0">
                 <a:solidFill>
-                  <a:schemeClr val="accent6"/>
+                  <a:schemeClr val="bg2"/>
                 </a:solidFill>
               </a:rPr>
               <a:t>etc</a:t>
@@ -6885,21 +6980,29 @@
             <a:r>
               <a:rPr lang="en-US" sz="2700" dirty="0" smtClean="0">
                 <a:solidFill>
-                  <a:schemeClr val="accent6"/>
-                </a:solidFill>
-              </a:rPr>
-              <a:t>/default/grub is your entry point. </a:t>
-            </a:r>
-            <a:br>
+                  <a:schemeClr val="bg2"/>
+                </a:solidFill>
+              </a:rPr>
+              <a:t>/default/grub </a:t>
+            </a:r>
+            <a:r>
               <a:rPr lang="en-US" sz="2700" dirty="0" smtClean="0">
                 <a:solidFill>
                   <a:schemeClr val="accent6"/>
                 </a:solidFill>
               </a:rPr>
-            </a:br>
-            <a:r>
+              <a:t>is your entry point. </a:t>
+            </a:r>
+            <a:br>
               <a:rPr lang="en-US" sz="2700" dirty="0" smtClean="0">
                 <a:solidFill>
+                  <a:schemeClr val="accent6"/>
+                </a:solidFill>
+              </a:rPr>
+            </a:br>
+            <a:r>
+              <a:rPr lang="en-US" sz="2700" dirty="0" smtClean="0">
+                <a:solidFill>
                   <a:srgbClr val="FF0000"/>
                 </a:solidFill>
               </a:rPr>
@@ -6931,7 +7034,7 @@
             <a:r>
               <a:rPr lang="en-US" sz="2700" dirty="0" err="1" smtClean="0">
                 <a:solidFill>
-                  <a:schemeClr val="accent6"/>
+                  <a:schemeClr val="bg2"/>
                 </a:solidFill>
               </a:rPr>
               <a:t>rghb</a:t>
@@ -6942,22 +7045,23 @@
                   <a:schemeClr val="accent6"/>
                 </a:solidFill>
               </a:rPr>
-              <a:t>’ and ‘quiet’ options from there. They tell the kernel to hide all the output while it’s booting.</a:t>
-            </a:r>
-            <a:br>
+              <a:t>’ and ‘</a:t>
+            </a:r>
+            <a:r>
               <a:rPr lang="en-US" sz="2700" dirty="0" smtClean="0">
                 <a:solidFill>
-                  <a:schemeClr val="accent6"/>
-                </a:solidFill>
-              </a:rPr>
-            </a:br>
+                  <a:schemeClr val="bg2"/>
+                </a:solidFill>
+              </a:rPr>
+              <a:t>quiet</a:t>
+            </a:r>
             <a:r>
               <a:rPr lang="en-US" sz="2700" dirty="0" smtClean="0">
                 <a:solidFill>
                   <a:schemeClr val="accent6"/>
                 </a:solidFill>
               </a:rPr>
-              <a:t>2. Set GRUB_TIMEOUT = 10 seconds.</a:t>
+              <a:t>’ options from there. They tell the kernel to hide all the output while it’s booting.</a:t>
             </a:r>
             <a:br>
               <a:rPr lang="en-US" sz="2700" dirty="0" smtClean="0">
@@ -6972,6 +7076,37 @@
                   <a:schemeClr val="accent6"/>
                 </a:solidFill>
               </a:rPr>
+              <a:t>2. Set </a:t>
+            </a:r>
+            <a:r>
+              <a:rPr lang="en-US" sz="2700" dirty="0" smtClean="0">
+                <a:solidFill>
+                  <a:schemeClr val="bg2"/>
+                </a:solidFill>
+              </a:rPr>
+              <a:t>GRUB_TIMEOUT = 10 seconds</a:t>
+            </a:r>
+            <a:r>
+              <a:rPr lang="en-US" sz="2700" dirty="0" smtClean="0">
+                <a:solidFill>
+                  <a:schemeClr val="accent6"/>
+                </a:solidFill>
+              </a:rPr>
+              <a:t>.</a:t>
+            </a:r>
+            <a:br>
+              <a:rPr lang="en-US" sz="2700" dirty="0" smtClean="0">
+                <a:solidFill>
+                  <a:schemeClr val="accent6"/>
+                </a:solidFill>
+              </a:rPr>
+            </a:br>
+            <a:r>
+              <a:rPr lang="en-US" sz="2700" dirty="0" smtClean="0">
+                <a:solidFill>
+                  <a:schemeClr val="accent6"/>
+                </a:solidFill>
+              </a:rPr>
               <a:t>3. Save changes to the file.</a:t>
             </a:r>
             <a:br>
@@ -6987,12 +7122,20 @@
                   <a:schemeClr val="accent6"/>
                 </a:solidFill>
               </a:rPr>
-              <a:t>4. grub2-mkconfig &gt; /boot/grub2/</a:t>
+              <a:t>4. </a:t>
+            </a:r>
+            <a:r>
+              <a:rPr lang="en-US" sz="2700" dirty="0" smtClean="0">
+                <a:solidFill>
+                  <a:schemeClr val="bg2"/>
+                </a:solidFill>
+              </a:rPr>
+              <a:t>grub2-mkconfig &gt; /boot/grub2/</a:t>
             </a:r>
             <a:r>
               <a:rPr lang="en-US" sz="2700" dirty="0" err="1" smtClean="0">
                 <a:solidFill>
-                  <a:schemeClr val="accent6"/>
+                  <a:schemeClr val="bg2"/>
                 </a:solidFill>
               </a:rPr>
               <a:t>grub.cfg</a:t>
@@ -7186,16 +7329,17 @@
                 </a:solidFill>
                 <a:sym typeface="Wingdings" panose="05000000000000000000" pitchFamily="2" charset="2"/>
               </a:rPr>
-              <a:t>2. Highlight the any entry and press ‘e’.</a:t>
-            </a:r>
-            <a:br>
-              <a:rPr lang="en-US" sz="2000" dirty="0" smtClean="0">
-                <a:solidFill>
-                  <a:schemeClr val="accent6"/>
+              <a:t>2. Highlight the any entry and press ‘</a:t>
+            </a:r>
+            <a:r>
+              <a:rPr lang="en-US" sz="2000" dirty="0" smtClean="0">
+                <a:solidFill>
+                  <a:schemeClr val="bg2"/>
                 </a:solidFill>
                 <a:sym typeface="Wingdings" panose="05000000000000000000" pitchFamily="2" charset="2"/>
               </a:rPr>
-            </a:br>
+              <a:t>e</a:t>
+            </a:r>
             <a:r>
               <a:rPr lang="en-US" sz="2000" dirty="0" smtClean="0">
                 <a:solidFill>
@@ -7203,12 +7347,29 @@
                 </a:solidFill>
                 <a:sym typeface="Wingdings" panose="05000000000000000000" pitchFamily="2" charset="2"/>
               </a:rPr>
+              <a:t>’.</a:t>
+            </a:r>
+            <a:br>
+              <a:rPr lang="en-US" sz="2000" dirty="0" smtClean="0">
+                <a:solidFill>
+                  <a:schemeClr val="accent6"/>
+                </a:solidFill>
+                <a:sym typeface="Wingdings" panose="05000000000000000000" pitchFamily="2" charset="2"/>
+              </a:rPr>
+            </a:br>
+            <a:r>
+              <a:rPr lang="en-US" sz="2000" dirty="0" smtClean="0">
+                <a:solidFill>
+                  <a:schemeClr val="accent6"/>
+                </a:solidFill>
+                <a:sym typeface="Wingdings" panose="05000000000000000000" pitchFamily="2" charset="2"/>
+              </a:rPr>
               <a:t>3. Add ‘</a:t>
             </a:r>
             <a:r>
               <a:rPr lang="en-US" sz="2000" dirty="0" err="1" smtClean="0">
                 <a:solidFill>
-                  <a:schemeClr val="accent6"/>
+                  <a:schemeClr val="bg2"/>
                 </a:solidFill>
                 <a:sym typeface="Wingdings" panose="05000000000000000000" pitchFamily="2" charset="2"/>
               </a:rPr>
@@ -7226,7 +7387,7 @@
             <a:r>
               <a:rPr lang="en-US" sz="2000" dirty="0" err="1" smtClean="0">
                 <a:solidFill>
-                  <a:schemeClr val="accent6"/>
+                  <a:schemeClr val="bg2"/>
                 </a:solidFill>
                 <a:sym typeface="Wingdings" panose="05000000000000000000" pitchFamily="2" charset="2"/>
               </a:rPr>
@@ -7270,11 +7431,20 @@
             <a:r>
               <a:rPr lang="en-US" sz="2000" dirty="0" err="1" smtClean="0">
                 <a:solidFill>
-                  <a:schemeClr val="accent6"/>
+                  <a:schemeClr val="bg2"/>
                 </a:solidFill>
                 <a:sym typeface="Wingdings" panose="05000000000000000000" pitchFamily="2" charset="2"/>
               </a:rPr>
-              <a:t>rd.break</a:t>
+              <a:t>rd.brea</a:t>
+            </a:r>
+            <a:r>
+              <a:rPr lang="en-US" sz="2000" dirty="0" err="1" smtClean="0">
+                <a:solidFill>
+                  <a:schemeClr val="accent6"/>
+                </a:solidFill>
+                <a:sym typeface="Wingdings" panose="05000000000000000000" pitchFamily="2" charset="2"/>
+              </a:rPr>
+              <a:t>k</a:t>
             </a:r>
             <a:r>
               <a:rPr lang="en-US" sz="2000" dirty="0" smtClean="0">
@@ -7437,7 +7607,7 @@
       </p:grpSpPr>
       <p:sp>
         <p:nvSpPr>
-          <p:cNvPr id="2" name="Title 1"/>
+          <p:cNvPr id="6" name="Title 1"/>
           <p:cNvSpPr>
             <a:spLocks noGrp="1"/>
           </p:cNvSpPr>
@@ -7563,7 +7733,7 @@
                   <a:schemeClr val="accent6"/>
                 </a:solidFill>
               </a:rPr>
-              <a:t>Now are in </a:t>
+              <a:t>Now we are in </a:t>
             </a:r>
             <a:r>
               <a:rPr lang="en-US" sz="2000" dirty="0" err="1" smtClean="0">
@@ -7579,12 +7749,20 @@
                   <a:schemeClr val="accent6"/>
                 </a:solidFill>
               </a:rPr>
-              <a:t>. The real root file system is under /</a:t>
+              <a:t>. The real root file system is under </a:t>
+            </a:r>
+            <a:r>
+              <a:rPr lang="en-US" sz="2000" dirty="0" smtClean="0">
+                <a:solidFill>
+                  <a:schemeClr val="bg2"/>
+                </a:solidFill>
+              </a:rPr>
+              <a:t>/</a:t>
             </a:r>
             <a:r>
               <a:rPr lang="en-US" sz="2000" dirty="0" err="1" smtClean="0">
                 <a:solidFill>
-                  <a:schemeClr val="accent6"/>
+                  <a:schemeClr val="bg2"/>
                 </a:solidFill>
               </a:rPr>
               <a:t>sysroot</a:t>
@@ -7610,27 +7788,51 @@
                   <a:schemeClr val="accent6"/>
                 </a:solidFill>
               </a:rPr>
-              <a:t>1. ls</a:t>
-            </a:r>
-            <a:br>
-              <a:rPr lang="en-US" sz="2000" dirty="0" smtClean="0">
-                <a:solidFill>
-                  <a:schemeClr val="accent6"/>
-                </a:solidFill>
-              </a:rPr>
-            </a:br>
-            <a:r>
-              <a:rPr lang="en-US" sz="2000" dirty="0" smtClean="0">
-                <a:solidFill>
-                  <a:schemeClr val="accent6"/>
-                </a:solidFill>
-              </a:rPr>
-              <a:t>2.  ls /</a:t>
+              <a:t>1. </a:t>
+            </a:r>
+            <a:r>
+              <a:rPr lang="en-US" sz="2000" dirty="0" smtClean="0">
+                <a:solidFill>
+                  <a:schemeClr val="bg2"/>
+                </a:solidFill>
+              </a:rPr>
+              <a:t>ls</a:t>
+            </a:r>
+            <a:r>
+              <a:rPr lang="en-US" sz="2000" dirty="0" smtClean="0">
+                <a:solidFill>
+                  <a:schemeClr val="accent6"/>
+                </a:solidFill>
+              </a:rPr>
+              <a:t/>
+            </a:r>
+            <a:br>
+              <a:rPr lang="en-US" sz="2000" dirty="0" smtClean="0">
+                <a:solidFill>
+                  <a:schemeClr val="accent6"/>
+                </a:solidFill>
+              </a:rPr>
+            </a:br>
+            <a:r>
+              <a:rPr lang="en-US" sz="2000" dirty="0" smtClean="0">
+                <a:solidFill>
+                  <a:schemeClr val="accent6"/>
+                </a:solidFill>
+              </a:rPr>
+              <a:t>2.  </a:t>
+            </a:r>
+            <a:r>
+              <a:rPr lang="en-US" sz="2000" dirty="0" smtClean="0">
+                <a:solidFill>
+                  <a:schemeClr val="bg2"/>
+                </a:solidFill>
+              </a:rPr>
+              <a:t>ls /</a:t>
             </a:r>
             <a:r>
               <a:rPr lang="en-US" sz="2000" dirty="0" err="1" smtClean="0">
                 <a:solidFill>
-                  <a:schemeClr val="accent6"/>
+                  <a:schemeClr val="bg2"/>
                 </a:solidFill>
               </a:rPr>
               <a:t>sysroot</a:t>
@@ -7656,12 +7858,20 @@
                   <a:schemeClr val="accent6"/>
                 </a:solidFill>
               </a:rPr>
-              <a:t>3. mount –o remount, </a:t>
+              <a:t>3. </a:t>
+            </a:r>
+            <a:r>
+              <a:rPr lang="en-US" sz="2000" dirty="0" smtClean="0">
+                <a:solidFill>
+                  <a:schemeClr val="bg2"/>
+                </a:solidFill>
+              </a:rPr>
+              <a:t>mount –o remount, </a:t>
             </a:r>
             <a:r>
               <a:rPr lang="en-US" sz="2000" dirty="0" err="1" smtClean="0">
                 <a:solidFill>
-                  <a:schemeClr val="accent6"/>
+                  <a:schemeClr val="bg2"/>
                 </a:solidFill>
               </a:rPr>
               <a:t>rw</a:t>
@@ -7669,7 +7879,7 @@
             <a:r>
               <a:rPr lang="en-US" sz="2000" dirty="0" smtClean="0">
                 <a:solidFill>
-                  <a:schemeClr val="accent6"/>
+                  <a:schemeClr val="bg2"/>
                 </a:solidFill>
               </a:rPr>
               <a:t> /</a:t>
@@ -7677,7 +7887,7 @@
             <a:r>
               <a:rPr lang="en-US" sz="2000" dirty="0" err="1" smtClean="0">
                 <a:solidFill>
-                  <a:schemeClr val="accent6"/>
+                  <a:schemeClr val="bg2"/>
                 </a:solidFill>
               </a:rPr>
               <a:t>sysroot</a:t>
@@ -7724,7 +7934,7 @@
             <a:r>
               <a:rPr lang="en-US" sz="2000" dirty="0" err="1" smtClean="0">
                 <a:solidFill>
-                  <a:schemeClr val="accent6"/>
+                  <a:schemeClr val="bg2"/>
                 </a:solidFill>
               </a:rPr>
               <a:t>chroot</a:t>
@@ -7732,7 +7942,7 @@
             <a:r>
               <a:rPr lang="en-US" sz="2000" dirty="0" smtClean="0">
                 <a:solidFill>
-                  <a:schemeClr val="accent6"/>
+                  <a:schemeClr val="bg2"/>
                 </a:solidFill>
               </a:rPr>
               <a:t> /</a:t>
@@ -7740,7 +7950,7 @@
             <a:r>
               <a:rPr lang="en-US" sz="2000" dirty="0" err="1" smtClean="0">
                 <a:solidFill>
-                  <a:schemeClr val="accent6"/>
+                  <a:schemeClr val="bg2"/>
                 </a:solidFill>
               </a:rPr>
               <a:t>sysroot</a:t>
@@ -7748,11 +7958,19 @@
             <a:r>
               <a:rPr lang="en-US" sz="2000" dirty="0" smtClean="0">
                 <a:solidFill>
-                  <a:schemeClr val="accent6"/>
+                  <a:schemeClr val="bg2"/>
                 </a:solidFill>
               </a:rPr>
               <a:t> </a:t>
             </a:r>
+            <a:r>
+              <a:rPr lang="en-US" sz="2000" dirty="0" smtClean="0">
+                <a:solidFill>
+                  <a:schemeClr val="accent6"/>
+                </a:solidFill>
+              </a:rPr>
+              <a:t/>
+            </a:r>
             <a:br>
               <a:rPr lang="en-US" sz="2000" dirty="0" smtClean="0">
                 <a:solidFill>
@@ -7771,7 +7989,7 @@
             <a:r>
               <a:rPr lang="en-US" sz="2000" dirty="0" err="1" smtClean="0">
                 <a:solidFill>
-                  <a:schemeClr val="accent6"/>
+                  <a:schemeClr val="bg2"/>
                 </a:solidFill>
               </a:rPr>
               <a:t>passwd</a:t>
@@ -7797,12 +8015,20 @@
                   <a:schemeClr val="accent6"/>
                 </a:solidFill>
               </a:rPr>
-              <a:t>6. touch /.</a:t>
+              <a:t>6. </a:t>
+            </a:r>
+            <a:r>
+              <a:rPr lang="en-US" sz="2000" dirty="0" smtClean="0">
+                <a:solidFill>
+                  <a:schemeClr val="bg2"/>
+                </a:solidFill>
+              </a:rPr>
+              <a:t>touch /.</a:t>
             </a:r>
             <a:r>
               <a:rPr lang="en-US" sz="2000" dirty="0" err="1" smtClean="0">
                 <a:solidFill>
-                  <a:schemeClr val="accent6"/>
+                  <a:schemeClr val="bg2"/>
                 </a:solidFill>
               </a:rPr>
               <a:t>autorelabel</a:t>
@@ -7810,10 +8036,18 @@
             <a:r>
               <a:rPr lang="en-US" sz="2000" dirty="0" smtClean="0">
                 <a:solidFill>
-                  <a:schemeClr val="accent6"/>
-                </a:solidFill>
-              </a:rPr>
-              <a:t> ( needed for </a:t>
+                  <a:schemeClr val="bg2"/>
+                </a:solidFill>
+              </a:rPr>
+              <a:t> </a:t>
+            </a:r>
+            <a:r>
+              <a:rPr lang="en-US" sz="2000" dirty="0" smtClean="0">
+                <a:solidFill>
+                  <a:schemeClr val="accent6"/>
+                </a:solidFill>
+              </a:rPr>
+              <a:t>( needed for </a:t>
             </a:r>
             <a:r>
               <a:rPr lang="en-US" sz="2000" dirty="0" err="1" smtClean="0">
@@ -7844,50 +8078,52 @@
                   <a:schemeClr val="accent6"/>
                 </a:solidFill>
               </a:rPr>
-              <a:t>7. exit</a:t>
-            </a:r>
-            <a:br>
-              <a:rPr lang="en-US" sz="2000" dirty="0" smtClean="0">
-                <a:solidFill>
-                  <a:schemeClr val="accent6"/>
-                </a:solidFill>
-              </a:rPr>
-            </a:br>
-            <a:r>
-              <a:rPr lang="en-US" sz="2000" dirty="0" smtClean="0">
-                <a:solidFill>
-                  <a:schemeClr val="accent6"/>
-                </a:solidFill>
-              </a:rPr>
-              <a:t>8. exit</a:t>
+              <a:t>7. </a:t>
+            </a:r>
+            <a:r>
+              <a:rPr lang="en-US" sz="2000" dirty="0" smtClean="0">
+                <a:solidFill>
+                  <a:schemeClr val="bg2"/>
+                </a:solidFill>
+              </a:rPr>
+              <a:t>exit</a:t>
+            </a:r>
+            <a:r>
+              <a:rPr lang="en-US" sz="2000" dirty="0" smtClean="0">
+                <a:solidFill>
+                  <a:schemeClr val="accent6"/>
+                </a:solidFill>
+              </a:rPr>
+              <a:t/>
+            </a:r>
+            <a:br>
+              <a:rPr lang="en-US" sz="2000" dirty="0" smtClean="0">
+                <a:solidFill>
+                  <a:schemeClr val="accent6"/>
+                </a:solidFill>
+              </a:rPr>
+            </a:br>
+            <a:r>
+              <a:rPr lang="en-US" sz="2000" dirty="0" smtClean="0">
+                <a:solidFill>
+                  <a:schemeClr val="accent6"/>
+                </a:solidFill>
+              </a:rPr>
+              <a:t>8. </a:t>
+            </a:r>
+            <a:r>
+              <a:rPr lang="en-US" sz="2000" dirty="0" smtClean="0">
+                <a:solidFill>
+                  <a:schemeClr val="bg2"/>
+                </a:solidFill>
+              </a:rPr>
+              <a:t>exit</a:t>
             </a:r>
             <a:endParaRPr lang="en-US" sz="2000" dirty="0">
               <a:solidFill>
-                <a:schemeClr val="accent6"/>
+                <a:schemeClr val="bg2"/>
               </a:solidFill>
             </a:endParaRPr>
-          </a:p>
-        </p:txBody>
-      </p:sp>
-      <p:sp>
-        <p:nvSpPr>
-          <p:cNvPr id="3" name="Content Placeholder 2"/>
-          <p:cNvSpPr>
-            <a:spLocks noGrp="1"/>
-          </p:cNvSpPr>
-          <p:nvPr>
-            <p:ph idx="1"/>
-          </p:nvPr>
-        </p:nvSpPr>
-        <p:spPr/>
-        <p:txBody>
-          <a:bodyPr/>
-          <a:lstStyle/>
-          <a:p>
-            <a:endParaRPr lang="en-US" dirty="0" smtClean="0"/>
-          </a:p>
-          <a:p>
-            <a:endParaRPr lang="en-US" dirty="0"/>
           </a:p>
         </p:txBody>
       </p:sp>

--- a/10.SystemD_And_TheBootProcedure/10-SystemDAndTheBootProcedure.pptx
+++ b/10.SystemD_And_TheBootProcedure/10-SystemDAndTheBootProcedure.pptx
@@ -5,19 +5,21 @@
     <p:sldMasterId id="2147483648" r:id="rId1"/>
   </p:sldMasterIdLst>
   <p:notesMasterIdLst>
-    <p:notesMasterId r:id="rId12"/>
+    <p:notesMasterId r:id="rId14"/>
   </p:notesMasterIdLst>
   <p:sldIdLst>
-    <p:sldId id="284" r:id="rId2"/>
-    <p:sldId id="285" r:id="rId3"/>
-    <p:sldId id="286" r:id="rId4"/>
-    <p:sldId id="287" r:id="rId5"/>
-    <p:sldId id="288" r:id="rId6"/>
-    <p:sldId id="289" r:id="rId7"/>
-    <p:sldId id="290" r:id="rId8"/>
-    <p:sldId id="291" r:id="rId9"/>
-    <p:sldId id="292" r:id="rId10"/>
-    <p:sldId id="293" r:id="rId11"/>
+    <p:sldId id="294" r:id="rId2"/>
+    <p:sldId id="284" r:id="rId3"/>
+    <p:sldId id="285" r:id="rId4"/>
+    <p:sldId id="286" r:id="rId5"/>
+    <p:sldId id="287" r:id="rId6"/>
+    <p:sldId id="295" r:id="rId7"/>
+    <p:sldId id="288" r:id="rId8"/>
+    <p:sldId id="289" r:id="rId9"/>
+    <p:sldId id="290" r:id="rId10"/>
+    <p:sldId id="291" r:id="rId11"/>
+    <p:sldId id="292" r:id="rId12"/>
+    <p:sldId id="293" r:id="rId13"/>
   </p:sldIdLst>
   <p:sldSz cx="9144000" cy="6858000" type="screen4x3"/>
   <p:notesSz cx="6858000" cy="9144000"/>
@@ -225,7 +227,7 @@
           <a:p>
             <a:fld id="{75861919-8521-4274-BB91-998CD62CEE44}" type="datetimeFigureOut">
               <a:rPr lang="en-US" smtClean="0"/>
-              <a:t>3/24/17</a:t>
+              <a:t>4/5/17</a:t>
             </a:fld>
             <a:endParaRPr lang="en-US"/>
           </a:p>
@@ -558,7 +560,7 @@
           <a:p>
             <a:fld id="{2A2BCF9D-D7FD-459D-AAE8-97A0158967F9}" type="slidenum">
               <a:rPr lang="en-US" smtClean="0"/>
-              <a:t>7</a:t>
+              <a:t>9</a:t>
             </a:fld>
             <a:endParaRPr lang="en-US"/>
           </a:p>
@@ -758,7 +760,7 @@
           <a:p>
             <a:fld id="{3EA744D9-3FBE-48D8-BF2A-85DF203E4D20}" type="datetimeFigureOut">
               <a:rPr lang="bg-BG" smtClean="0"/>
-              <a:t>24.03.17 г.</a:t>
+              <a:t>5.04.17 г.</a:t>
             </a:fld>
             <a:endParaRPr lang="bg-BG"/>
           </a:p>
@@ -928,7 +930,7 @@
           <a:p>
             <a:fld id="{3EA744D9-3FBE-48D8-BF2A-85DF203E4D20}" type="datetimeFigureOut">
               <a:rPr lang="bg-BG" smtClean="0"/>
-              <a:t>24.03.17 г.</a:t>
+              <a:t>5.04.17 г.</a:t>
             </a:fld>
             <a:endParaRPr lang="bg-BG"/>
           </a:p>
@@ -1108,7 +1110,7 @@
           <a:p>
             <a:fld id="{3EA744D9-3FBE-48D8-BF2A-85DF203E4D20}" type="datetimeFigureOut">
               <a:rPr lang="bg-BG" smtClean="0"/>
-              <a:t>24.03.17 г.</a:t>
+              <a:t>5.04.17 г.</a:t>
             </a:fld>
             <a:endParaRPr lang="bg-BG"/>
           </a:p>
@@ -1278,7 +1280,7 @@
           <a:p>
             <a:fld id="{3EA744D9-3FBE-48D8-BF2A-85DF203E4D20}" type="datetimeFigureOut">
               <a:rPr lang="bg-BG" smtClean="0"/>
-              <a:t>24.03.17 г.</a:t>
+              <a:t>5.04.17 г.</a:t>
             </a:fld>
             <a:endParaRPr lang="bg-BG"/>
           </a:p>
@@ -1524,7 +1526,7 @@
           <a:p>
             <a:fld id="{3EA744D9-3FBE-48D8-BF2A-85DF203E4D20}" type="datetimeFigureOut">
               <a:rPr lang="bg-BG" smtClean="0"/>
-              <a:t>24.03.17 г.</a:t>
+              <a:t>5.04.17 г.</a:t>
             </a:fld>
             <a:endParaRPr lang="bg-BG"/>
           </a:p>
@@ -1812,7 +1814,7 @@
           <a:p>
             <a:fld id="{3EA744D9-3FBE-48D8-BF2A-85DF203E4D20}" type="datetimeFigureOut">
               <a:rPr lang="bg-BG" smtClean="0"/>
-              <a:t>24.03.17 г.</a:t>
+              <a:t>5.04.17 г.</a:t>
             </a:fld>
             <a:endParaRPr lang="bg-BG"/>
           </a:p>
@@ -2234,7 +2236,7 @@
           <a:p>
             <a:fld id="{3EA744D9-3FBE-48D8-BF2A-85DF203E4D20}" type="datetimeFigureOut">
               <a:rPr lang="bg-BG" smtClean="0"/>
-              <a:t>24.03.17 г.</a:t>
+              <a:t>5.04.17 г.</a:t>
             </a:fld>
             <a:endParaRPr lang="bg-BG"/>
           </a:p>
@@ -2352,7 +2354,7 @@
           <a:p>
             <a:fld id="{3EA744D9-3FBE-48D8-BF2A-85DF203E4D20}" type="datetimeFigureOut">
               <a:rPr lang="bg-BG" smtClean="0"/>
-              <a:t>24.03.17 г.</a:t>
+              <a:t>5.04.17 г.</a:t>
             </a:fld>
             <a:endParaRPr lang="bg-BG"/>
           </a:p>
@@ -2447,7 +2449,7 @@
           <a:p>
             <a:fld id="{3EA744D9-3FBE-48D8-BF2A-85DF203E4D20}" type="datetimeFigureOut">
               <a:rPr lang="bg-BG" smtClean="0"/>
-              <a:t>24.03.17 г.</a:t>
+              <a:t>5.04.17 г.</a:t>
             </a:fld>
             <a:endParaRPr lang="bg-BG"/>
           </a:p>
@@ -2724,7 +2726,7 @@
           <a:p>
             <a:fld id="{3EA744D9-3FBE-48D8-BF2A-85DF203E4D20}" type="datetimeFigureOut">
               <a:rPr lang="bg-BG" smtClean="0"/>
-              <a:t>24.03.17 г.</a:t>
+              <a:t>5.04.17 г.</a:t>
             </a:fld>
             <a:endParaRPr lang="bg-BG"/>
           </a:p>
@@ -2977,7 +2979,7 @@
           <a:p>
             <a:fld id="{3EA744D9-3FBE-48D8-BF2A-85DF203E4D20}" type="datetimeFigureOut">
               <a:rPr lang="bg-BG" smtClean="0"/>
-              <a:t>24.03.17 г.</a:t>
+              <a:t>5.04.17 г.</a:t>
             </a:fld>
             <a:endParaRPr lang="bg-BG"/>
           </a:p>
@@ -3199,7 +3201,7 @@
           <a:p>
             <a:fld id="{3EA744D9-3FBE-48D8-BF2A-85DF203E4D20}" type="datetimeFigureOut">
               <a:rPr lang="bg-BG" smtClean="0"/>
-              <a:t>24.03.17 г.</a:t>
+              <a:t>5.04.17 г.</a:t>
             </a:fld>
             <a:endParaRPr lang="bg-BG"/>
           </a:p>
@@ -3584,6 +3586,224 @@
             <p:ph type="title"/>
           </p:nvPr>
         </p:nvSpPr>
+        <p:spPr>
+          <a:xfrm>
+            <a:off x="381000" y="228600"/>
+            <a:ext cx="8229600" cy="1143000"/>
+          </a:xfrm>
+        </p:spPr>
+        <p:txBody>
+          <a:bodyPr>
+            <a:normAutofit fontScale="90000"/>
+          </a:bodyPr>
+          <a:lstStyle/>
+          <a:p>
+            <a:r>
+              <a:rPr lang="en-US" dirty="0"/>
+              <a:t/>
+            </a:r>
+            <a:br>
+              <a:rPr lang="en-US" dirty="0"/>
+            </a:br>
+            <a:r>
+              <a:rPr lang="en-US" dirty="0" smtClean="0"/>
+              <a:t/>
+            </a:r>
+            <a:br>
+              <a:rPr lang="en-US" dirty="0" smtClean="0"/>
+            </a:br>
+            <a:r>
+              <a:rPr lang="en-US" dirty="0"/>
+              <a:t/>
+            </a:r>
+            <a:br>
+              <a:rPr lang="en-US" dirty="0"/>
+            </a:br>
+            <a:r>
+              <a:rPr lang="en-US" dirty="0" smtClean="0"/>
+              <a:t/>
+            </a:r>
+            <a:br>
+              <a:rPr lang="en-US" dirty="0" smtClean="0"/>
+            </a:br>
+            <a:r>
+              <a:rPr lang="en-US" dirty="0"/>
+              <a:t/>
+            </a:r>
+            <a:br>
+              <a:rPr lang="en-US" dirty="0"/>
+            </a:br>
+            <a:r>
+              <a:rPr lang="en-US" dirty="0" smtClean="0"/>
+              <a:t/>
+            </a:r>
+            <a:br>
+              <a:rPr lang="en-US" dirty="0" smtClean="0"/>
+            </a:br>
+            <a:r>
+              <a:rPr lang="en-US" dirty="0" smtClean="0"/>
+              <a:t/>
+            </a:r>
+            <a:br>
+              <a:rPr lang="en-US" dirty="0" smtClean="0"/>
+            </a:br>
+            <a:r>
+              <a:rPr lang="en-US" sz="3600" dirty="0" smtClean="0">
+                <a:solidFill>
+                  <a:schemeClr val="accent6"/>
+                </a:solidFill>
+              </a:rPr>
+              <a:t>For many years, process ID 1 of Linux and UNIX systems has been the </a:t>
+            </a:r>
+            <a:r>
+              <a:rPr lang="en-US" sz="3600" dirty="0" err="1" smtClean="0">
+                <a:solidFill>
+                  <a:schemeClr val="accent6"/>
+                </a:solidFill>
+              </a:rPr>
+              <a:t>init</a:t>
+            </a:r>
+            <a:r>
+              <a:rPr lang="en-US" sz="3600" dirty="0" smtClean="0">
+                <a:solidFill>
+                  <a:schemeClr val="accent6"/>
+                </a:solidFill>
+              </a:rPr>
+              <a:t> process. This process was </a:t>
+            </a:r>
+            <a:r>
+              <a:rPr lang="en-US" sz="3600" dirty="0" err="1" smtClean="0">
+                <a:solidFill>
+                  <a:schemeClr val="accent6"/>
+                </a:solidFill>
+              </a:rPr>
+              <a:t>responsbile</a:t>
+            </a:r>
+            <a:r>
+              <a:rPr lang="en-US" sz="3600" dirty="0" smtClean="0">
+                <a:solidFill>
+                  <a:schemeClr val="accent6"/>
+                </a:solidFill>
+              </a:rPr>
+              <a:t> for activating other services on the system.</a:t>
+            </a:r>
+            <a:br>
+              <a:rPr lang="en-US" sz="3600" dirty="0" smtClean="0">
+                <a:solidFill>
+                  <a:schemeClr val="accent6"/>
+                </a:solidFill>
+              </a:rPr>
+            </a:br>
+            <a:r>
+              <a:rPr lang="en-US" sz="3600" dirty="0">
+                <a:solidFill>
+                  <a:schemeClr val="accent6"/>
+                </a:solidFill>
+              </a:rPr>
+              <a:t/>
+            </a:r>
+            <a:br>
+              <a:rPr lang="en-US" sz="3600" dirty="0">
+                <a:solidFill>
+                  <a:schemeClr val="accent6"/>
+                </a:solidFill>
+              </a:rPr>
+            </a:br>
+            <a:r>
+              <a:rPr lang="en-US" sz="3600" dirty="0" smtClean="0">
+                <a:solidFill>
+                  <a:schemeClr val="accent6"/>
+                </a:solidFill>
+              </a:rPr>
+              <a:t>Frequently used daemons were started on systems at boo time with System V and LSB </a:t>
+            </a:r>
+            <a:r>
+              <a:rPr lang="en-US" sz="3600" dirty="0" err="1" smtClean="0">
+                <a:solidFill>
+                  <a:schemeClr val="accent6"/>
+                </a:solidFill>
+              </a:rPr>
+              <a:t>init</a:t>
+            </a:r>
+            <a:r>
+              <a:rPr lang="en-US" sz="3600" dirty="0" smtClean="0">
+                <a:solidFill>
+                  <a:schemeClr val="accent6"/>
+                </a:solidFill>
+              </a:rPr>
+              <a:t> scripts</a:t>
+            </a:r>
+            <a:r>
+              <a:rPr lang="en-US" dirty="0" smtClean="0">
+                <a:solidFill>
+                  <a:schemeClr val="accent6"/>
+                </a:solidFill>
+              </a:rPr>
+              <a:t>.</a:t>
+            </a:r>
+            <a:endParaRPr lang="en-US" dirty="0"/>
+          </a:p>
+        </p:txBody>
+      </p:sp>
+      <p:sp>
+        <p:nvSpPr>
+          <p:cNvPr id="3" name="Content Placeholder 2"/>
+          <p:cNvSpPr>
+            <a:spLocks noGrp="1"/>
+          </p:cNvSpPr>
+          <p:nvPr>
+            <p:ph idx="1"/>
+          </p:nvPr>
+        </p:nvSpPr>
+        <p:spPr/>
+        <p:txBody>
+          <a:bodyPr/>
+          <a:lstStyle/>
+          <a:p>
+            <a:endParaRPr lang="en-US" dirty="0"/>
+          </a:p>
+        </p:txBody>
+      </p:sp>
+    </p:spTree>
+    <p:extLst>
+      <p:ext uri="{BB962C8B-B14F-4D97-AF65-F5344CB8AC3E}">
+        <p14:creationId xmlns:p14="http://schemas.microsoft.com/office/powerpoint/2010/main" val="1519276210"/>
+      </p:ext>
+    </p:extLst>
+  </p:cSld>
+  <p:clrMapOvr>
+    <a:masterClrMapping/>
+  </p:clrMapOvr>
+</p:sld>
+</file>
+
+<file path=ppt/slides/slide10.xml><?xml version="1.0" encoding="utf-8"?>
+<p:sld xmlns:a="http://schemas.openxmlformats.org/drawingml/2006/main" xmlns:r="http://schemas.openxmlformats.org/officeDocument/2006/relationships" xmlns:p="http://schemas.openxmlformats.org/presentationml/2006/main">
+  <p:cSld>
+    <p:spTree>
+      <p:nvGrpSpPr>
+        <p:cNvPr id="1" name=""/>
+        <p:cNvGrpSpPr/>
+        <p:nvPr/>
+      </p:nvGrpSpPr>
+      <p:grpSpPr>
+        <a:xfrm>
+          <a:off x="0" y="0"/>
+          <a:ext cx="0" cy="0"/>
+          <a:chOff x="0" y="0"/>
+          <a:chExt cx="0" cy="0"/>
+        </a:xfrm>
+      </p:grpSpPr>
+      <p:sp>
+        <p:nvSpPr>
+          <p:cNvPr id="2" name="Title 1"/>
+          <p:cNvSpPr>
+            <a:spLocks noGrp="1"/>
+          </p:cNvSpPr>
+          <p:nvPr>
+            <p:ph type="title"/>
+          </p:nvPr>
+        </p:nvSpPr>
         <p:spPr/>
         <p:txBody>
           <a:bodyPr>
@@ -3622,21 +3842,6 @@
               </a:rPr>
             </a:br>
             <a:r>
-              <a:rPr lang="en-US" dirty="0" smtClean="0">
-                <a:solidFill>
-                  <a:schemeClr val="accent6"/>
-                </a:solidFill>
-              </a:rPr>
-              <a:t/>
-            </a:r>
-            <a:br>
-              <a:rPr lang="en-US" dirty="0" smtClean="0">
-                <a:solidFill>
-                  <a:schemeClr val="accent6"/>
-                </a:solidFill>
-              </a:rPr>
-            </a:br>
-            <a:r>
               <a:rPr lang="en-US" dirty="0">
                 <a:solidFill>
                   <a:schemeClr val="accent6"/>
@@ -3652,51 +3857,251 @@
               </a:rPr>
             </a:br>
             <a:r>
-              <a:rPr lang="en-US" dirty="0" smtClean="0">
-                <a:solidFill>
-                  <a:schemeClr val="accent6"/>
-                </a:solidFill>
-              </a:rPr>
-              <a:t/>
-            </a:r>
-            <a:br>
-              <a:rPr lang="en-US" dirty="0" smtClean="0">
-                <a:solidFill>
-                  <a:schemeClr val="accent6"/>
-                </a:solidFill>
-              </a:rPr>
-            </a:br>
-            <a:r>
-              <a:rPr lang="en-US" dirty="0">
-                <a:solidFill>
-                  <a:schemeClr val="accent6"/>
-                </a:solidFill>
-              </a:rPr>
-              <a:t/>
-            </a:r>
-            <a:br>
-              <a:rPr lang="en-US" dirty="0">
-                <a:solidFill>
-                  <a:schemeClr val="accent6"/>
-                </a:solidFill>
-              </a:rPr>
-            </a:br>
-            <a:r>
-              <a:rPr lang="en-US" smtClean="0">
-                <a:solidFill>
-                  <a:schemeClr val="accent6"/>
-                </a:solidFill>
-              </a:rPr>
-              <a:t/>
-            </a:r>
-            <a:br>
-              <a:rPr lang="en-US" smtClean="0">
-                <a:solidFill>
-                  <a:schemeClr val="accent6"/>
-                </a:solidFill>
-              </a:rPr>
-            </a:br>
-            <a:endParaRPr lang="en-US" sz="2700" dirty="0">
+              <a:rPr lang="en-US" sz="2000" dirty="0" smtClean="0">
+                <a:solidFill>
+                  <a:schemeClr val="accent6"/>
+                </a:solidFill>
+              </a:rPr>
+              <a:t>Resetting the root password, yeah it’s possible in Linux </a:t>
+            </a:r>
+            <a:r>
+              <a:rPr lang="en-US" sz="2000" dirty="0" smtClean="0">
+                <a:solidFill>
+                  <a:schemeClr val="accent6"/>
+                </a:solidFill>
+                <a:sym typeface="Wingdings" panose="05000000000000000000" pitchFamily="2" charset="2"/>
+              </a:rPr>
+              <a:t></a:t>
+            </a:r>
+            <a:br>
+              <a:rPr lang="en-US" sz="2000" dirty="0" smtClean="0">
+                <a:solidFill>
+                  <a:schemeClr val="accent6"/>
+                </a:solidFill>
+                <a:sym typeface="Wingdings" panose="05000000000000000000" pitchFamily="2" charset="2"/>
+              </a:rPr>
+            </a:br>
+            <a:r>
+              <a:rPr lang="en-US" sz="2000" dirty="0">
+                <a:solidFill>
+                  <a:schemeClr val="accent6"/>
+                </a:solidFill>
+                <a:sym typeface="Wingdings" panose="05000000000000000000" pitchFamily="2" charset="2"/>
+              </a:rPr>
+              <a:t/>
+            </a:r>
+            <a:br>
+              <a:rPr lang="en-US" sz="2000" dirty="0">
+                <a:solidFill>
+                  <a:schemeClr val="accent6"/>
+                </a:solidFill>
+                <a:sym typeface="Wingdings" panose="05000000000000000000" pitchFamily="2" charset="2"/>
+              </a:rPr>
+            </a:br>
+            <a:r>
+              <a:rPr lang="en-US" sz="2000" dirty="0" smtClean="0">
+                <a:solidFill>
+                  <a:schemeClr val="accent6"/>
+                </a:solidFill>
+                <a:sym typeface="Wingdings" panose="05000000000000000000" pitchFamily="2" charset="2"/>
+              </a:rPr>
+              <a:t>1. Boot your system and wait until the GRUB2 menu appears.</a:t>
+            </a:r>
+            <a:br>
+              <a:rPr lang="en-US" sz="2000" dirty="0" smtClean="0">
+                <a:solidFill>
+                  <a:schemeClr val="accent6"/>
+                </a:solidFill>
+                <a:sym typeface="Wingdings" panose="05000000000000000000" pitchFamily="2" charset="2"/>
+              </a:rPr>
+            </a:br>
+            <a:r>
+              <a:rPr lang="en-US" sz="2000" dirty="0" smtClean="0">
+                <a:solidFill>
+                  <a:schemeClr val="accent6"/>
+                </a:solidFill>
+                <a:sym typeface="Wingdings" panose="05000000000000000000" pitchFamily="2" charset="2"/>
+              </a:rPr>
+              <a:t>2. Highlight the any entry and press ‘</a:t>
+            </a:r>
+            <a:r>
+              <a:rPr lang="en-US" sz="2000" dirty="0" smtClean="0">
+                <a:solidFill>
+                  <a:schemeClr val="bg2"/>
+                </a:solidFill>
+                <a:sym typeface="Wingdings" panose="05000000000000000000" pitchFamily="2" charset="2"/>
+              </a:rPr>
+              <a:t>e</a:t>
+            </a:r>
+            <a:r>
+              <a:rPr lang="en-US" sz="2000" dirty="0" smtClean="0">
+                <a:solidFill>
+                  <a:schemeClr val="accent6"/>
+                </a:solidFill>
+                <a:sym typeface="Wingdings" panose="05000000000000000000" pitchFamily="2" charset="2"/>
+              </a:rPr>
+              <a:t>’.</a:t>
+            </a:r>
+            <a:br>
+              <a:rPr lang="en-US" sz="2000" dirty="0" smtClean="0">
+                <a:solidFill>
+                  <a:schemeClr val="accent6"/>
+                </a:solidFill>
+                <a:sym typeface="Wingdings" panose="05000000000000000000" pitchFamily="2" charset="2"/>
+              </a:rPr>
+            </a:br>
+            <a:r>
+              <a:rPr lang="en-US" sz="2000" dirty="0" smtClean="0">
+                <a:solidFill>
+                  <a:schemeClr val="accent6"/>
+                </a:solidFill>
+                <a:sym typeface="Wingdings" panose="05000000000000000000" pitchFamily="2" charset="2"/>
+              </a:rPr>
+              <a:t>3. Add ‘</a:t>
+            </a:r>
+            <a:r>
+              <a:rPr lang="en-US" sz="2000" dirty="0" err="1" smtClean="0">
+                <a:solidFill>
+                  <a:schemeClr val="bg2"/>
+                </a:solidFill>
+                <a:sym typeface="Wingdings" panose="05000000000000000000" pitchFamily="2" charset="2"/>
+              </a:rPr>
+              <a:t>rd.break</a:t>
+            </a:r>
+            <a:r>
+              <a:rPr lang="en-US" sz="2000" dirty="0" smtClean="0">
+                <a:solidFill>
+                  <a:schemeClr val="accent6"/>
+                </a:solidFill>
+                <a:sym typeface="Wingdings" panose="05000000000000000000" pitchFamily="2" charset="2"/>
+              </a:rPr>
+              <a:t>’ to the end of the line that starts with </a:t>
+            </a:r>
+            <a:r>
+              <a:rPr lang="en-US" sz="2000" dirty="0" err="1" smtClean="0">
+                <a:solidFill>
+                  <a:schemeClr val="bg2"/>
+                </a:solidFill>
+                <a:sym typeface="Wingdings" panose="05000000000000000000" pitchFamily="2" charset="2"/>
+              </a:rPr>
+              <a:t>linux</a:t>
+            </a:r>
+            <a:r>
+              <a:rPr lang="en-US" sz="2000" dirty="0">
+                <a:solidFill>
+                  <a:schemeClr val="accent6"/>
+                </a:solidFill>
+                <a:sym typeface="Wingdings" panose="05000000000000000000" pitchFamily="2" charset="2"/>
+              </a:rPr>
+              <a:t> </a:t>
+            </a:r>
+            <a:r>
+              <a:rPr lang="en-US" sz="2000" dirty="0" smtClean="0">
+                <a:solidFill>
+                  <a:schemeClr val="accent6"/>
+                </a:solidFill>
+                <a:sym typeface="Wingdings" panose="05000000000000000000" pitchFamily="2" charset="2"/>
+              </a:rPr>
+              <a:t>/ ctrl + x to restart</a:t>
+            </a:r>
+            <a:br>
+              <a:rPr lang="en-US" sz="2000" dirty="0" smtClean="0">
+                <a:solidFill>
+                  <a:schemeClr val="accent6"/>
+                </a:solidFill>
+                <a:sym typeface="Wingdings" panose="05000000000000000000" pitchFamily="2" charset="2"/>
+              </a:rPr>
+            </a:br>
+            <a:r>
+              <a:rPr lang="en-US" sz="2000" dirty="0" smtClean="0">
+                <a:solidFill>
+                  <a:schemeClr val="accent6"/>
+                </a:solidFill>
+                <a:sym typeface="Wingdings" panose="05000000000000000000" pitchFamily="2" charset="2"/>
+              </a:rPr>
+              <a:t> ‘</a:t>
+            </a:r>
+            <a:r>
+              <a:rPr lang="en-US" sz="2000" dirty="0" err="1" smtClean="0">
+                <a:solidFill>
+                  <a:schemeClr val="bg2"/>
+                </a:solidFill>
+                <a:sym typeface="Wingdings" panose="05000000000000000000" pitchFamily="2" charset="2"/>
+              </a:rPr>
+              <a:t>rd.brea</a:t>
+            </a:r>
+            <a:r>
+              <a:rPr lang="en-US" sz="2000" dirty="0" err="1" smtClean="0">
+                <a:solidFill>
+                  <a:schemeClr val="accent6"/>
+                </a:solidFill>
+                <a:sym typeface="Wingdings" panose="05000000000000000000" pitchFamily="2" charset="2"/>
+              </a:rPr>
+              <a:t>k</a:t>
+            </a:r>
+            <a:r>
+              <a:rPr lang="en-US" sz="2000" dirty="0" smtClean="0">
+                <a:solidFill>
+                  <a:schemeClr val="accent6"/>
+                </a:solidFill>
+                <a:sym typeface="Wingdings" panose="05000000000000000000" pitchFamily="2" charset="2"/>
+              </a:rPr>
+              <a:t>’ interrupts the boot process before control is passed from </a:t>
+            </a:r>
+            <a:r>
+              <a:rPr lang="en-US" sz="2000" dirty="0" err="1" smtClean="0">
+                <a:solidFill>
+                  <a:schemeClr val="accent6"/>
+                </a:solidFill>
+                <a:sym typeface="Wingdings" panose="05000000000000000000" pitchFamily="2" charset="2"/>
+              </a:rPr>
+              <a:t>initramfs</a:t>
+            </a:r>
+            <a:r>
+              <a:rPr lang="en-US" sz="2000" dirty="0" smtClean="0">
+                <a:solidFill>
+                  <a:schemeClr val="accent6"/>
+                </a:solidFill>
+                <a:sym typeface="Wingdings" panose="05000000000000000000" pitchFamily="2" charset="2"/>
+              </a:rPr>
+              <a:t> to </a:t>
+            </a:r>
+            <a:r>
+              <a:rPr lang="en-US" sz="2000" dirty="0" err="1" smtClean="0">
+                <a:solidFill>
+                  <a:schemeClr val="accent6"/>
+                </a:solidFill>
+                <a:sym typeface="Wingdings" panose="05000000000000000000" pitchFamily="2" charset="2"/>
+              </a:rPr>
+              <a:t>systemd</a:t>
+            </a:r>
+            <a:r>
+              <a:rPr lang="en-US" sz="2000" dirty="0" smtClean="0">
+                <a:solidFill>
+                  <a:schemeClr val="accent6"/>
+                </a:solidFill>
+                <a:sym typeface="Wingdings" panose="05000000000000000000" pitchFamily="2" charset="2"/>
+              </a:rPr>
+              <a:t> .</a:t>
+            </a:r>
+            <a:br>
+              <a:rPr lang="en-US" sz="2000" dirty="0" smtClean="0">
+                <a:solidFill>
+                  <a:schemeClr val="accent6"/>
+                </a:solidFill>
+                <a:sym typeface="Wingdings" panose="05000000000000000000" pitchFamily="2" charset="2"/>
+              </a:rPr>
+            </a:br>
+            <a:r>
+              <a:rPr lang="en-US" sz="2000" dirty="0" smtClean="0">
+                <a:solidFill>
+                  <a:schemeClr val="accent6"/>
+                </a:solidFill>
+                <a:sym typeface="Wingdings" panose="05000000000000000000" pitchFamily="2" charset="2"/>
+              </a:rPr>
+              <a:t> </a:t>
+            </a:r>
+            <a:endParaRPr lang="en-US" sz="2000" dirty="0">
               <a:solidFill>
                 <a:schemeClr val="accent6"/>
               </a:solidFill>
@@ -3704,236 +4109,15 @@
           </a:p>
         </p:txBody>
       </p:sp>
-      <p:sp>
-        <p:nvSpPr>
-          <p:cNvPr id="3" name="TextBox 2"/>
-          <p:cNvSpPr txBox="1"/>
-          <p:nvPr/>
-        </p:nvSpPr>
-        <p:spPr>
-          <a:xfrm>
-            <a:off x="494805" y="609600"/>
-            <a:ext cx="7924800" cy="7294305"/>
-          </a:xfrm>
-          <a:prstGeom prst="rect">
-            <a:avLst/>
-          </a:prstGeom>
-          <a:noFill/>
-        </p:spPr>
-        <p:txBody>
-          <a:bodyPr wrap="square" rtlCol="0">
-            <a:spAutoFit/>
-          </a:bodyPr>
-          <a:lstStyle/>
-          <a:p>
-            <a:r>
-              <a:rPr lang="en-US" dirty="0" err="1" smtClean="0"/>
-              <a:t>S</a:t>
-            </a:r>
-            <a:r>
-              <a:rPr lang="en-US" dirty="0" err="1" smtClean="0">
-                <a:solidFill>
-                  <a:srgbClr val="FF0000"/>
-                </a:solidFill>
-              </a:rPr>
-              <a:t>Systemd</a:t>
-            </a:r>
-            <a:r>
-              <a:rPr lang="en-US" dirty="0" smtClean="0">
-                <a:solidFill>
-                  <a:schemeClr val="accent6"/>
-                </a:solidFill>
-              </a:rPr>
-              <a:t> is the new service/system manager in RHEL distros that is responsible for starting the first process and controlling other ones. </a:t>
-            </a:r>
-            <a:r>
-              <a:rPr lang="en-US" dirty="0" err="1" smtClean="0">
-                <a:solidFill>
-                  <a:schemeClr val="accent6"/>
-                </a:solidFill>
-              </a:rPr>
-              <a:t>Systemd</a:t>
-            </a:r>
-            <a:r>
-              <a:rPr lang="en-US" dirty="0" smtClean="0">
-                <a:solidFill>
-                  <a:schemeClr val="accent6"/>
-                </a:solidFill>
-              </a:rPr>
-              <a:t> is used to start and manage units. </a:t>
-            </a:r>
-          </a:p>
-          <a:p>
-            <a:endParaRPr lang="en-US" dirty="0">
-              <a:solidFill>
-                <a:schemeClr val="accent6"/>
-              </a:solidFill>
-            </a:endParaRPr>
-          </a:p>
-          <a:p>
-            <a:r>
-              <a:rPr lang="en-US" dirty="0" smtClean="0">
-                <a:solidFill>
-                  <a:schemeClr val="accent6"/>
-                </a:solidFill>
-              </a:rPr>
-              <a:t>The most important unit is called service. Apart from services, other unit types exist, such as socket, mounts … </a:t>
-            </a:r>
-          </a:p>
-          <a:p>
-            <a:endParaRPr lang="en-US" dirty="0">
-              <a:solidFill>
-                <a:schemeClr val="accent6"/>
-              </a:solidFill>
-            </a:endParaRPr>
-          </a:p>
-          <a:p>
-            <a:endParaRPr lang="en-US" dirty="0" smtClean="0">
-              <a:solidFill>
-                <a:schemeClr val="accent6"/>
-              </a:solidFill>
-            </a:endParaRPr>
-          </a:p>
-          <a:p>
-            <a:endParaRPr lang="en-US" dirty="0">
-              <a:solidFill>
-                <a:schemeClr val="accent6"/>
-              </a:solidFill>
-            </a:endParaRPr>
-          </a:p>
-          <a:p>
-            <a:endParaRPr lang="en-US" dirty="0" smtClean="0"/>
-          </a:p>
-          <a:p>
-            <a:endParaRPr lang="en-US" dirty="0"/>
-          </a:p>
-          <a:p>
-            <a:endParaRPr lang="en-US" dirty="0" smtClean="0"/>
-          </a:p>
-          <a:p>
-            <a:endParaRPr lang="en-US" dirty="0"/>
-          </a:p>
-          <a:p>
-            <a:endParaRPr lang="en-US" dirty="0" smtClean="0"/>
-          </a:p>
-          <a:p>
-            <a:endParaRPr lang="en-US" dirty="0"/>
-          </a:p>
-          <a:p>
-            <a:endParaRPr lang="en-US" dirty="0" smtClean="0"/>
-          </a:p>
-          <a:p>
-            <a:endParaRPr lang="en-US" dirty="0"/>
-          </a:p>
-          <a:p>
-            <a:endParaRPr lang="en-US" dirty="0" smtClean="0"/>
-          </a:p>
-          <a:p>
-            <a:endParaRPr lang="en-US" dirty="0"/>
-          </a:p>
-          <a:p>
-            <a:r>
-              <a:rPr lang="en-US" dirty="0" smtClean="0">
-                <a:solidFill>
-                  <a:srgbClr val="FF0000"/>
-                </a:solidFill>
-              </a:rPr>
-              <a:t>Exercises:</a:t>
-            </a:r>
-          </a:p>
-          <a:p>
-            <a:pPr marL="342900" indent="-342900">
-              <a:buAutoNum type="arabicPeriod"/>
-            </a:pPr>
-            <a:r>
-              <a:rPr lang="en-US" dirty="0">
-                <a:solidFill>
-                  <a:schemeClr val="bg1"/>
-                </a:solidFill>
-              </a:rPr>
-              <a:t>m</a:t>
-            </a:r>
-            <a:r>
-              <a:rPr lang="en-US" dirty="0" smtClean="0">
-                <a:solidFill>
-                  <a:schemeClr val="bg1"/>
-                </a:solidFill>
-              </a:rPr>
-              <a:t>an </a:t>
-            </a:r>
-            <a:r>
-              <a:rPr lang="en-US" dirty="0" err="1" smtClean="0">
-                <a:solidFill>
-                  <a:schemeClr val="bg1"/>
-                </a:solidFill>
-              </a:rPr>
-              <a:t>systemd</a:t>
-            </a:r>
-            <a:endParaRPr lang="en-US" dirty="0" smtClean="0">
-              <a:solidFill>
-                <a:schemeClr val="bg1"/>
-              </a:solidFill>
-            </a:endParaRPr>
-          </a:p>
-          <a:p>
-            <a:pPr marL="342900" indent="-342900">
-              <a:buAutoNum type="arabicPeriod"/>
-            </a:pPr>
-            <a:r>
-              <a:rPr lang="en-US" dirty="0" smtClean="0">
-                <a:solidFill>
-                  <a:schemeClr val="accent6"/>
-                </a:solidFill>
-              </a:rPr>
-              <a:t>Which is the first process in Linux, according to the above man page ? </a:t>
-            </a:r>
-          </a:p>
-          <a:p>
-            <a:endParaRPr lang="en-US" dirty="0" smtClean="0">
-              <a:solidFill>
-                <a:schemeClr val="accent6"/>
-              </a:solidFill>
-            </a:endParaRPr>
-          </a:p>
-          <a:p>
-            <a:pPr marL="342900" indent="-342900">
-              <a:buAutoNum type="arabicPeriod"/>
-            </a:pPr>
-            <a:endParaRPr lang="en-US" dirty="0">
-              <a:solidFill>
-                <a:schemeClr val="accent6"/>
-              </a:solidFill>
-            </a:endParaRPr>
-          </a:p>
-          <a:p>
-            <a:pPr marL="342900" indent="-342900">
-              <a:buAutoNum type="arabicPeriod"/>
-            </a:pPr>
-            <a:endParaRPr lang="en-US" dirty="0" smtClean="0">
-              <a:solidFill>
-                <a:schemeClr val="accent6"/>
-              </a:solidFill>
-            </a:endParaRPr>
-          </a:p>
-          <a:p>
-            <a:pPr marL="342900" indent="-342900">
-              <a:buAutoNum type="arabicPeriod"/>
-            </a:pPr>
-            <a:endParaRPr lang="en-US" dirty="0">
-              <a:solidFill>
-                <a:schemeClr val="accent6"/>
-              </a:solidFill>
-            </a:endParaRPr>
-          </a:p>
-        </p:txBody>
-      </p:sp>
       <p:pic>
         <p:nvPicPr>
-          <p:cNvPr id="5" name="Picture 4"/>
+          <p:cNvPr id="4" name="Content Placeholder 3"/>
           <p:cNvPicPr>
-            <a:picLocks noChangeAspect="1"/>
+            <a:picLocks noGrp="1" noChangeAspect="1"/>
           </p:cNvPicPr>
-          <p:nvPr/>
+          <p:nvPr>
+            <p:ph idx="1"/>
+          </p:nvPr>
         </p:nvPicPr>
         <p:blipFill>
           <a:blip r:embed="rId2">
@@ -3949,8 +4133,35 @@
         </p:blipFill>
         <p:spPr>
           <a:xfrm>
-            <a:off x="2971800" y="2743200"/>
-            <a:ext cx="2362200" cy="2819400"/>
+            <a:off x="76200" y="2971485"/>
+            <a:ext cx="4953000" cy="3139384"/>
+          </a:xfrm>
+        </p:spPr>
+      </p:pic>
+      <p:pic>
+        <p:nvPicPr>
+          <p:cNvPr id="5" name="Picture 4"/>
+          <p:cNvPicPr>
+            <a:picLocks noChangeAspect="1"/>
+          </p:cNvPicPr>
+          <p:nvPr/>
+        </p:nvPicPr>
+        <p:blipFill>
+          <a:blip r:embed="rId3">
+            <a:extLst>
+              <a:ext uri="{28A0092B-C50C-407E-A947-70E740481C1C}">
+                <a14:useLocalDpi xmlns:a14="http://schemas.microsoft.com/office/drawing/2010/main" val="0"/>
+              </a:ext>
+            </a:extLst>
+          </a:blip>
+          <a:stretch>
+            <a:fillRect/>
+          </a:stretch>
+        </p:blipFill>
+        <p:spPr>
+          <a:xfrm>
+            <a:off x="5181601" y="2971485"/>
+            <a:ext cx="3810000" cy="3139383"/>
           </a:xfrm>
           <a:prstGeom prst="rect">
             <a:avLst/>
@@ -3960,7 +4171,7 @@
     </p:spTree>
     <p:extLst>
       <p:ext uri="{BB962C8B-B14F-4D97-AF65-F5344CB8AC3E}">
-        <p14:creationId xmlns:p14="http://schemas.microsoft.com/office/powerpoint/2010/main" val="72178772"/>
+        <p14:creationId xmlns:p14="http://schemas.microsoft.com/office/powerpoint/2010/main" val="41102422"/>
       </p:ext>
     </p:extLst>
   </p:cSld>
@@ -3970,7 +4181,559 @@
 </p:sld>
 </file>
 
-<file path=ppt/slides/slide10.xml><?xml version="1.0" encoding="utf-8"?>
+<file path=ppt/slides/slide11.xml><?xml version="1.0" encoding="utf-8"?>
+<p:sld xmlns:a="http://schemas.openxmlformats.org/drawingml/2006/main" xmlns:r="http://schemas.openxmlformats.org/officeDocument/2006/relationships" xmlns:p="http://schemas.openxmlformats.org/presentationml/2006/main">
+  <p:cSld>
+    <p:spTree>
+      <p:nvGrpSpPr>
+        <p:cNvPr id="1" name=""/>
+        <p:cNvGrpSpPr/>
+        <p:nvPr/>
+      </p:nvGrpSpPr>
+      <p:grpSpPr>
+        <a:xfrm>
+          <a:off x="0" y="0"/>
+          <a:ext cx="0" cy="0"/>
+          <a:chOff x="0" y="0"/>
+          <a:chExt cx="0" cy="0"/>
+        </a:xfrm>
+      </p:grpSpPr>
+      <p:sp>
+        <p:nvSpPr>
+          <p:cNvPr id="6" name="Title 1"/>
+          <p:cNvSpPr>
+            <a:spLocks noGrp="1"/>
+          </p:cNvSpPr>
+          <p:nvPr>
+            <p:ph type="title"/>
+          </p:nvPr>
+        </p:nvSpPr>
+        <p:spPr/>
+        <p:txBody>
+          <a:bodyPr>
+            <a:normAutofit fontScale="90000"/>
+          </a:bodyPr>
+          <a:lstStyle/>
+          <a:p>
+            <a:r>
+              <a:rPr lang="en-US" dirty="0" smtClean="0">
+                <a:solidFill>
+                  <a:schemeClr val="accent6"/>
+                </a:solidFill>
+              </a:rPr>
+              <a:t/>
+            </a:r>
+            <a:br>
+              <a:rPr lang="en-US" dirty="0" smtClean="0">
+                <a:solidFill>
+                  <a:schemeClr val="accent6"/>
+                </a:solidFill>
+              </a:rPr>
+            </a:br>
+            <a:r>
+              <a:rPr lang="en-US" dirty="0">
+                <a:solidFill>
+                  <a:schemeClr val="accent6"/>
+                </a:solidFill>
+              </a:rPr>
+              <a:t/>
+            </a:r>
+            <a:br>
+              <a:rPr lang="en-US" dirty="0">
+                <a:solidFill>
+                  <a:schemeClr val="accent6"/>
+                </a:solidFill>
+              </a:rPr>
+            </a:br>
+            <a:r>
+              <a:rPr lang="en-US" dirty="0" smtClean="0">
+                <a:solidFill>
+                  <a:schemeClr val="accent6"/>
+                </a:solidFill>
+              </a:rPr>
+              <a:t/>
+            </a:r>
+            <a:br>
+              <a:rPr lang="en-US" dirty="0" smtClean="0">
+                <a:solidFill>
+                  <a:schemeClr val="accent6"/>
+                </a:solidFill>
+              </a:rPr>
+            </a:br>
+            <a:r>
+              <a:rPr lang="en-US" dirty="0" smtClean="0">
+                <a:solidFill>
+                  <a:schemeClr val="accent6"/>
+                </a:solidFill>
+              </a:rPr>
+              <a:t/>
+            </a:r>
+            <a:br>
+              <a:rPr lang="en-US" dirty="0" smtClean="0">
+                <a:solidFill>
+                  <a:schemeClr val="accent6"/>
+                </a:solidFill>
+              </a:rPr>
+            </a:br>
+            <a:r>
+              <a:rPr lang="en-US" dirty="0">
+                <a:solidFill>
+                  <a:schemeClr val="accent6"/>
+                </a:solidFill>
+              </a:rPr>
+              <a:t/>
+            </a:r>
+            <a:br>
+              <a:rPr lang="en-US" dirty="0">
+                <a:solidFill>
+                  <a:schemeClr val="accent6"/>
+                </a:solidFill>
+              </a:rPr>
+            </a:br>
+            <a:r>
+              <a:rPr lang="en-US" dirty="0" smtClean="0">
+                <a:solidFill>
+                  <a:schemeClr val="accent6"/>
+                </a:solidFill>
+              </a:rPr>
+              <a:t/>
+            </a:r>
+            <a:br>
+              <a:rPr lang="en-US" dirty="0" smtClean="0">
+                <a:solidFill>
+                  <a:schemeClr val="accent6"/>
+                </a:solidFill>
+              </a:rPr>
+            </a:br>
+            <a:r>
+              <a:rPr lang="en-US" dirty="0">
+                <a:solidFill>
+                  <a:schemeClr val="accent6"/>
+                </a:solidFill>
+              </a:rPr>
+              <a:t/>
+            </a:r>
+            <a:br>
+              <a:rPr lang="en-US" dirty="0">
+                <a:solidFill>
+                  <a:schemeClr val="accent6"/>
+                </a:solidFill>
+              </a:rPr>
+            </a:br>
+            <a:r>
+              <a:rPr lang="en-US" sz="2000" dirty="0" smtClean="0">
+                <a:solidFill>
+                  <a:schemeClr val="accent6"/>
+                </a:solidFill>
+              </a:rPr>
+              <a:t>Now we are in </a:t>
+            </a:r>
+            <a:r>
+              <a:rPr lang="en-US" sz="2000" dirty="0" err="1" smtClean="0">
+                <a:solidFill>
+                  <a:schemeClr val="accent6"/>
+                </a:solidFill>
+              </a:rPr>
+              <a:t>initramfs</a:t>
+            </a:r>
+            <a:r>
+              <a:rPr lang="en-US" sz="2000" dirty="0" smtClean="0">
+                <a:solidFill>
+                  <a:schemeClr val="accent6"/>
+                </a:solidFill>
+              </a:rPr>
+              <a:t>. The real root file system is under </a:t>
+            </a:r>
+            <a:r>
+              <a:rPr lang="en-US" sz="2000" dirty="0" smtClean="0">
+                <a:solidFill>
+                  <a:schemeClr val="bg2"/>
+                </a:solidFill>
+              </a:rPr>
+              <a:t>/</a:t>
+            </a:r>
+            <a:r>
+              <a:rPr lang="en-US" sz="2000" dirty="0" err="1" smtClean="0">
+                <a:solidFill>
+                  <a:schemeClr val="bg2"/>
+                </a:solidFill>
+              </a:rPr>
+              <a:t>sysroot</a:t>
+            </a:r>
+            <a:r>
+              <a:rPr lang="en-US" sz="2000" dirty="0" smtClean="0">
+                <a:solidFill>
+                  <a:schemeClr val="accent6"/>
+                </a:solidFill>
+              </a:rPr>
+              <a:t/>
+            </a:r>
+            <a:br>
+              <a:rPr lang="en-US" sz="2000" dirty="0" smtClean="0">
+                <a:solidFill>
+                  <a:schemeClr val="accent6"/>
+                </a:solidFill>
+              </a:rPr>
+            </a:br>
+            <a:r>
+              <a:rPr lang="en-US" sz="2000" dirty="0" smtClean="0">
+                <a:solidFill>
+                  <a:schemeClr val="accent6"/>
+                </a:solidFill>
+              </a:rPr>
+              <a:t>1. </a:t>
+            </a:r>
+            <a:r>
+              <a:rPr lang="en-US" sz="2000" dirty="0" smtClean="0">
+                <a:solidFill>
+                  <a:schemeClr val="bg2"/>
+                </a:solidFill>
+              </a:rPr>
+              <a:t>ls</a:t>
+            </a:r>
+            <a:r>
+              <a:rPr lang="en-US" sz="2000" dirty="0" smtClean="0">
+                <a:solidFill>
+                  <a:schemeClr val="accent6"/>
+                </a:solidFill>
+              </a:rPr>
+              <a:t/>
+            </a:r>
+            <a:br>
+              <a:rPr lang="en-US" sz="2000" dirty="0" smtClean="0">
+                <a:solidFill>
+                  <a:schemeClr val="accent6"/>
+                </a:solidFill>
+              </a:rPr>
+            </a:br>
+            <a:r>
+              <a:rPr lang="en-US" sz="2000" dirty="0" smtClean="0">
+                <a:solidFill>
+                  <a:schemeClr val="accent6"/>
+                </a:solidFill>
+              </a:rPr>
+              <a:t>2.  </a:t>
+            </a:r>
+            <a:r>
+              <a:rPr lang="en-US" sz="2000" dirty="0" smtClean="0">
+                <a:solidFill>
+                  <a:schemeClr val="bg2"/>
+                </a:solidFill>
+              </a:rPr>
+              <a:t>ls /</a:t>
+            </a:r>
+            <a:r>
+              <a:rPr lang="en-US" sz="2000" dirty="0" err="1" smtClean="0">
+                <a:solidFill>
+                  <a:schemeClr val="bg2"/>
+                </a:solidFill>
+              </a:rPr>
+              <a:t>sysroot</a:t>
+            </a:r>
+            <a:r>
+              <a:rPr lang="en-US" sz="2000" dirty="0" smtClean="0">
+                <a:solidFill>
+                  <a:schemeClr val="accent6"/>
+                </a:solidFill>
+              </a:rPr>
+              <a:t/>
+            </a:r>
+            <a:br>
+              <a:rPr lang="en-US" sz="2000" dirty="0" smtClean="0">
+                <a:solidFill>
+                  <a:schemeClr val="accent6"/>
+                </a:solidFill>
+              </a:rPr>
+            </a:br>
+            <a:r>
+              <a:rPr lang="en-US" sz="2000" dirty="0" smtClean="0">
+                <a:solidFill>
+                  <a:schemeClr val="accent6"/>
+                </a:solidFill>
+              </a:rPr>
+              <a:t>3. </a:t>
+            </a:r>
+            <a:r>
+              <a:rPr lang="en-US" sz="2000" dirty="0" smtClean="0">
+                <a:solidFill>
+                  <a:schemeClr val="bg2"/>
+                </a:solidFill>
+              </a:rPr>
+              <a:t>mount –o remount, </a:t>
+            </a:r>
+            <a:r>
+              <a:rPr lang="en-US" sz="2000" dirty="0" err="1" smtClean="0">
+                <a:solidFill>
+                  <a:schemeClr val="bg2"/>
+                </a:solidFill>
+              </a:rPr>
+              <a:t>rw</a:t>
+            </a:r>
+            <a:r>
+              <a:rPr lang="en-US" sz="2000" dirty="0" smtClean="0">
+                <a:solidFill>
+                  <a:schemeClr val="bg2"/>
+                </a:solidFill>
+              </a:rPr>
+              <a:t> /</a:t>
+            </a:r>
+            <a:r>
+              <a:rPr lang="en-US" sz="2000" dirty="0" err="1" smtClean="0">
+                <a:solidFill>
+                  <a:schemeClr val="bg2"/>
+                </a:solidFill>
+              </a:rPr>
+              <a:t>sysroot</a:t>
+            </a:r>
+            <a:r>
+              <a:rPr lang="en-US" sz="2000" dirty="0" smtClean="0">
+                <a:solidFill>
+                  <a:schemeClr val="accent6"/>
+                </a:solidFill>
+              </a:rPr>
+              <a:t> (make /</a:t>
+            </a:r>
+            <a:r>
+              <a:rPr lang="en-US" sz="2000" dirty="0" err="1" smtClean="0">
+                <a:solidFill>
+                  <a:schemeClr val="accent6"/>
+                </a:solidFill>
+              </a:rPr>
+              <a:t>sysroot</a:t>
+            </a:r>
+            <a:r>
+              <a:rPr lang="en-US" sz="2000" dirty="0" smtClean="0">
+                <a:solidFill>
+                  <a:schemeClr val="accent6"/>
+                </a:solidFill>
+              </a:rPr>
+              <a:t> available for writing)</a:t>
+            </a:r>
+            <a:br>
+              <a:rPr lang="en-US" sz="2000" dirty="0" smtClean="0">
+                <a:solidFill>
+                  <a:schemeClr val="accent6"/>
+                </a:solidFill>
+              </a:rPr>
+            </a:br>
+            <a:r>
+              <a:rPr lang="en-US" sz="2000" dirty="0" smtClean="0">
+                <a:solidFill>
+                  <a:schemeClr val="accent6"/>
+                </a:solidFill>
+              </a:rPr>
+              <a:t>4. </a:t>
+            </a:r>
+            <a:r>
+              <a:rPr lang="en-US" sz="2000" dirty="0" err="1" smtClean="0">
+                <a:solidFill>
+                  <a:schemeClr val="bg2"/>
+                </a:solidFill>
+              </a:rPr>
+              <a:t>chroot</a:t>
+            </a:r>
+            <a:r>
+              <a:rPr lang="en-US" sz="2000" dirty="0" smtClean="0">
+                <a:solidFill>
+                  <a:schemeClr val="bg2"/>
+                </a:solidFill>
+              </a:rPr>
+              <a:t> /</a:t>
+            </a:r>
+            <a:r>
+              <a:rPr lang="en-US" sz="2000" dirty="0" err="1" smtClean="0">
+                <a:solidFill>
+                  <a:schemeClr val="bg2"/>
+                </a:solidFill>
+              </a:rPr>
+              <a:t>sysroot</a:t>
+            </a:r>
+            <a:r>
+              <a:rPr lang="en-US" sz="2000" dirty="0" smtClean="0">
+                <a:solidFill>
+                  <a:schemeClr val="bg2"/>
+                </a:solidFill>
+              </a:rPr>
+              <a:t> </a:t>
+            </a:r>
+            <a:r>
+              <a:rPr lang="en-US" sz="2000" dirty="0" smtClean="0">
+                <a:solidFill>
+                  <a:schemeClr val="accent6"/>
+                </a:solidFill>
+              </a:rPr>
+              <a:t/>
+            </a:r>
+            <a:br>
+              <a:rPr lang="en-US" sz="2000" dirty="0" smtClean="0">
+                <a:solidFill>
+                  <a:schemeClr val="accent6"/>
+                </a:solidFill>
+              </a:rPr>
+            </a:br>
+            <a:r>
+              <a:rPr lang="en-US" sz="2000" dirty="0" smtClean="0">
+                <a:solidFill>
+                  <a:schemeClr val="accent6"/>
+                </a:solidFill>
+              </a:rPr>
+              <a:t>5. </a:t>
+            </a:r>
+            <a:r>
+              <a:rPr lang="en-US" sz="2000" dirty="0" err="1" smtClean="0">
+                <a:solidFill>
+                  <a:schemeClr val="bg2"/>
+                </a:solidFill>
+              </a:rPr>
+              <a:t>passwd</a:t>
+            </a:r>
+            <a:r>
+              <a:rPr lang="en-US" sz="2000" dirty="0" smtClean="0">
+                <a:solidFill>
+                  <a:schemeClr val="accent6"/>
+                </a:solidFill>
+              </a:rPr>
+              <a:t/>
+            </a:r>
+            <a:br>
+              <a:rPr lang="en-US" sz="2000" dirty="0" smtClean="0">
+                <a:solidFill>
+                  <a:schemeClr val="accent6"/>
+                </a:solidFill>
+              </a:rPr>
+            </a:br>
+            <a:r>
+              <a:rPr lang="en-US" sz="2000" dirty="0" smtClean="0">
+                <a:solidFill>
+                  <a:schemeClr val="accent6"/>
+                </a:solidFill>
+              </a:rPr>
+              <a:t>6. </a:t>
+            </a:r>
+            <a:r>
+              <a:rPr lang="en-US" sz="2000" dirty="0" smtClean="0">
+                <a:solidFill>
+                  <a:schemeClr val="bg2"/>
+                </a:solidFill>
+              </a:rPr>
+              <a:t>touch /.</a:t>
+            </a:r>
+            <a:r>
+              <a:rPr lang="en-US" sz="2000" dirty="0" err="1" smtClean="0">
+                <a:solidFill>
+                  <a:schemeClr val="bg2"/>
+                </a:solidFill>
+              </a:rPr>
+              <a:t>autorelabel</a:t>
+            </a:r>
+            <a:r>
+              <a:rPr lang="en-US" sz="2000" dirty="0" smtClean="0">
+                <a:solidFill>
+                  <a:schemeClr val="bg2"/>
+                </a:solidFill>
+              </a:rPr>
+              <a:t> </a:t>
+            </a:r>
+            <a:r>
+              <a:rPr lang="en-US" sz="2000" dirty="0" smtClean="0">
+                <a:solidFill>
+                  <a:schemeClr val="accent6"/>
+                </a:solidFill>
+              </a:rPr>
+              <a:t>( needed for </a:t>
+            </a:r>
+            <a:r>
+              <a:rPr lang="en-US" sz="2000" dirty="0" err="1" smtClean="0">
+                <a:solidFill>
+                  <a:schemeClr val="accent6"/>
+                </a:solidFill>
+              </a:rPr>
+              <a:t>SELinux</a:t>
+            </a:r>
+            <a:r>
+              <a:rPr lang="en-US" sz="2000" dirty="0" smtClean="0">
+                <a:solidFill>
+                  <a:schemeClr val="accent6"/>
+                </a:solidFill>
+              </a:rPr>
+              <a:t>, outside of the scope of the course. )</a:t>
+            </a:r>
+            <a:br>
+              <a:rPr lang="en-US" sz="2000" dirty="0" smtClean="0">
+                <a:solidFill>
+                  <a:schemeClr val="accent6"/>
+                </a:solidFill>
+              </a:rPr>
+            </a:br>
+            <a:r>
+              <a:rPr lang="en-US" sz="2000" dirty="0" smtClean="0">
+                <a:solidFill>
+                  <a:schemeClr val="accent6"/>
+                </a:solidFill>
+              </a:rPr>
+              <a:t>7. </a:t>
+            </a:r>
+            <a:r>
+              <a:rPr lang="en-US" sz="2000" dirty="0" smtClean="0">
+                <a:solidFill>
+                  <a:schemeClr val="bg2"/>
+                </a:solidFill>
+              </a:rPr>
+              <a:t>exit</a:t>
+            </a:r>
+            <a:r>
+              <a:rPr lang="en-US" sz="2000" dirty="0" smtClean="0">
+                <a:solidFill>
+                  <a:schemeClr val="accent6"/>
+                </a:solidFill>
+              </a:rPr>
+              <a:t/>
+            </a:r>
+            <a:br>
+              <a:rPr lang="en-US" sz="2000" dirty="0" smtClean="0">
+                <a:solidFill>
+                  <a:schemeClr val="accent6"/>
+                </a:solidFill>
+              </a:rPr>
+            </a:br>
+            <a:r>
+              <a:rPr lang="en-US" sz="2000" dirty="0" smtClean="0">
+                <a:solidFill>
+                  <a:schemeClr val="accent6"/>
+                </a:solidFill>
+              </a:rPr>
+              <a:t>8. </a:t>
+            </a:r>
+            <a:r>
+              <a:rPr lang="en-US" sz="2000" dirty="0" smtClean="0">
+                <a:solidFill>
+                  <a:schemeClr val="bg2"/>
+                </a:solidFill>
+              </a:rPr>
+              <a:t>exit</a:t>
+            </a:r>
+            <a:endParaRPr lang="en-US" sz="2000" dirty="0">
+              <a:solidFill>
+                <a:schemeClr val="bg2"/>
+              </a:solidFill>
+            </a:endParaRPr>
+          </a:p>
+        </p:txBody>
+      </p:sp>
+    </p:spTree>
+    <p:extLst>
+      <p:ext uri="{BB962C8B-B14F-4D97-AF65-F5344CB8AC3E}">
+        <p14:creationId xmlns:p14="http://schemas.microsoft.com/office/powerpoint/2010/main" val="3538451417"/>
+      </p:ext>
+    </p:extLst>
+  </p:cSld>
+  <p:clrMapOvr>
+    <a:masterClrMapping/>
+  </p:clrMapOvr>
+</p:sld>
+</file>
+
+<file path=ppt/slides/slide12.xml><?xml version="1.0" encoding="utf-8"?>
 <p:sld xmlns:a="http://schemas.openxmlformats.org/drawingml/2006/main" xmlns:r="http://schemas.openxmlformats.org/officeDocument/2006/relationships" xmlns:p="http://schemas.openxmlformats.org/presentationml/2006/main">
   <p:cSld>
     <p:spTree>
@@ -4222,6 +4985,451 @@
           <a:lstStyle/>
           <a:p>
             <a:r>
+              <a:rPr lang="en-US" dirty="0" smtClean="0">
+                <a:solidFill>
+                  <a:schemeClr val="accent6"/>
+                </a:solidFill>
+              </a:rPr>
+              <a:t/>
+            </a:r>
+            <a:br>
+              <a:rPr lang="en-US" dirty="0" smtClean="0">
+                <a:solidFill>
+                  <a:schemeClr val="accent6"/>
+                </a:solidFill>
+              </a:rPr>
+            </a:br>
+            <a:r>
+              <a:rPr lang="en-US" dirty="0">
+                <a:solidFill>
+                  <a:schemeClr val="accent6"/>
+                </a:solidFill>
+              </a:rPr>
+              <a:t/>
+            </a:r>
+            <a:br>
+              <a:rPr lang="en-US" dirty="0">
+                <a:solidFill>
+                  <a:schemeClr val="accent6"/>
+                </a:solidFill>
+              </a:rPr>
+            </a:br>
+            <a:r>
+              <a:rPr lang="en-US" dirty="0" smtClean="0">
+                <a:solidFill>
+                  <a:schemeClr val="accent6"/>
+                </a:solidFill>
+              </a:rPr>
+              <a:t/>
+            </a:r>
+            <a:br>
+              <a:rPr lang="en-US" dirty="0" smtClean="0">
+                <a:solidFill>
+                  <a:schemeClr val="accent6"/>
+                </a:solidFill>
+              </a:rPr>
+            </a:br>
+            <a:r>
+              <a:rPr lang="en-US" dirty="0">
+                <a:solidFill>
+                  <a:schemeClr val="accent6"/>
+                </a:solidFill>
+              </a:rPr>
+              <a:t/>
+            </a:r>
+            <a:br>
+              <a:rPr lang="en-US" dirty="0">
+                <a:solidFill>
+                  <a:schemeClr val="accent6"/>
+                </a:solidFill>
+              </a:rPr>
+            </a:br>
+            <a:r>
+              <a:rPr lang="en-US" dirty="0" smtClean="0">
+                <a:solidFill>
+                  <a:schemeClr val="accent6"/>
+                </a:solidFill>
+              </a:rPr>
+              <a:t/>
+            </a:r>
+            <a:br>
+              <a:rPr lang="en-US" dirty="0" smtClean="0">
+                <a:solidFill>
+                  <a:schemeClr val="accent6"/>
+                </a:solidFill>
+              </a:rPr>
+            </a:br>
+            <a:r>
+              <a:rPr lang="en-US" dirty="0">
+                <a:solidFill>
+                  <a:schemeClr val="accent6"/>
+                </a:solidFill>
+              </a:rPr>
+              <a:t/>
+            </a:r>
+            <a:br>
+              <a:rPr lang="en-US" dirty="0">
+                <a:solidFill>
+                  <a:schemeClr val="accent6"/>
+                </a:solidFill>
+              </a:rPr>
+            </a:br>
+            <a:r>
+              <a:rPr lang="en-US" smtClean="0">
+                <a:solidFill>
+                  <a:schemeClr val="accent6"/>
+                </a:solidFill>
+              </a:rPr>
+              <a:t/>
+            </a:r>
+            <a:br>
+              <a:rPr lang="en-US" smtClean="0">
+                <a:solidFill>
+                  <a:schemeClr val="accent6"/>
+                </a:solidFill>
+              </a:rPr>
+            </a:br>
+            <a:endParaRPr lang="en-US" sz="2700" dirty="0">
+              <a:solidFill>
+                <a:schemeClr val="accent6"/>
+              </a:solidFill>
+            </a:endParaRPr>
+          </a:p>
+        </p:txBody>
+      </p:sp>
+      <p:sp>
+        <p:nvSpPr>
+          <p:cNvPr id="3" name="TextBox 2"/>
+          <p:cNvSpPr txBox="1"/>
+          <p:nvPr/>
+        </p:nvSpPr>
+        <p:spPr>
+          <a:xfrm>
+            <a:off x="494805" y="609600"/>
+            <a:ext cx="7924800" cy="7294305"/>
+          </a:xfrm>
+          <a:prstGeom prst="rect">
+            <a:avLst/>
+          </a:prstGeom>
+          <a:noFill/>
+        </p:spPr>
+        <p:txBody>
+          <a:bodyPr wrap="square" rtlCol="0">
+            <a:spAutoFit/>
+          </a:bodyPr>
+          <a:lstStyle/>
+          <a:p>
+            <a:r>
+              <a:rPr lang="en-US" dirty="0" err="1" smtClean="0"/>
+              <a:t>S</a:t>
+            </a:r>
+            <a:r>
+              <a:rPr lang="en-US" dirty="0" err="1" smtClean="0">
+                <a:solidFill>
+                  <a:srgbClr val="FF0000"/>
+                </a:solidFill>
+              </a:rPr>
+              <a:t>Systemd</a:t>
+            </a:r>
+            <a:r>
+              <a:rPr lang="en-US" dirty="0" smtClean="0">
+                <a:solidFill>
+                  <a:schemeClr val="accent6"/>
+                </a:solidFill>
+              </a:rPr>
+              <a:t> is the new service/system manager in RHEL distros that is responsible for starting the first process and controlling other ones. </a:t>
+            </a:r>
+            <a:r>
+              <a:rPr lang="en-US" dirty="0" err="1" smtClean="0">
+                <a:solidFill>
+                  <a:schemeClr val="accent6"/>
+                </a:solidFill>
+              </a:rPr>
+              <a:t>Systemd</a:t>
+            </a:r>
+            <a:r>
+              <a:rPr lang="en-US" dirty="0" smtClean="0">
+                <a:solidFill>
+                  <a:schemeClr val="accent6"/>
+                </a:solidFill>
+              </a:rPr>
+              <a:t> is used to start and manage </a:t>
+            </a:r>
+            <a:r>
+              <a:rPr lang="en-US" dirty="0" smtClean="0">
+                <a:solidFill>
+                  <a:schemeClr val="bg1"/>
+                </a:solidFill>
+              </a:rPr>
+              <a:t>units</a:t>
+            </a:r>
+            <a:r>
+              <a:rPr lang="en-US" dirty="0" smtClean="0">
+                <a:solidFill>
+                  <a:schemeClr val="accent6"/>
+                </a:solidFill>
+              </a:rPr>
+              <a:t>. </a:t>
+            </a:r>
+          </a:p>
+          <a:p>
+            <a:endParaRPr lang="en-US" dirty="0">
+              <a:solidFill>
+                <a:schemeClr val="accent6"/>
+              </a:solidFill>
+            </a:endParaRPr>
+          </a:p>
+          <a:p>
+            <a:r>
+              <a:rPr lang="en-US" dirty="0" smtClean="0">
+                <a:solidFill>
+                  <a:schemeClr val="accent6"/>
+                </a:solidFill>
+              </a:rPr>
+              <a:t>The most important unit is called </a:t>
+            </a:r>
+            <a:r>
+              <a:rPr lang="en-US" dirty="0" smtClean="0">
+                <a:solidFill>
+                  <a:schemeClr val="bg1"/>
+                </a:solidFill>
+              </a:rPr>
+              <a:t>service</a:t>
+            </a:r>
+            <a:r>
+              <a:rPr lang="en-US" dirty="0" smtClean="0">
+                <a:solidFill>
+                  <a:schemeClr val="accent6"/>
+                </a:solidFill>
+              </a:rPr>
+              <a:t>. Apart from services, other unit types exist, such as socket, mounts … </a:t>
+            </a:r>
+          </a:p>
+          <a:p>
+            <a:endParaRPr lang="en-US" dirty="0">
+              <a:solidFill>
+                <a:schemeClr val="accent6"/>
+              </a:solidFill>
+            </a:endParaRPr>
+          </a:p>
+          <a:p>
+            <a:endParaRPr lang="en-US" dirty="0" smtClean="0">
+              <a:solidFill>
+                <a:schemeClr val="accent6"/>
+              </a:solidFill>
+            </a:endParaRPr>
+          </a:p>
+          <a:p>
+            <a:endParaRPr lang="en-US" dirty="0">
+              <a:solidFill>
+                <a:schemeClr val="accent6"/>
+              </a:solidFill>
+            </a:endParaRPr>
+          </a:p>
+          <a:p>
+            <a:endParaRPr lang="en-US" dirty="0" smtClean="0"/>
+          </a:p>
+          <a:p>
+            <a:endParaRPr lang="en-US" dirty="0"/>
+          </a:p>
+          <a:p>
+            <a:endParaRPr lang="en-US" dirty="0" smtClean="0"/>
+          </a:p>
+          <a:p>
+            <a:endParaRPr lang="en-US" dirty="0"/>
+          </a:p>
+          <a:p>
+            <a:endParaRPr lang="en-US" dirty="0" smtClean="0"/>
+          </a:p>
+          <a:p>
+            <a:endParaRPr lang="en-US" dirty="0"/>
+          </a:p>
+          <a:p>
+            <a:endParaRPr lang="en-US" dirty="0" smtClean="0"/>
+          </a:p>
+          <a:p>
+            <a:endParaRPr lang="en-US" dirty="0"/>
+          </a:p>
+          <a:p>
+            <a:endParaRPr lang="en-US" dirty="0" smtClean="0"/>
+          </a:p>
+          <a:p>
+            <a:endParaRPr lang="en-US" dirty="0"/>
+          </a:p>
+          <a:p>
+            <a:r>
+              <a:rPr lang="en-US" dirty="0" smtClean="0">
+                <a:solidFill>
+                  <a:srgbClr val="FF0000"/>
+                </a:solidFill>
+              </a:rPr>
+              <a:t>Exercises:</a:t>
+            </a:r>
+          </a:p>
+          <a:p>
+            <a:pPr marL="342900" indent="-342900">
+              <a:buAutoNum type="arabicPeriod"/>
+            </a:pPr>
+            <a:r>
+              <a:rPr lang="en-US" dirty="0">
+                <a:solidFill>
+                  <a:schemeClr val="bg1"/>
+                </a:solidFill>
+              </a:rPr>
+              <a:t>m</a:t>
+            </a:r>
+            <a:r>
+              <a:rPr lang="en-US" dirty="0" smtClean="0">
+                <a:solidFill>
+                  <a:schemeClr val="bg1"/>
+                </a:solidFill>
+              </a:rPr>
+              <a:t>an </a:t>
+            </a:r>
+            <a:r>
+              <a:rPr lang="en-US" dirty="0" err="1" smtClean="0">
+                <a:solidFill>
+                  <a:schemeClr val="bg1"/>
+                </a:solidFill>
+              </a:rPr>
+              <a:t>systemd</a:t>
+            </a:r>
+            <a:endParaRPr lang="en-US" dirty="0" smtClean="0">
+              <a:solidFill>
+                <a:schemeClr val="bg1"/>
+              </a:solidFill>
+            </a:endParaRPr>
+          </a:p>
+          <a:p>
+            <a:pPr marL="342900" indent="-342900">
+              <a:buAutoNum type="arabicPeriod"/>
+            </a:pPr>
+            <a:r>
+              <a:rPr lang="en-US" dirty="0" smtClean="0">
+                <a:solidFill>
+                  <a:schemeClr val="accent6"/>
+                </a:solidFill>
+              </a:rPr>
+              <a:t>Which is the first process in Linux, according to the above man page ? </a:t>
+            </a:r>
+          </a:p>
+          <a:p>
+            <a:endParaRPr lang="en-US" dirty="0" smtClean="0">
+              <a:solidFill>
+                <a:schemeClr val="accent6"/>
+              </a:solidFill>
+            </a:endParaRPr>
+          </a:p>
+          <a:p>
+            <a:pPr marL="342900" indent="-342900">
+              <a:buAutoNum type="arabicPeriod"/>
+            </a:pPr>
+            <a:endParaRPr lang="en-US" dirty="0">
+              <a:solidFill>
+                <a:schemeClr val="accent6"/>
+              </a:solidFill>
+            </a:endParaRPr>
+          </a:p>
+          <a:p>
+            <a:pPr marL="342900" indent="-342900">
+              <a:buAutoNum type="arabicPeriod"/>
+            </a:pPr>
+            <a:endParaRPr lang="en-US" dirty="0" smtClean="0">
+              <a:solidFill>
+                <a:schemeClr val="accent6"/>
+              </a:solidFill>
+            </a:endParaRPr>
+          </a:p>
+          <a:p>
+            <a:pPr marL="342900" indent="-342900">
+              <a:buAutoNum type="arabicPeriod"/>
+            </a:pPr>
+            <a:endParaRPr lang="en-US" dirty="0">
+              <a:solidFill>
+                <a:schemeClr val="accent6"/>
+              </a:solidFill>
+            </a:endParaRPr>
+          </a:p>
+        </p:txBody>
+      </p:sp>
+      <p:pic>
+        <p:nvPicPr>
+          <p:cNvPr id="5" name="Picture 4"/>
+          <p:cNvPicPr>
+            <a:picLocks noChangeAspect="1"/>
+          </p:cNvPicPr>
+          <p:nvPr/>
+        </p:nvPicPr>
+        <p:blipFill>
+          <a:blip r:embed="rId2">
+            <a:extLst>
+              <a:ext uri="{28A0092B-C50C-407E-A947-70E740481C1C}">
+                <a14:useLocalDpi xmlns:a14="http://schemas.microsoft.com/office/drawing/2010/main" val="0"/>
+              </a:ext>
+            </a:extLst>
+          </a:blip>
+          <a:stretch>
+            <a:fillRect/>
+          </a:stretch>
+        </p:blipFill>
+        <p:spPr>
+          <a:xfrm>
+            <a:off x="2971800" y="2743200"/>
+            <a:ext cx="2362200" cy="2819400"/>
+          </a:xfrm>
+          <a:prstGeom prst="rect">
+            <a:avLst/>
+          </a:prstGeom>
+        </p:spPr>
+      </p:pic>
+    </p:spTree>
+    <p:extLst>
+      <p:ext uri="{BB962C8B-B14F-4D97-AF65-F5344CB8AC3E}">
+        <p14:creationId xmlns:p14="http://schemas.microsoft.com/office/powerpoint/2010/main" val="72178772"/>
+      </p:ext>
+    </p:extLst>
+  </p:cSld>
+  <p:clrMapOvr>
+    <a:masterClrMapping/>
+  </p:clrMapOvr>
+</p:sld>
+</file>
+
+<file path=ppt/slides/slide3.xml><?xml version="1.0" encoding="utf-8"?>
+<p:sld xmlns:a="http://schemas.openxmlformats.org/drawingml/2006/main" xmlns:r="http://schemas.openxmlformats.org/officeDocument/2006/relationships" xmlns:p="http://schemas.openxmlformats.org/presentationml/2006/main">
+  <p:cSld>
+    <p:spTree>
+      <p:nvGrpSpPr>
+        <p:cNvPr id="1" name=""/>
+        <p:cNvGrpSpPr/>
+        <p:nvPr/>
+      </p:nvGrpSpPr>
+      <p:grpSpPr>
+        <a:xfrm>
+          <a:off x="0" y="0"/>
+          <a:ext cx="0" cy="0"/>
+          <a:chOff x="0" y="0"/>
+          <a:chExt cx="0" cy="0"/>
+        </a:xfrm>
+      </p:grpSpPr>
+      <p:sp>
+        <p:nvSpPr>
+          <p:cNvPr id="2" name="Title 1"/>
+          <p:cNvSpPr>
+            <a:spLocks noGrp="1"/>
+          </p:cNvSpPr>
+          <p:nvPr>
+            <p:ph type="title"/>
+          </p:nvPr>
+        </p:nvSpPr>
+        <p:spPr/>
+        <p:txBody>
+          <a:bodyPr>
+            <a:normAutofit fontScale="90000"/>
+          </a:bodyPr>
+          <a:lstStyle/>
+          <a:p>
+            <a:r>
               <a:rPr lang="en-US" sz="2400" dirty="0" smtClean="0"/>
               <a:t>S</a:t>
             </a:r>
@@ -4361,7 +5569,7 @@
 </p:sld>
 </file>
 
-<file path=ppt/slides/slide3.xml><?xml version="1.0" encoding="utf-8"?>
+<file path=ppt/slides/slide4.xml><?xml version="1.0" encoding="utf-8"?>
 <p:sld xmlns:a="http://schemas.openxmlformats.org/drawingml/2006/main" xmlns:r="http://schemas.openxmlformats.org/officeDocument/2006/relationships" xmlns:p="http://schemas.openxmlformats.org/presentationml/2006/main">
   <p:cSld>
     <p:spTree>
@@ -4732,7 +5940,7 @@
                   <a:schemeClr val="bg1"/>
                 </a:solidFill>
               </a:rPr>
-              <a:t>SYSTEMDD=/</a:t>
+              <a:t>SYSTEMD=/</a:t>
             </a:r>
             <a:r>
               <a:rPr lang="en-US" sz="2000" dirty="0" err="1" smtClean="0">
@@ -4795,7 +6003,15 @@
                   <a:schemeClr val="bg1"/>
                 </a:solidFill>
               </a:rPr>
-              <a:t>cd $SYSTEMDD</a:t>
+              <a:t>cd $</a:t>
+            </a:r>
+            <a:r>
+              <a:rPr lang="en-US" sz="2000" dirty="0" smtClean="0">
+                <a:solidFill>
+                  <a:schemeClr val="bg1"/>
+                </a:solidFill>
+              </a:rPr>
+              <a:t>SYSTEMD</a:t>
             </a:r>
             <a:r>
               <a:rPr lang="en-US" sz="2000" dirty="0" smtClean="0">
@@ -5094,7 +6310,7 @@
 </p:sld>
 </file>
 
-<file path=ppt/slides/slide4.xml><?xml version="1.0" encoding="utf-8"?>
+<file path=ppt/slides/slide5.xml><?xml version="1.0" encoding="utf-8"?>
 <p:sld xmlns:a="http://schemas.openxmlformats.org/drawingml/2006/main" xmlns:r="http://schemas.openxmlformats.org/officeDocument/2006/relationships" xmlns:p="http://schemas.openxmlformats.org/presentationml/2006/main">
   <p:cSld>
     <p:spTree>
@@ -5477,7 +6693,217 @@
 </p:sld>
 </file>
 
-<file path=ppt/slides/slide5.xml><?xml version="1.0" encoding="utf-8"?>
+<file path=ppt/slides/slide6.xml><?xml version="1.0" encoding="utf-8"?>
+<p:sld xmlns:a="http://schemas.openxmlformats.org/drawingml/2006/main" xmlns:r="http://schemas.openxmlformats.org/officeDocument/2006/relationships" xmlns:p="http://schemas.openxmlformats.org/presentationml/2006/main">
+  <p:cSld>
+    <p:spTree>
+      <p:nvGrpSpPr>
+        <p:cNvPr id="1" name=""/>
+        <p:cNvGrpSpPr/>
+        <p:nvPr/>
+      </p:nvGrpSpPr>
+      <p:grpSpPr>
+        <a:xfrm>
+          <a:off x="0" y="0"/>
+          <a:ext cx="0" cy="0"/>
+          <a:chOff x="0" y="0"/>
+          <a:chExt cx="0" cy="0"/>
+        </a:xfrm>
+      </p:grpSpPr>
+      <p:sp>
+        <p:nvSpPr>
+          <p:cNvPr id="2" name="Title 1"/>
+          <p:cNvSpPr>
+            <a:spLocks noGrp="1"/>
+          </p:cNvSpPr>
+          <p:nvPr>
+            <p:ph type="ctrTitle"/>
+          </p:nvPr>
+        </p:nvSpPr>
+        <p:spPr/>
+        <p:txBody>
+          <a:bodyPr/>
+          <a:lstStyle/>
+          <a:p>
+            <a:r>
+              <a:rPr lang="en-US" dirty="0" smtClean="0"/>
+              <a:t>E</a:t>
+            </a:r>
+            <a:endParaRPr lang="en-US" dirty="0"/>
+          </a:p>
+        </p:txBody>
+      </p:sp>
+      <p:sp>
+        <p:nvSpPr>
+          <p:cNvPr id="3" name="Subtitle 2"/>
+          <p:cNvSpPr>
+            <a:spLocks noGrp="1"/>
+          </p:cNvSpPr>
+          <p:nvPr>
+            <p:ph type="subTitle" idx="1"/>
+          </p:nvPr>
+        </p:nvSpPr>
+        <p:spPr>
+          <a:xfrm>
+            <a:off x="304800" y="609600"/>
+            <a:ext cx="7467600" cy="5029200"/>
+          </a:xfrm>
+        </p:spPr>
+        <p:txBody>
+          <a:bodyPr>
+            <a:normAutofit/>
+          </a:bodyPr>
+          <a:lstStyle/>
+          <a:p>
+            <a:r>
+              <a:rPr lang="en-US" sz="2000" dirty="0" smtClean="0">
+                <a:solidFill>
+                  <a:schemeClr val="accent6"/>
+                </a:solidFill>
+              </a:rPr>
+              <a:t>Masking services</a:t>
+            </a:r>
+          </a:p>
+          <a:p>
+            <a:endParaRPr lang="en-US" sz="2000" dirty="0">
+              <a:solidFill>
+                <a:schemeClr val="accent6"/>
+              </a:solidFill>
+            </a:endParaRPr>
+          </a:p>
+          <a:p>
+            <a:r>
+              <a:rPr lang="en-US" sz="2000" dirty="0" smtClean="0">
+                <a:solidFill>
+                  <a:schemeClr val="accent6"/>
+                </a:solidFill>
+              </a:rPr>
+              <a:t>At times, a system may have conflicting services installed. </a:t>
+            </a:r>
+          </a:p>
+          <a:p>
+            <a:r>
+              <a:rPr lang="en-US" sz="2000" dirty="0" smtClean="0">
+                <a:solidFill>
+                  <a:schemeClr val="accent6"/>
+                </a:solidFill>
+              </a:rPr>
+              <a:t>For example, there are multiple methods to manage networks(network and </a:t>
+            </a:r>
+            <a:r>
+              <a:rPr lang="en-US" sz="2000" dirty="0" err="1" smtClean="0">
+                <a:solidFill>
+                  <a:schemeClr val="accent6"/>
+                </a:solidFill>
+              </a:rPr>
+              <a:t>NetworkManager</a:t>
+            </a:r>
+            <a:r>
+              <a:rPr lang="en-US" sz="2000" dirty="0" smtClean="0">
+                <a:solidFill>
+                  <a:schemeClr val="accent6"/>
+                </a:solidFill>
+              </a:rPr>
+              <a:t>) and firewalls(</a:t>
+            </a:r>
+            <a:r>
+              <a:rPr lang="en-US" sz="2000" dirty="0" err="1" smtClean="0">
+                <a:solidFill>
+                  <a:schemeClr val="accent6"/>
+                </a:solidFill>
+              </a:rPr>
+              <a:t>iptables</a:t>
+            </a:r>
+            <a:r>
+              <a:rPr lang="en-US" sz="2000" dirty="0" smtClean="0">
+                <a:solidFill>
+                  <a:schemeClr val="accent6"/>
+                </a:solidFill>
+              </a:rPr>
+              <a:t> and </a:t>
+            </a:r>
+            <a:r>
+              <a:rPr lang="en-US" sz="2000" dirty="0" err="1" smtClean="0">
+                <a:solidFill>
+                  <a:schemeClr val="accent6"/>
+                </a:solidFill>
+              </a:rPr>
+              <a:t>firewalld</a:t>
+            </a:r>
+            <a:r>
+              <a:rPr lang="en-US" sz="2000" dirty="0" smtClean="0">
+                <a:solidFill>
+                  <a:schemeClr val="accent6"/>
+                </a:solidFill>
+              </a:rPr>
+              <a:t>).</a:t>
+            </a:r>
+          </a:p>
+          <a:p>
+            <a:endParaRPr lang="en-US" sz="2000" dirty="0">
+              <a:solidFill>
+                <a:schemeClr val="accent6"/>
+              </a:solidFill>
+            </a:endParaRPr>
+          </a:p>
+          <a:p>
+            <a:r>
+              <a:rPr lang="en-US" sz="2000" dirty="0" smtClean="0">
+                <a:solidFill>
+                  <a:schemeClr val="accent6"/>
+                </a:solidFill>
+              </a:rPr>
+              <a:t> To prevent an administrator from accidentally starting a service, that service may be masked. Masking will create a configuration directories so that if the service is started, nothing will happen.</a:t>
+            </a:r>
+          </a:p>
+          <a:p>
+            <a:endParaRPr lang="en-US" sz="2000" dirty="0">
+              <a:solidFill>
+                <a:schemeClr val="accent6"/>
+              </a:solidFill>
+            </a:endParaRPr>
+          </a:p>
+          <a:p>
+            <a:r>
+              <a:rPr lang="en-US" sz="2000" dirty="0" err="1" smtClean="0">
+                <a:solidFill>
+                  <a:schemeClr val="bg1"/>
+                </a:solidFill>
+              </a:rPr>
+              <a:t>systemctl</a:t>
+            </a:r>
+            <a:r>
+              <a:rPr lang="en-US" sz="2000" dirty="0" smtClean="0">
+                <a:solidFill>
+                  <a:schemeClr val="bg1"/>
+                </a:solidFill>
+              </a:rPr>
+              <a:t> mask network</a:t>
+            </a:r>
+          </a:p>
+          <a:p>
+            <a:endParaRPr lang="en-US" sz="2000" dirty="0">
+              <a:solidFill>
+                <a:schemeClr val="accent6"/>
+              </a:solidFill>
+            </a:endParaRPr>
+          </a:p>
+        </p:txBody>
+      </p:sp>
+    </p:spTree>
+    <p:extLst>
+      <p:ext uri="{BB962C8B-B14F-4D97-AF65-F5344CB8AC3E}">
+        <p14:creationId xmlns:p14="http://schemas.microsoft.com/office/powerpoint/2010/main" val="954363747"/>
+      </p:ext>
+    </p:extLst>
+  </p:cSld>
+  <p:clrMapOvr>
+    <a:masterClrMapping/>
+  </p:clrMapOvr>
+</p:sld>
+</file>
+
+<file path=ppt/slides/slide7.xml><?xml version="1.0" encoding="utf-8"?>
 <p:sld xmlns:a="http://schemas.openxmlformats.org/drawingml/2006/main" xmlns:r="http://schemas.openxmlformats.org/officeDocument/2006/relationships" xmlns:p="http://schemas.openxmlformats.org/presentationml/2006/main">
   <p:cSld>
     <p:spTree>
@@ -6271,7 +7697,7 @@
 </p:sld>
 </file>
 
-<file path=ppt/slides/slide6.xml><?xml version="1.0" encoding="utf-8"?>
+<file path=ppt/slides/slide8.xml><?xml version="1.0" encoding="utf-8"?>
 <p:sld xmlns:a="http://schemas.openxmlformats.org/drawingml/2006/main" xmlns:r="http://schemas.openxmlformats.org/officeDocument/2006/relationships" xmlns:p="http://schemas.openxmlformats.org/presentationml/2006/main">
   <p:cSld>
     <p:spTree>
@@ -6829,7 +8255,7 @@
 </p:sld>
 </file>
 
-<file path=ppt/slides/slide7.xml><?xml version="1.0" encoding="utf-8"?>
+<file path=ppt/slides/slide9.xml><?xml version="1.0" encoding="utf-8"?>
 <p:sld xmlns:a="http://schemas.openxmlformats.org/drawingml/2006/main" xmlns:r="http://schemas.openxmlformats.org/officeDocument/2006/relationships" xmlns:p="http://schemas.openxmlformats.org/presentationml/2006/main">
   <p:cSld>
     <p:spTree>
@@ -7175,962 +8601,6 @@
     <p:extLst>
       <p:ext uri="{BB962C8B-B14F-4D97-AF65-F5344CB8AC3E}">
         <p14:creationId xmlns:p14="http://schemas.microsoft.com/office/powerpoint/2010/main" val="2741417534"/>
-      </p:ext>
-    </p:extLst>
-  </p:cSld>
-  <p:clrMapOvr>
-    <a:masterClrMapping/>
-  </p:clrMapOvr>
-</p:sld>
-</file>
-
-<file path=ppt/slides/slide8.xml><?xml version="1.0" encoding="utf-8"?>
-<p:sld xmlns:a="http://schemas.openxmlformats.org/drawingml/2006/main" xmlns:r="http://schemas.openxmlformats.org/officeDocument/2006/relationships" xmlns:p="http://schemas.openxmlformats.org/presentationml/2006/main">
-  <p:cSld>
-    <p:spTree>
-      <p:nvGrpSpPr>
-        <p:cNvPr id="1" name=""/>
-        <p:cNvGrpSpPr/>
-        <p:nvPr/>
-      </p:nvGrpSpPr>
-      <p:grpSpPr>
-        <a:xfrm>
-          <a:off x="0" y="0"/>
-          <a:ext cx="0" cy="0"/>
-          <a:chOff x="0" y="0"/>
-          <a:chExt cx="0" cy="0"/>
-        </a:xfrm>
-      </p:grpSpPr>
-      <p:sp>
-        <p:nvSpPr>
-          <p:cNvPr id="2" name="Title 1"/>
-          <p:cNvSpPr>
-            <a:spLocks noGrp="1"/>
-          </p:cNvSpPr>
-          <p:nvPr>
-            <p:ph type="title"/>
-          </p:nvPr>
-        </p:nvSpPr>
-        <p:spPr/>
-        <p:txBody>
-          <a:bodyPr>
-            <a:normAutofit fontScale="90000"/>
-          </a:bodyPr>
-          <a:lstStyle/>
-          <a:p>
-            <a:r>
-              <a:rPr lang="en-US" dirty="0" smtClean="0">
-                <a:solidFill>
-                  <a:schemeClr val="accent6"/>
-                </a:solidFill>
-              </a:rPr>
-              <a:t/>
-            </a:r>
-            <a:br>
-              <a:rPr lang="en-US" dirty="0" smtClean="0">
-                <a:solidFill>
-                  <a:schemeClr val="accent6"/>
-                </a:solidFill>
-              </a:rPr>
-            </a:br>
-            <a:r>
-              <a:rPr lang="en-US" dirty="0">
-                <a:solidFill>
-                  <a:schemeClr val="accent6"/>
-                </a:solidFill>
-              </a:rPr>
-              <a:t/>
-            </a:r>
-            <a:br>
-              <a:rPr lang="en-US" dirty="0">
-                <a:solidFill>
-                  <a:schemeClr val="accent6"/>
-                </a:solidFill>
-              </a:rPr>
-            </a:br>
-            <a:r>
-              <a:rPr lang="en-US" dirty="0">
-                <a:solidFill>
-                  <a:schemeClr val="accent6"/>
-                </a:solidFill>
-              </a:rPr>
-              <a:t/>
-            </a:r>
-            <a:br>
-              <a:rPr lang="en-US" dirty="0">
-                <a:solidFill>
-                  <a:schemeClr val="accent6"/>
-                </a:solidFill>
-              </a:rPr>
-            </a:br>
-            <a:r>
-              <a:rPr lang="en-US" sz="2000" dirty="0" smtClean="0">
-                <a:solidFill>
-                  <a:schemeClr val="accent6"/>
-                </a:solidFill>
-              </a:rPr>
-              <a:t>Resetting the root password, yeah it’s possible in Linux </a:t>
-            </a:r>
-            <a:r>
-              <a:rPr lang="en-US" sz="2000" dirty="0" smtClean="0">
-                <a:solidFill>
-                  <a:schemeClr val="accent6"/>
-                </a:solidFill>
-                <a:sym typeface="Wingdings" panose="05000000000000000000" pitchFamily="2" charset="2"/>
-              </a:rPr>
-              <a:t></a:t>
-            </a:r>
-            <a:br>
-              <a:rPr lang="en-US" sz="2000" dirty="0" smtClean="0">
-                <a:solidFill>
-                  <a:schemeClr val="accent6"/>
-                </a:solidFill>
-                <a:sym typeface="Wingdings" panose="05000000000000000000" pitchFamily="2" charset="2"/>
-              </a:rPr>
-            </a:br>
-            <a:r>
-              <a:rPr lang="en-US" sz="2000" dirty="0">
-                <a:solidFill>
-                  <a:schemeClr val="accent6"/>
-                </a:solidFill>
-                <a:sym typeface="Wingdings" panose="05000000000000000000" pitchFamily="2" charset="2"/>
-              </a:rPr>
-              <a:t/>
-            </a:r>
-            <a:br>
-              <a:rPr lang="en-US" sz="2000" dirty="0">
-                <a:solidFill>
-                  <a:schemeClr val="accent6"/>
-                </a:solidFill>
-                <a:sym typeface="Wingdings" panose="05000000000000000000" pitchFamily="2" charset="2"/>
-              </a:rPr>
-            </a:br>
-            <a:r>
-              <a:rPr lang="en-US" sz="2000" dirty="0" smtClean="0">
-                <a:solidFill>
-                  <a:schemeClr val="accent6"/>
-                </a:solidFill>
-                <a:sym typeface="Wingdings" panose="05000000000000000000" pitchFamily="2" charset="2"/>
-              </a:rPr>
-              <a:t>1. Boot your system and wait until the GRUB2 menu appears.</a:t>
-            </a:r>
-            <a:br>
-              <a:rPr lang="en-US" sz="2000" dirty="0" smtClean="0">
-                <a:solidFill>
-                  <a:schemeClr val="accent6"/>
-                </a:solidFill>
-                <a:sym typeface="Wingdings" panose="05000000000000000000" pitchFamily="2" charset="2"/>
-              </a:rPr>
-            </a:br>
-            <a:r>
-              <a:rPr lang="en-US" sz="2000" dirty="0" smtClean="0">
-                <a:solidFill>
-                  <a:schemeClr val="accent6"/>
-                </a:solidFill>
-                <a:sym typeface="Wingdings" panose="05000000000000000000" pitchFamily="2" charset="2"/>
-              </a:rPr>
-              <a:t>2. Highlight the any entry and press ‘</a:t>
-            </a:r>
-            <a:r>
-              <a:rPr lang="en-US" sz="2000" dirty="0" smtClean="0">
-                <a:solidFill>
-                  <a:schemeClr val="bg2"/>
-                </a:solidFill>
-                <a:sym typeface="Wingdings" panose="05000000000000000000" pitchFamily="2" charset="2"/>
-              </a:rPr>
-              <a:t>e</a:t>
-            </a:r>
-            <a:r>
-              <a:rPr lang="en-US" sz="2000" dirty="0" smtClean="0">
-                <a:solidFill>
-                  <a:schemeClr val="accent6"/>
-                </a:solidFill>
-                <a:sym typeface="Wingdings" panose="05000000000000000000" pitchFamily="2" charset="2"/>
-              </a:rPr>
-              <a:t>’.</a:t>
-            </a:r>
-            <a:br>
-              <a:rPr lang="en-US" sz="2000" dirty="0" smtClean="0">
-                <a:solidFill>
-                  <a:schemeClr val="accent6"/>
-                </a:solidFill>
-                <a:sym typeface="Wingdings" panose="05000000000000000000" pitchFamily="2" charset="2"/>
-              </a:rPr>
-            </a:br>
-            <a:r>
-              <a:rPr lang="en-US" sz="2000" dirty="0" smtClean="0">
-                <a:solidFill>
-                  <a:schemeClr val="accent6"/>
-                </a:solidFill>
-                <a:sym typeface="Wingdings" panose="05000000000000000000" pitchFamily="2" charset="2"/>
-              </a:rPr>
-              <a:t>3. Add ‘</a:t>
-            </a:r>
-            <a:r>
-              <a:rPr lang="en-US" sz="2000" dirty="0" err="1" smtClean="0">
-                <a:solidFill>
-                  <a:schemeClr val="bg2"/>
-                </a:solidFill>
-                <a:sym typeface="Wingdings" panose="05000000000000000000" pitchFamily="2" charset="2"/>
-              </a:rPr>
-              <a:t>rd.break</a:t>
-            </a:r>
-            <a:r>
-              <a:rPr lang="en-US" sz="2000" dirty="0" smtClean="0">
-                <a:solidFill>
-                  <a:schemeClr val="accent6"/>
-                </a:solidFill>
-                <a:sym typeface="Wingdings" panose="05000000000000000000" pitchFamily="2" charset="2"/>
-              </a:rPr>
-              <a:t>’ to the end of the line that starts with </a:t>
-            </a:r>
-            <a:r>
-              <a:rPr lang="en-US" sz="2000" dirty="0" err="1" smtClean="0">
-                <a:solidFill>
-                  <a:schemeClr val="bg2"/>
-                </a:solidFill>
-                <a:sym typeface="Wingdings" panose="05000000000000000000" pitchFamily="2" charset="2"/>
-              </a:rPr>
-              <a:t>linux</a:t>
-            </a:r>
-            <a:r>
-              <a:rPr lang="en-US" sz="2000" dirty="0">
-                <a:solidFill>
-                  <a:schemeClr val="accent6"/>
-                </a:solidFill>
-                <a:sym typeface="Wingdings" panose="05000000000000000000" pitchFamily="2" charset="2"/>
-              </a:rPr>
-              <a:t> </a:t>
-            </a:r>
-            <a:r>
-              <a:rPr lang="en-US" sz="2000" dirty="0" smtClean="0">
-                <a:solidFill>
-                  <a:schemeClr val="accent6"/>
-                </a:solidFill>
-                <a:sym typeface="Wingdings" panose="05000000000000000000" pitchFamily="2" charset="2"/>
-              </a:rPr>
-              <a:t>/ ctrl + x to restart</a:t>
-            </a:r>
-            <a:br>
-              <a:rPr lang="en-US" sz="2000" dirty="0" smtClean="0">
-                <a:solidFill>
-                  <a:schemeClr val="accent6"/>
-                </a:solidFill>
-                <a:sym typeface="Wingdings" panose="05000000000000000000" pitchFamily="2" charset="2"/>
-              </a:rPr>
-            </a:br>
-            <a:r>
-              <a:rPr lang="en-US" sz="2000" dirty="0" smtClean="0">
-                <a:solidFill>
-                  <a:schemeClr val="accent6"/>
-                </a:solidFill>
-                <a:sym typeface="Wingdings" panose="05000000000000000000" pitchFamily="2" charset="2"/>
-              </a:rPr>
-              <a:t> ‘</a:t>
-            </a:r>
-            <a:r>
-              <a:rPr lang="en-US" sz="2000" dirty="0" err="1" smtClean="0">
-                <a:solidFill>
-                  <a:schemeClr val="bg2"/>
-                </a:solidFill>
-                <a:sym typeface="Wingdings" panose="05000000000000000000" pitchFamily="2" charset="2"/>
-              </a:rPr>
-              <a:t>rd.brea</a:t>
-            </a:r>
-            <a:r>
-              <a:rPr lang="en-US" sz="2000" dirty="0" err="1" smtClean="0">
-                <a:solidFill>
-                  <a:schemeClr val="accent6"/>
-                </a:solidFill>
-                <a:sym typeface="Wingdings" panose="05000000000000000000" pitchFamily="2" charset="2"/>
-              </a:rPr>
-              <a:t>k</a:t>
-            </a:r>
-            <a:r>
-              <a:rPr lang="en-US" sz="2000" dirty="0" smtClean="0">
-                <a:solidFill>
-                  <a:schemeClr val="accent6"/>
-                </a:solidFill>
-                <a:sym typeface="Wingdings" panose="05000000000000000000" pitchFamily="2" charset="2"/>
-              </a:rPr>
-              <a:t>’ interrupts the boot process before control is passed from </a:t>
-            </a:r>
-            <a:r>
-              <a:rPr lang="en-US" sz="2000" dirty="0" err="1" smtClean="0">
-                <a:solidFill>
-                  <a:schemeClr val="accent6"/>
-                </a:solidFill>
-                <a:sym typeface="Wingdings" panose="05000000000000000000" pitchFamily="2" charset="2"/>
-              </a:rPr>
-              <a:t>initramfs</a:t>
-            </a:r>
-            <a:r>
-              <a:rPr lang="en-US" sz="2000" dirty="0" smtClean="0">
-                <a:solidFill>
-                  <a:schemeClr val="accent6"/>
-                </a:solidFill>
-                <a:sym typeface="Wingdings" panose="05000000000000000000" pitchFamily="2" charset="2"/>
-              </a:rPr>
-              <a:t> to </a:t>
-            </a:r>
-            <a:r>
-              <a:rPr lang="en-US" sz="2000" dirty="0" err="1" smtClean="0">
-                <a:solidFill>
-                  <a:schemeClr val="accent6"/>
-                </a:solidFill>
-                <a:sym typeface="Wingdings" panose="05000000000000000000" pitchFamily="2" charset="2"/>
-              </a:rPr>
-              <a:t>systemd</a:t>
-            </a:r>
-            <a:r>
-              <a:rPr lang="en-US" sz="2000" dirty="0" smtClean="0">
-                <a:solidFill>
-                  <a:schemeClr val="accent6"/>
-                </a:solidFill>
-                <a:sym typeface="Wingdings" panose="05000000000000000000" pitchFamily="2" charset="2"/>
-              </a:rPr>
-              <a:t> .</a:t>
-            </a:r>
-            <a:br>
-              <a:rPr lang="en-US" sz="2000" dirty="0" smtClean="0">
-                <a:solidFill>
-                  <a:schemeClr val="accent6"/>
-                </a:solidFill>
-                <a:sym typeface="Wingdings" panose="05000000000000000000" pitchFamily="2" charset="2"/>
-              </a:rPr>
-            </a:br>
-            <a:r>
-              <a:rPr lang="en-US" sz="2000" dirty="0" smtClean="0">
-                <a:solidFill>
-                  <a:schemeClr val="accent6"/>
-                </a:solidFill>
-                <a:sym typeface="Wingdings" panose="05000000000000000000" pitchFamily="2" charset="2"/>
-              </a:rPr>
-              <a:t> </a:t>
-            </a:r>
-            <a:endParaRPr lang="en-US" sz="2000" dirty="0">
-              <a:solidFill>
-                <a:schemeClr val="accent6"/>
-              </a:solidFill>
-            </a:endParaRPr>
-          </a:p>
-        </p:txBody>
-      </p:sp>
-      <p:pic>
-        <p:nvPicPr>
-          <p:cNvPr id="4" name="Content Placeholder 3"/>
-          <p:cNvPicPr>
-            <a:picLocks noGrp="1" noChangeAspect="1"/>
-          </p:cNvPicPr>
-          <p:nvPr>
-            <p:ph idx="1"/>
-          </p:nvPr>
-        </p:nvPicPr>
-        <p:blipFill>
-          <a:blip r:embed="rId2">
-            <a:extLst>
-              <a:ext uri="{28A0092B-C50C-407E-A947-70E740481C1C}">
-                <a14:useLocalDpi xmlns:a14="http://schemas.microsoft.com/office/drawing/2010/main" val="0"/>
-              </a:ext>
-            </a:extLst>
-          </a:blip>
-          <a:stretch>
-            <a:fillRect/>
-          </a:stretch>
-        </p:blipFill>
-        <p:spPr>
-          <a:xfrm>
-            <a:off x="76200" y="2971485"/>
-            <a:ext cx="4953000" cy="3139384"/>
-          </a:xfrm>
-        </p:spPr>
-      </p:pic>
-      <p:pic>
-        <p:nvPicPr>
-          <p:cNvPr id="5" name="Picture 4"/>
-          <p:cNvPicPr>
-            <a:picLocks noChangeAspect="1"/>
-          </p:cNvPicPr>
-          <p:nvPr/>
-        </p:nvPicPr>
-        <p:blipFill>
-          <a:blip r:embed="rId3">
-            <a:extLst>
-              <a:ext uri="{28A0092B-C50C-407E-A947-70E740481C1C}">
-                <a14:useLocalDpi xmlns:a14="http://schemas.microsoft.com/office/drawing/2010/main" val="0"/>
-              </a:ext>
-            </a:extLst>
-          </a:blip>
-          <a:stretch>
-            <a:fillRect/>
-          </a:stretch>
-        </p:blipFill>
-        <p:spPr>
-          <a:xfrm>
-            <a:off x="5181601" y="2971485"/>
-            <a:ext cx="3810000" cy="3139383"/>
-          </a:xfrm>
-          <a:prstGeom prst="rect">
-            <a:avLst/>
-          </a:prstGeom>
-        </p:spPr>
-      </p:pic>
-    </p:spTree>
-    <p:extLst>
-      <p:ext uri="{BB962C8B-B14F-4D97-AF65-F5344CB8AC3E}">
-        <p14:creationId xmlns:p14="http://schemas.microsoft.com/office/powerpoint/2010/main" val="41102422"/>
-      </p:ext>
-    </p:extLst>
-  </p:cSld>
-  <p:clrMapOvr>
-    <a:masterClrMapping/>
-  </p:clrMapOvr>
-</p:sld>
-</file>
-
-<file path=ppt/slides/slide9.xml><?xml version="1.0" encoding="utf-8"?>
-<p:sld xmlns:a="http://schemas.openxmlformats.org/drawingml/2006/main" xmlns:r="http://schemas.openxmlformats.org/officeDocument/2006/relationships" xmlns:p="http://schemas.openxmlformats.org/presentationml/2006/main">
-  <p:cSld>
-    <p:spTree>
-      <p:nvGrpSpPr>
-        <p:cNvPr id="1" name=""/>
-        <p:cNvGrpSpPr/>
-        <p:nvPr/>
-      </p:nvGrpSpPr>
-      <p:grpSpPr>
-        <a:xfrm>
-          <a:off x="0" y="0"/>
-          <a:ext cx="0" cy="0"/>
-          <a:chOff x="0" y="0"/>
-          <a:chExt cx="0" cy="0"/>
-        </a:xfrm>
-      </p:grpSpPr>
-      <p:sp>
-        <p:nvSpPr>
-          <p:cNvPr id="6" name="Title 1"/>
-          <p:cNvSpPr>
-            <a:spLocks noGrp="1"/>
-          </p:cNvSpPr>
-          <p:nvPr>
-            <p:ph type="title"/>
-          </p:nvPr>
-        </p:nvSpPr>
-        <p:spPr/>
-        <p:txBody>
-          <a:bodyPr>
-            <a:normAutofit fontScale="90000"/>
-          </a:bodyPr>
-          <a:lstStyle/>
-          <a:p>
-            <a:r>
-              <a:rPr lang="en-US" dirty="0" smtClean="0">
-                <a:solidFill>
-                  <a:schemeClr val="accent6"/>
-                </a:solidFill>
-              </a:rPr>
-              <a:t/>
-            </a:r>
-            <a:br>
-              <a:rPr lang="en-US" dirty="0" smtClean="0">
-                <a:solidFill>
-                  <a:schemeClr val="accent6"/>
-                </a:solidFill>
-              </a:rPr>
-            </a:br>
-            <a:r>
-              <a:rPr lang="en-US" dirty="0">
-                <a:solidFill>
-                  <a:schemeClr val="accent6"/>
-                </a:solidFill>
-              </a:rPr>
-              <a:t/>
-            </a:r>
-            <a:br>
-              <a:rPr lang="en-US" dirty="0">
-                <a:solidFill>
-                  <a:schemeClr val="accent6"/>
-                </a:solidFill>
-              </a:rPr>
-            </a:br>
-            <a:r>
-              <a:rPr lang="en-US" dirty="0" smtClean="0">
-                <a:solidFill>
-                  <a:schemeClr val="accent6"/>
-                </a:solidFill>
-              </a:rPr>
-              <a:t/>
-            </a:r>
-            <a:br>
-              <a:rPr lang="en-US" dirty="0" smtClean="0">
-                <a:solidFill>
-                  <a:schemeClr val="accent6"/>
-                </a:solidFill>
-              </a:rPr>
-            </a:br>
-            <a:r>
-              <a:rPr lang="en-US" dirty="0" smtClean="0">
-                <a:solidFill>
-                  <a:schemeClr val="accent6"/>
-                </a:solidFill>
-              </a:rPr>
-              <a:t/>
-            </a:r>
-            <a:br>
-              <a:rPr lang="en-US" dirty="0" smtClean="0">
-                <a:solidFill>
-                  <a:schemeClr val="accent6"/>
-                </a:solidFill>
-              </a:rPr>
-            </a:br>
-            <a:r>
-              <a:rPr lang="en-US" dirty="0">
-                <a:solidFill>
-                  <a:schemeClr val="accent6"/>
-                </a:solidFill>
-              </a:rPr>
-              <a:t/>
-            </a:r>
-            <a:br>
-              <a:rPr lang="en-US" dirty="0">
-                <a:solidFill>
-                  <a:schemeClr val="accent6"/>
-                </a:solidFill>
-              </a:rPr>
-            </a:br>
-            <a:r>
-              <a:rPr lang="en-US" dirty="0" smtClean="0">
-                <a:solidFill>
-                  <a:schemeClr val="accent6"/>
-                </a:solidFill>
-              </a:rPr>
-              <a:t/>
-            </a:r>
-            <a:br>
-              <a:rPr lang="en-US" dirty="0" smtClean="0">
-                <a:solidFill>
-                  <a:schemeClr val="accent6"/>
-                </a:solidFill>
-              </a:rPr>
-            </a:br>
-            <a:r>
-              <a:rPr lang="en-US" dirty="0">
-                <a:solidFill>
-                  <a:schemeClr val="accent6"/>
-                </a:solidFill>
-              </a:rPr>
-              <a:t/>
-            </a:r>
-            <a:br>
-              <a:rPr lang="en-US" dirty="0">
-                <a:solidFill>
-                  <a:schemeClr val="accent6"/>
-                </a:solidFill>
-              </a:rPr>
-            </a:br>
-            <a:r>
-              <a:rPr lang="en-US" sz="2000" dirty="0" smtClean="0">
-                <a:solidFill>
-                  <a:schemeClr val="accent6"/>
-                </a:solidFill>
-              </a:rPr>
-              <a:t>Now we are in </a:t>
-            </a:r>
-            <a:r>
-              <a:rPr lang="en-US" sz="2000" dirty="0" err="1" smtClean="0">
-                <a:solidFill>
-                  <a:schemeClr val="accent6"/>
-                </a:solidFill>
-              </a:rPr>
-              <a:t>initramfs</a:t>
-            </a:r>
-            <a:r>
-              <a:rPr lang="en-US" sz="2000" dirty="0" smtClean="0">
-                <a:solidFill>
-                  <a:schemeClr val="accent6"/>
-                </a:solidFill>
-              </a:rPr>
-              <a:t>. The real root file system is under </a:t>
-            </a:r>
-            <a:r>
-              <a:rPr lang="en-US" sz="2000" dirty="0" smtClean="0">
-                <a:solidFill>
-                  <a:schemeClr val="bg2"/>
-                </a:solidFill>
-              </a:rPr>
-              <a:t>/</a:t>
-            </a:r>
-            <a:r>
-              <a:rPr lang="en-US" sz="2000" dirty="0" err="1" smtClean="0">
-                <a:solidFill>
-                  <a:schemeClr val="bg2"/>
-                </a:solidFill>
-              </a:rPr>
-              <a:t>sysroot</a:t>
-            </a:r>
-            <a:r>
-              <a:rPr lang="en-US" sz="2000" dirty="0" smtClean="0">
-                <a:solidFill>
-                  <a:schemeClr val="accent6"/>
-                </a:solidFill>
-              </a:rPr>
-              <a:t/>
-            </a:r>
-            <a:br>
-              <a:rPr lang="en-US" sz="2000" dirty="0" smtClean="0">
-                <a:solidFill>
-                  <a:schemeClr val="accent6"/>
-                </a:solidFill>
-              </a:rPr>
-            </a:br>
-            <a:r>
-              <a:rPr lang="en-US" sz="2000" dirty="0" smtClean="0">
-                <a:solidFill>
-                  <a:schemeClr val="accent6"/>
-                </a:solidFill>
-              </a:rPr>
-              <a:t>1. </a:t>
-            </a:r>
-            <a:r>
-              <a:rPr lang="en-US" sz="2000" dirty="0" smtClean="0">
-                <a:solidFill>
-                  <a:schemeClr val="bg2"/>
-                </a:solidFill>
-              </a:rPr>
-              <a:t>ls</a:t>
-            </a:r>
-            <a:r>
-              <a:rPr lang="en-US" sz="2000" dirty="0" smtClean="0">
-                <a:solidFill>
-                  <a:schemeClr val="accent6"/>
-                </a:solidFill>
-              </a:rPr>
-              <a:t/>
-            </a:r>
-            <a:br>
-              <a:rPr lang="en-US" sz="2000" dirty="0" smtClean="0">
-                <a:solidFill>
-                  <a:schemeClr val="accent6"/>
-                </a:solidFill>
-              </a:rPr>
-            </a:br>
-            <a:r>
-              <a:rPr lang="en-US" sz="2000" dirty="0" smtClean="0">
-                <a:solidFill>
-                  <a:schemeClr val="accent6"/>
-                </a:solidFill>
-              </a:rPr>
-              <a:t>2.  </a:t>
-            </a:r>
-            <a:r>
-              <a:rPr lang="en-US" sz="2000" dirty="0" smtClean="0">
-                <a:solidFill>
-                  <a:schemeClr val="bg2"/>
-                </a:solidFill>
-              </a:rPr>
-              <a:t>ls /</a:t>
-            </a:r>
-            <a:r>
-              <a:rPr lang="en-US" sz="2000" dirty="0" err="1" smtClean="0">
-                <a:solidFill>
-                  <a:schemeClr val="bg2"/>
-                </a:solidFill>
-              </a:rPr>
-              <a:t>sysroot</a:t>
-            </a:r>
-            <a:r>
-              <a:rPr lang="en-US" sz="2000" dirty="0" smtClean="0">
-                <a:solidFill>
-                  <a:schemeClr val="accent6"/>
-                </a:solidFill>
-              </a:rPr>
-              <a:t/>
-            </a:r>
-            <a:br>
-              <a:rPr lang="en-US" sz="2000" dirty="0" smtClean="0">
-                <a:solidFill>
-                  <a:schemeClr val="accent6"/>
-                </a:solidFill>
-              </a:rPr>
-            </a:br>
-            <a:r>
-              <a:rPr lang="en-US" sz="2000" dirty="0" smtClean="0">
-                <a:solidFill>
-                  <a:schemeClr val="accent6"/>
-                </a:solidFill>
-              </a:rPr>
-              <a:t>3. </a:t>
-            </a:r>
-            <a:r>
-              <a:rPr lang="en-US" sz="2000" dirty="0" smtClean="0">
-                <a:solidFill>
-                  <a:schemeClr val="bg2"/>
-                </a:solidFill>
-              </a:rPr>
-              <a:t>mount –o remount, </a:t>
-            </a:r>
-            <a:r>
-              <a:rPr lang="en-US" sz="2000" dirty="0" err="1" smtClean="0">
-                <a:solidFill>
-                  <a:schemeClr val="bg2"/>
-                </a:solidFill>
-              </a:rPr>
-              <a:t>rw</a:t>
-            </a:r>
-            <a:r>
-              <a:rPr lang="en-US" sz="2000" dirty="0" smtClean="0">
-                <a:solidFill>
-                  <a:schemeClr val="bg2"/>
-                </a:solidFill>
-              </a:rPr>
-              <a:t> /</a:t>
-            </a:r>
-            <a:r>
-              <a:rPr lang="en-US" sz="2000" dirty="0" err="1" smtClean="0">
-                <a:solidFill>
-                  <a:schemeClr val="bg2"/>
-                </a:solidFill>
-              </a:rPr>
-              <a:t>sysroot</a:t>
-            </a:r>
-            <a:r>
-              <a:rPr lang="en-US" sz="2000" dirty="0" smtClean="0">
-                <a:solidFill>
-                  <a:schemeClr val="accent6"/>
-                </a:solidFill>
-              </a:rPr>
-              <a:t> (make /</a:t>
-            </a:r>
-            <a:r>
-              <a:rPr lang="en-US" sz="2000" dirty="0" err="1" smtClean="0">
-                <a:solidFill>
-                  <a:schemeClr val="accent6"/>
-                </a:solidFill>
-              </a:rPr>
-              <a:t>sysroot</a:t>
-            </a:r>
-            <a:r>
-              <a:rPr lang="en-US" sz="2000" dirty="0" smtClean="0">
-                <a:solidFill>
-                  <a:schemeClr val="accent6"/>
-                </a:solidFill>
-              </a:rPr>
-              <a:t> available for writing)</a:t>
-            </a:r>
-            <a:br>
-              <a:rPr lang="en-US" sz="2000" dirty="0" smtClean="0">
-                <a:solidFill>
-                  <a:schemeClr val="accent6"/>
-                </a:solidFill>
-              </a:rPr>
-            </a:br>
-            <a:r>
-              <a:rPr lang="en-US" sz="2000" dirty="0" smtClean="0">
-                <a:solidFill>
-                  <a:schemeClr val="accent6"/>
-                </a:solidFill>
-              </a:rPr>
-              <a:t>4. </a:t>
-            </a:r>
-            <a:r>
-              <a:rPr lang="en-US" sz="2000" dirty="0" err="1" smtClean="0">
-                <a:solidFill>
-                  <a:schemeClr val="bg2"/>
-                </a:solidFill>
-              </a:rPr>
-              <a:t>chroot</a:t>
-            </a:r>
-            <a:r>
-              <a:rPr lang="en-US" sz="2000" dirty="0" smtClean="0">
-                <a:solidFill>
-                  <a:schemeClr val="bg2"/>
-                </a:solidFill>
-              </a:rPr>
-              <a:t> /</a:t>
-            </a:r>
-            <a:r>
-              <a:rPr lang="en-US" sz="2000" dirty="0" err="1" smtClean="0">
-                <a:solidFill>
-                  <a:schemeClr val="bg2"/>
-                </a:solidFill>
-              </a:rPr>
-              <a:t>sysroot</a:t>
-            </a:r>
-            <a:r>
-              <a:rPr lang="en-US" sz="2000" dirty="0" smtClean="0">
-                <a:solidFill>
-                  <a:schemeClr val="bg2"/>
-                </a:solidFill>
-              </a:rPr>
-              <a:t> </a:t>
-            </a:r>
-            <a:r>
-              <a:rPr lang="en-US" sz="2000" dirty="0" smtClean="0">
-                <a:solidFill>
-                  <a:schemeClr val="accent6"/>
-                </a:solidFill>
-              </a:rPr>
-              <a:t/>
-            </a:r>
-            <a:br>
-              <a:rPr lang="en-US" sz="2000" dirty="0" smtClean="0">
-                <a:solidFill>
-                  <a:schemeClr val="accent6"/>
-                </a:solidFill>
-              </a:rPr>
-            </a:br>
-            <a:r>
-              <a:rPr lang="en-US" sz="2000" dirty="0" smtClean="0">
-                <a:solidFill>
-                  <a:schemeClr val="accent6"/>
-                </a:solidFill>
-              </a:rPr>
-              <a:t>5. </a:t>
-            </a:r>
-            <a:r>
-              <a:rPr lang="en-US" sz="2000" dirty="0" err="1" smtClean="0">
-                <a:solidFill>
-                  <a:schemeClr val="bg2"/>
-                </a:solidFill>
-              </a:rPr>
-              <a:t>passwd</a:t>
-            </a:r>
-            <a:r>
-              <a:rPr lang="en-US" sz="2000" dirty="0" smtClean="0">
-                <a:solidFill>
-                  <a:schemeClr val="accent6"/>
-                </a:solidFill>
-              </a:rPr>
-              <a:t/>
-            </a:r>
-            <a:br>
-              <a:rPr lang="en-US" sz="2000" dirty="0" smtClean="0">
-                <a:solidFill>
-                  <a:schemeClr val="accent6"/>
-                </a:solidFill>
-              </a:rPr>
-            </a:br>
-            <a:r>
-              <a:rPr lang="en-US" sz="2000" dirty="0" smtClean="0">
-                <a:solidFill>
-                  <a:schemeClr val="accent6"/>
-                </a:solidFill>
-              </a:rPr>
-              <a:t>6. </a:t>
-            </a:r>
-            <a:r>
-              <a:rPr lang="en-US" sz="2000" dirty="0" smtClean="0">
-                <a:solidFill>
-                  <a:schemeClr val="bg2"/>
-                </a:solidFill>
-              </a:rPr>
-              <a:t>touch /.</a:t>
-            </a:r>
-            <a:r>
-              <a:rPr lang="en-US" sz="2000" dirty="0" err="1" smtClean="0">
-                <a:solidFill>
-                  <a:schemeClr val="bg2"/>
-                </a:solidFill>
-              </a:rPr>
-              <a:t>autorelabel</a:t>
-            </a:r>
-            <a:r>
-              <a:rPr lang="en-US" sz="2000" dirty="0" smtClean="0">
-                <a:solidFill>
-                  <a:schemeClr val="bg2"/>
-                </a:solidFill>
-              </a:rPr>
-              <a:t> </a:t>
-            </a:r>
-            <a:r>
-              <a:rPr lang="en-US" sz="2000" dirty="0" smtClean="0">
-                <a:solidFill>
-                  <a:schemeClr val="accent6"/>
-                </a:solidFill>
-              </a:rPr>
-              <a:t>( needed for </a:t>
-            </a:r>
-            <a:r>
-              <a:rPr lang="en-US" sz="2000" dirty="0" err="1" smtClean="0">
-                <a:solidFill>
-                  <a:schemeClr val="accent6"/>
-                </a:solidFill>
-              </a:rPr>
-              <a:t>SELinux</a:t>
-            </a:r>
-            <a:r>
-              <a:rPr lang="en-US" sz="2000" dirty="0" smtClean="0">
-                <a:solidFill>
-                  <a:schemeClr val="accent6"/>
-                </a:solidFill>
-              </a:rPr>
-              <a:t>, outside of the scope of the course. )</a:t>
-            </a:r>
-            <a:br>
-              <a:rPr lang="en-US" sz="2000" dirty="0" smtClean="0">
-                <a:solidFill>
-                  <a:schemeClr val="accent6"/>
-                </a:solidFill>
-              </a:rPr>
-            </a:br>
-            <a:r>
-              <a:rPr lang="en-US" sz="2000" dirty="0" smtClean="0">
-                <a:solidFill>
-                  <a:schemeClr val="accent6"/>
-                </a:solidFill>
-              </a:rPr>
-              <a:t>7. </a:t>
-            </a:r>
-            <a:r>
-              <a:rPr lang="en-US" sz="2000" dirty="0" smtClean="0">
-                <a:solidFill>
-                  <a:schemeClr val="bg2"/>
-                </a:solidFill>
-              </a:rPr>
-              <a:t>exit</a:t>
-            </a:r>
-            <a:r>
-              <a:rPr lang="en-US" sz="2000" dirty="0" smtClean="0">
-                <a:solidFill>
-                  <a:schemeClr val="accent6"/>
-                </a:solidFill>
-              </a:rPr>
-              <a:t/>
-            </a:r>
-            <a:br>
-              <a:rPr lang="en-US" sz="2000" dirty="0" smtClean="0">
-                <a:solidFill>
-                  <a:schemeClr val="accent6"/>
-                </a:solidFill>
-              </a:rPr>
-            </a:br>
-            <a:r>
-              <a:rPr lang="en-US" sz="2000" dirty="0" smtClean="0">
-                <a:solidFill>
-                  <a:schemeClr val="accent6"/>
-                </a:solidFill>
-              </a:rPr>
-              <a:t>8. </a:t>
-            </a:r>
-            <a:r>
-              <a:rPr lang="en-US" sz="2000" dirty="0" smtClean="0">
-                <a:solidFill>
-                  <a:schemeClr val="bg2"/>
-                </a:solidFill>
-              </a:rPr>
-              <a:t>exit</a:t>
-            </a:r>
-            <a:endParaRPr lang="en-US" sz="2000" dirty="0">
-              <a:solidFill>
-                <a:schemeClr val="bg2"/>
-              </a:solidFill>
-            </a:endParaRPr>
-          </a:p>
-        </p:txBody>
-      </p:sp>
-    </p:spTree>
-    <p:extLst>
-      <p:ext uri="{BB962C8B-B14F-4D97-AF65-F5344CB8AC3E}">
-        <p14:creationId xmlns:p14="http://schemas.microsoft.com/office/powerpoint/2010/main" val="3538451417"/>
       </p:ext>
     </p:extLst>
   </p:cSld>

--- a/10.SystemD_And_TheBootProcedure/10-SystemDAndTheBootProcedure.pptx
+++ b/10.SystemD_And_TheBootProcedure/10-SystemDAndTheBootProcedure.pptx
@@ -227,7 +227,7 @@
           <a:p>
             <a:fld id="{75861919-8521-4274-BB91-998CD62CEE44}" type="datetimeFigureOut">
               <a:rPr lang="en-US" smtClean="0"/>
-              <a:t>4/5/17</a:t>
+              <a:t>4/25/17</a:t>
             </a:fld>
             <a:endParaRPr lang="en-US"/>
           </a:p>
@@ -760,7 +760,7 @@
           <a:p>
             <a:fld id="{3EA744D9-3FBE-48D8-BF2A-85DF203E4D20}" type="datetimeFigureOut">
               <a:rPr lang="bg-BG" smtClean="0"/>
-              <a:t>5.04.17 г.</a:t>
+              <a:t>25.04.17 г.</a:t>
             </a:fld>
             <a:endParaRPr lang="bg-BG"/>
           </a:p>
@@ -930,7 +930,7 @@
           <a:p>
             <a:fld id="{3EA744D9-3FBE-48D8-BF2A-85DF203E4D20}" type="datetimeFigureOut">
               <a:rPr lang="bg-BG" smtClean="0"/>
-              <a:t>5.04.17 г.</a:t>
+              <a:t>25.04.17 г.</a:t>
             </a:fld>
             <a:endParaRPr lang="bg-BG"/>
           </a:p>
@@ -1110,7 +1110,7 @@
           <a:p>
             <a:fld id="{3EA744D9-3FBE-48D8-BF2A-85DF203E4D20}" type="datetimeFigureOut">
               <a:rPr lang="bg-BG" smtClean="0"/>
-              <a:t>5.04.17 г.</a:t>
+              <a:t>25.04.17 г.</a:t>
             </a:fld>
             <a:endParaRPr lang="bg-BG"/>
           </a:p>
@@ -1280,7 +1280,7 @@
           <a:p>
             <a:fld id="{3EA744D9-3FBE-48D8-BF2A-85DF203E4D20}" type="datetimeFigureOut">
               <a:rPr lang="bg-BG" smtClean="0"/>
-              <a:t>5.04.17 г.</a:t>
+              <a:t>25.04.17 г.</a:t>
             </a:fld>
             <a:endParaRPr lang="bg-BG"/>
           </a:p>
@@ -1526,7 +1526,7 @@
           <a:p>
             <a:fld id="{3EA744D9-3FBE-48D8-BF2A-85DF203E4D20}" type="datetimeFigureOut">
               <a:rPr lang="bg-BG" smtClean="0"/>
-              <a:t>5.04.17 г.</a:t>
+              <a:t>25.04.17 г.</a:t>
             </a:fld>
             <a:endParaRPr lang="bg-BG"/>
           </a:p>
@@ -1814,7 +1814,7 @@
           <a:p>
             <a:fld id="{3EA744D9-3FBE-48D8-BF2A-85DF203E4D20}" type="datetimeFigureOut">
               <a:rPr lang="bg-BG" smtClean="0"/>
-              <a:t>5.04.17 г.</a:t>
+              <a:t>25.04.17 г.</a:t>
             </a:fld>
             <a:endParaRPr lang="bg-BG"/>
           </a:p>
@@ -2236,7 +2236,7 @@
           <a:p>
             <a:fld id="{3EA744D9-3FBE-48D8-BF2A-85DF203E4D20}" type="datetimeFigureOut">
               <a:rPr lang="bg-BG" smtClean="0"/>
-              <a:t>5.04.17 г.</a:t>
+              <a:t>25.04.17 г.</a:t>
             </a:fld>
             <a:endParaRPr lang="bg-BG"/>
           </a:p>
@@ -2354,7 +2354,7 @@
           <a:p>
             <a:fld id="{3EA744D9-3FBE-48D8-BF2A-85DF203E4D20}" type="datetimeFigureOut">
               <a:rPr lang="bg-BG" smtClean="0"/>
-              <a:t>5.04.17 г.</a:t>
+              <a:t>25.04.17 г.</a:t>
             </a:fld>
             <a:endParaRPr lang="bg-BG"/>
           </a:p>
@@ -2449,7 +2449,7 @@
           <a:p>
             <a:fld id="{3EA744D9-3FBE-48D8-BF2A-85DF203E4D20}" type="datetimeFigureOut">
               <a:rPr lang="bg-BG" smtClean="0"/>
-              <a:t>5.04.17 г.</a:t>
+              <a:t>25.04.17 г.</a:t>
             </a:fld>
             <a:endParaRPr lang="bg-BG"/>
           </a:p>
@@ -2726,7 +2726,7 @@
           <a:p>
             <a:fld id="{3EA744D9-3FBE-48D8-BF2A-85DF203E4D20}" type="datetimeFigureOut">
               <a:rPr lang="bg-BG" smtClean="0"/>
-              <a:t>5.04.17 г.</a:t>
+              <a:t>25.04.17 г.</a:t>
             </a:fld>
             <a:endParaRPr lang="bg-BG"/>
           </a:p>
@@ -2979,7 +2979,7 @@
           <a:p>
             <a:fld id="{3EA744D9-3FBE-48D8-BF2A-85DF203E4D20}" type="datetimeFigureOut">
               <a:rPr lang="bg-BG" smtClean="0"/>
-              <a:t>5.04.17 г.</a:t>
+              <a:t>25.04.17 г.</a:t>
             </a:fld>
             <a:endParaRPr lang="bg-BG"/>
           </a:p>
@@ -3201,7 +3201,7 @@
           <a:p>
             <a:fld id="{3EA744D9-3FBE-48D8-BF2A-85DF203E4D20}" type="datetimeFigureOut">
               <a:rPr lang="bg-BG" smtClean="0"/>
-              <a:t>5.04.17 г.</a:t>
+              <a:t>25.04.17 г.</a:t>
             </a:fld>
             <a:endParaRPr lang="bg-BG"/>
           </a:p>
@@ -3658,7 +3658,7 @@
             <a:r>
               <a:rPr lang="en-US" sz="3600" dirty="0" err="1" smtClean="0">
                 <a:solidFill>
-                  <a:schemeClr val="accent6"/>
+                  <a:schemeClr val="bg1"/>
                 </a:solidFill>
               </a:rPr>
               <a:t>init</a:t>
@@ -3672,27 +3672,27 @@
               <a:t> process. This process was </a:t>
             </a:r>
             <a:r>
-              <a:rPr lang="en-US" sz="3600" dirty="0" err="1" smtClean="0">
-                <a:solidFill>
-                  <a:schemeClr val="accent6"/>
-                </a:solidFill>
-              </a:rPr>
-              <a:t>responsbile</a:t>
-            </a:r>
-            <a:r>
               <a:rPr lang="en-US" sz="3600" dirty="0" smtClean="0">
                 <a:solidFill>
                   <a:schemeClr val="accent6"/>
                 </a:solidFill>
               </a:rPr>
-              <a:t> for activating other services on the system.</a:t>
-            </a:r>
-            <a:br>
+              <a:t>responsible </a:t>
+            </a:r>
+            <a:r>
               <a:rPr lang="en-US" sz="3600" dirty="0" smtClean="0">
                 <a:solidFill>
                   <a:schemeClr val="accent6"/>
                 </a:solidFill>
               </a:rPr>
+              <a:t>for activating other services on the system.</a:t>
+            </a:r>
+            <a:br>
+              <a:rPr lang="en-US" sz="3600" dirty="0" smtClean="0">
+                <a:solidFill>
+                  <a:schemeClr val="accent6"/>
+                </a:solidFill>
+              </a:rPr>
             </a:br>
             <a:r>
               <a:rPr lang="en-US" sz="3600" dirty="0">
@@ -3715,23 +3715,31 @@
                   <a:schemeClr val="accent6"/>
                 </a:solidFill>
               </a:rPr>
-              <a:t>Frequently used daemons were started on systems at boo time with System V and LSB </a:t>
-            </a:r>
-            <a:r>
-              <a:rPr lang="en-US" sz="3600" dirty="0" err="1" smtClean="0">
-                <a:solidFill>
-                  <a:schemeClr val="accent6"/>
-                </a:solidFill>
-              </a:rPr>
-              <a:t>init</a:t>
+              <a:t>Frequently used daemons were started on systems at boo time with </a:t>
             </a:r>
             <a:r>
               <a:rPr lang="en-US" sz="3600" dirty="0" smtClean="0">
                 <a:solidFill>
-                  <a:schemeClr val="accent6"/>
-                </a:solidFill>
-              </a:rPr>
-              <a:t> scripts</a:t>
+                  <a:schemeClr val="bg1"/>
+                </a:solidFill>
+              </a:rPr>
+              <a:t>System V</a:t>
+            </a:r>
+            <a:r>
+              <a:rPr lang="en-US" sz="3600" dirty="0" smtClean="0">
+                <a:solidFill>
+                  <a:schemeClr val="accent6"/>
+                </a:solidFill>
+              </a:rPr>
+              <a:t> </a:t>
+            </a:r>
+            <a:r>
+              <a:rPr lang="en-US" sz="3600" dirty="0" smtClean="0">
+                <a:solidFill>
+                  <a:schemeClr val="accent6"/>
+                </a:solidFill>
+              </a:rPr>
+              <a:t>scripts</a:t>
             </a:r>
             <a:r>
               <a:rPr lang="en-US" dirty="0" smtClean="0">
@@ -3741,25 +3749,6 @@
               </a:rPr>
               <a:t>.</a:t>
             </a:r>
-            <a:endParaRPr lang="en-US" dirty="0"/>
-          </a:p>
-        </p:txBody>
-      </p:sp>
-      <p:sp>
-        <p:nvSpPr>
-          <p:cNvPr id="3" name="Content Placeholder 2"/>
-          <p:cNvSpPr>
-            <a:spLocks noGrp="1"/>
-          </p:cNvSpPr>
-          <p:nvPr>
-            <p:ph idx="1"/>
-          </p:nvPr>
-        </p:nvSpPr>
-        <p:spPr/>
-        <p:txBody>
-          <a:bodyPr/>
-          <a:lstStyle/>
-          <a:p>
             <a:endParaRPr lang="en-US" dirty="0"/>
           </a:p>
         </p:txBody>
@@ -5126,7 +5115,7 @@
             <a:r>
               <a:rPr lang="en-US" dirty="0" err="1" smtClean="0">
                 <a:solidFill>
-                  <a:srgbClr val="FF0000"/>
+                  <a:schemeClr val="bg1"/>
                 </a:solidFill>
               </a:rPr>
               <a:t>Systemd</a:t>
@@ -5142,7 +5131,7 @@
             <a:r>
               <a:rPr lang="en-US" dirty="0" err="1" smtClean="0">
                 <a:solidFill>
-                  <a:schemeClr val="accent6"/>
+                  <a:schemeClr val="bg1"/>
                 </a:solidFill>
               </a:rPr>
               <a:t>Systemd</a:t>
@@ -5150,10 +5139,18 @@
             <a:r>
               <a:rPr lang="en-US" dirty="0" smtClean="0">
                 <a:solidFill>
-                  <a:schemeClr val="accent6"/>
-                </a:solidFill>
-              </a:rPr>
-              <a:t> is used to start and manage </a:t>
+                  <a:schemeClr val="bg1"/>
+                </a:solidFill>
+              </a:rPr>
+              <a:t> </a:t>
+            </a:r>
+            <a:r>
+              <a:rPr lang="en-US" dirty="0" smtClean="0">
+                <a:solidFill>
+                  <a:schemeClr val="accent6"/>
+                </a:solidFill>
+              </a:rPr>
+              <a:t>is used to start and manage </a:t>
             </a:r>
             <a:r>
               <a:rPr lang="en-US" dirty="0" smtClean="0">
@@ -5471,7 +5468,7 @@
             <a:r>
               <a:rPr lang="en-US" sz="2400" dirty="0" err="1" smtClean="0">
                 <a:solidFill>
-                  <a:srgbClr val="FF0000"/>
+                  <a:schemeClr val="bg1"/>
                 </a:solidFill>
               </a:rPr>
               <a:t>runlevels</a:t>
@@ -5487,7 +5484,7 @@
             <a:r>
               <a:rPr lang="en-US" sz="2400" dirty="0" smtClean="0">
                 <a:solidFill>
-                  <a:srgbClr val="FF0000"/>
+                  <a:schemeClr val="bg1"/>
                 </a:solidFill>
               </a:rPr>
               <a:t>targets</a:t>
@@ -5774,53 +5771,202 @@
             <a:r>
               <a:rPr lang="en-US" sz="2000" dirty="0" err="1" smtClean="0">
                 <a:solidFill>
+                  <a:schemeClr val="bg1"/>
+                </a:solidFill>
+              </a:rPr>
+              <a:t>systemctl</a:t>
+            </a:r>
+            <a:r>
+              <a:rPr lang="en-US" sz="2000" dirty="0" smtClean="0">
+                <a:solidFill>
+                  <a:schemeClr val="bg1"/>
+                </a:solidFill>
+              </a:rPr>
+              <a:t> –t help</a:t>
+            </a:r>
+            <a:r>
+              <a:rPr lang="en-US" sz="2000" dirty="0" smtClean="0">
+                <a:solidFill>
                   <a:srgbClr val="FF0000"/>
                 </a:solidFill>
               </a:rPr>
-              <a:t>systemctl</a:t>
-            </a:r>
-            <a:r>
+              <a:t/>
+            </a:r>
+            <a:br>
               <a:rPr lang="en-US" sz="2000" dirty="0" smtClean="0">
                 <a:solidFill>
                   <a:srgbClr val="FF0000"/>
                 </a:solidFill>
               </a:rPr>
-              <a:t> –t help</a:t>
-            </a:r>
-            <a:br>
+            </a:br>
+            <a:r>
+              <a:rPr lang="en-US" sz="2000" dirty="0" smtClean="0">
+                <a:solidFill>
+                  <a:schemeClr val="accent6"/>
+                </a:solidFill>
+              </a:rPr>
+              <a:t/>
+            </a:r>
+            <a:br>
+              <a:rPr lang="en-US" sz="2000" dirty="0" smtClean="0">
+                <a:solidFill>
+                  <a:schemeClr val="accent6"/>
+                </a:solidFill>
+              </a:rPr>
+            </a:br>
+            <a:r>
+              <a:rPr lang="en-US" sz="2000" dirty="0" smtClean="0">
+                <a:solidFill>
+                  <a:schemeClr val="accent6"/>
+                </a:solidFill>
+              </a:rPr>
+              <a:t>The major benefit of working with </a:t>
+            </a:r>
+            <a:r>
+              <a:rPr lang="en-US" sz="2000" dirty="0" err="1" smtClean="0">
+                <a:solidFill>
+                  <a:schemeClr val="accent6"/>
+                </a:solidFill>
+              </a:rPr>
+              <a:t>systemd</a:t>
+            </a:r>
+            <a:r>
+              <a:rPr lang="en-US" sz="2000" dirty="0" smtClean="0">
+                <a:solidFill>
+                  <a:schemeClr val="accent6"/>
+                </a:solidFill>
+              </a:rPr>
+              <a:t> is that it provides a uniform interface to start units. This interface is defined in the unit file. The system unit files are in </a:t>
+            </a:r>
+            <a:r>
+              <a:rPr lang="en-US" sz="2000" dirty="0" smtClean="0">
+                <a:solidFill>
+                  <a:schemeClr val="bg1"/>
+                </a:solidFill>
+              </a:rPr>
+              <a:t>/</a:t>
+            </a:r>
+            <a:r>
+              <a:rPr lang="en-US" sz="2000" dirty="0" err="1" smtClean="0">
+                <a:solidFill>
+                  <a:schemeClr val="bg1"/>
+                </a:solidFill>
+              </a:rPr>
+              <a:t>usr</a:t>
+            </a:r>
+            <a:r>
+              <a:rPr lang="en-US" sz="2000" dirty="0" smtClean="0">
+                <a:solidFill>
+                  <a:schemeClr val="bg1"/>
+                </a:solidFill>
+              </a:rPr>
+              <a:t>/lib/</a:t>
+            </a:r>
+            <a:r>
+              <a:rPr lang="en-US" sz="2000" dirty="0" err="1" smtClean="0">
+                <a:solidFill>
+                  <a:schemeClr val="bg1"/>
+                </a:solidFill>
+              </a:rPr>
+              <a:t>systemd</a:t>
+            </a:r>
+            <a:r>
+              <a:rPr lang="en-US" sz="2000" dirty="0" smtClean="0">
+                <a:solidFill>
+                  <a:schemeClr val="bg1"/>
+                </a:solidFill>
+              </a:rPr>
+              <a:t>/system</a:t>
+            </a:r>
+            <a:r>
+              <a:rPr lang="en-US" sz="2000" dirty="0" smtClean="0">
+                <a:solidFill>
+                  <a:schemeClr val="accent6"/>
+                </a:solidFill>
+              </a:rPr>
+              <a:t/>
+            </a:r>
+            <a:br>
+              <a:rPr lang="en-US" sz="2000" dirty="0" smtClean="0">
+                <a:solidFill>
+                  <a:schemeClr val="accent6"/>
+                </a:solidFill>
+              </a:rPr>
+            </a:br>
+            <a:r>
+              <a:rPr lang="en-US" sz="2000" dirty="0" smtClean="0">
+                <a:solidFill>
+                  <a:schemeClr val="accent6"/>
+                </a:solidFill>
+              </a:rPr>
+              <a:t/>
+            </a:r>
+            <a:br>
+              <a:rPr lang="en-US" sz="2000" dirty="0" smtClean="0">
+                <a:solidFill>
+                  <a:schemeClr val="accent6"/>
+                </a:solidFill>
+              </a:rPr>
+            </a:br>
+            <a:r>
               <a:rPr lang="en-US" sz="2000" dirty="0" smtClean="0">
                 <a:solidFill>
                   <a:srgbClr val="FF0000"/>
                 </a:solidFill>
               </a:rPr>
-            </a:br>
-            <a:r>
-              <a:rPr lang="en-US" sz="2000" dirty="0" smtClean="0">
-                <a:solidFill>
-                  <a:schemeClr val="accent6"/>
-                </a:solidFill>
-              </a:rPr>
-              <a:t/>
-            </a:r>
-            <a:br>
-              <a:rPr lang="en-US" sz="2000" dirty="0" smtClean="0">
-                <a:solidFill>
-                  <a:schemeClr val="accent6"/>
-                </a:solidFill>
-              </a:rPr>
-            </a:br>
-            <a:r>
-              <a:rPr lang="en-US" sz="2000" dirty="0" smtClean="0">
-                <a:solidFill>
-                  <a:schemeClr val="accent6"/>
-                </a:solidFill>
-              </a:rPr>
-              <a:t>The major benefit of working with </a:t>
+              <a:t>Exercises:</a:t>
+            </a:r>
+            <a:r>
+              <a:rPr lang="en-US" sz="2000" dirty="0" smtClean="0">
+                <a:solidFill>
+                  <a:schemeClr val="accent6"/>
+                </a:solidFill>
+              </a:rPr>
+              <a:t/>
+            </a:r>
+            <a:br>
+              <a:rPr lang="en-US" sz="2000" dirty="0" smtClean="0">
+                <a:solidFill>
+                  <a:schemeClr val="accent6"/>
+                </a:solidFill>
+              </a:rPr>
+            </a:br>
+            <a:r>
+              <a:rPr lang="en-US" sz="2000" dirty="0" smtClean="0">
+                <a:solidFill>
+                  <a:schemeClr val="accent6"/>
+                </a:solidFill>
+              </a:rPr>
+              <a:t>1. </a:t>
+            </a:r>
+            <a:r>
+              <a:rPr lang="en-US" sz="2000" dirty="0" smtClean="0">
+                <a:solidFill>
+                  <a:schemeClr val="bg1"/>
+                </a:solidFill>
+              </a:rPr>
+              <a:t>SYSTEMD=/</a:t>
             </a:r>
             <a:r>
               <a:rPr lang="en-US" sz="2000" dirty="0" err="1" smtClean="0">
                 <a:solidFill>
-                  <a:schemeClr val="accent6"/>
+                  <a:schemeClr val="bg1"/>
+                </a:solidFill>
+              </a:rPr>
+              <a:t>usr</a:t>
+            </a:r>
+            <a:r>
+              <a:rPr lang="en-US" sz="2000" dirty="0" smtClean="0">
+                <a:solidFill>
+                  <a:schemeClr val="bg1"/>
+                </a:solidFill>
+              </a:rPr>
+              <a:t>/lib/</a:t>
+            </a:r>
+            <a:r>
+              <a:rPr lang="en-US" sz="2000" dirty="0" err="1" smtClean="0">
+                <a:solidFill>
+                  <a:schemeClr val="bg1"/>
                 </a:solidFill>
               </a:rPr>
               <a:t>systemd</a:t>
@@ -5828,17 +5974,195 @@
             <a:r>
               <a:rPr lang="en-US" sz="2000" dirty="0" smtClean="0">
                 <a:solidFill>
-                  <a:schemeClr val="accent6"/>
-                </a:solidFill>
-              </a:rPr>
-              <a:t> is that it provides a uniform interface to start units. This interface is defined in the unit file. The system unit files are in </a:t>
-            </a:r>
-            <a:r>
-              <a:rPr lang="en-US" sz="2000" dirty="0" smtClean="0">
-                <a:solidFill>
                   <a:schemeClr val="bg1"/>
                 </a:solidFill>
               </a:rPr>
+              <a:t>/system</a:t>
+            </a:r>
+            <a:r>
+              <a:rPr lang="en-US" sz="2000" dirty="0" smtClean="0">
+                <a:solidFill>
+                  <a:schemeClr val="accent6"/>
+                </a:solidFill>
+              </a:rPr>
+              <a:t/>
+            </a:r>
+            <a:br>
+              <a:rPr lang="en-US" sz="2000" dirty="0" smtClean="0">
+                <a:solidFill>
+                  <a:schemeClr val="accent6"/>
+                </a:solidFill>
+              </a:rPr>
+            </a:br>
+            <a:r>
+              <a:rPr lang="en-US" sz="2000" dirty="0" smtClean="0">
+                <a:solidFill>
+                  <a:schemeClr val="accent6"/>
+                </a:solidFill>
+              </a:rPr>
+              <a:t>2. </a:t>
+            </a:r>
+            <a:r>
+              <a:rPr lang="en-US" sz="2000" dirty="0" smtClean="0">
+                <a:solidFill>
+                  <a:schemeClr val="bg1"/>
+                </a:solidFill>
+              </a:rPr>
+              <a:t>cd $SYSTEMD</a:t>
+            </a:r>
+            <a:r>
+              <a:rPr lang="en-US" sz="2000" dirty="0" smtClean="0">
+                <a:solidFill>
+                  <a:schemeClr val="accent6"/>
+                </a:solidFill>
+              </a:rPr>
+              <a:t/>
+            </a:r>
+            <a:br>
+              <a:rPr lang="en-US" sz="2000" dirty="0" smtClean="0">
+                <a:solidFill>
+                  <a:schemeClr val="accent6"/>
+                </a:solidFill>
+              </a:rPr>
+            </a:br>
+            <a:r>
+              <a:rPr lang="en-US" sz="2000" dirty="0" smtClean="0">
+                <a:solidFill>
+                  <a:schemeClr val="accent6"/>
+                </a:solidFill>
+              </a:rPr>
+              <a:t>3. </a:t>
+            </a:r>
+            <a:r>
+              <a:rPr lang="en-US" sz="2000" dirty="0" err="1" smtClean="0">
+                <a:solidFill>
+                  <a:schemeClr val="bg1"/>
+                </a:solidFill>
+              </a:rPr>
+              <a:t>pwd</a:t>
+            </a:r>
+            <a:r>
+              <a:rPr lang="en-US" sz="2000" dirty="0" smtClean="0">
+                <a:solidFill>
+                  <a:schemeClr val="accent6"/>
+                </a:solidFill>
+              </a:rPr>
+              <a:t/>
+            </a:r>
+            <a:br>
+              <a:rPr lang="en-US" sz="2000" dirty="0" smtClean="0">
+                <a:solidFill>
+                  <a:schemeClr val="accent6"/>
+                </a:solidFill>
+              </a:rPr>
+            </a:br>
+            <a:r>
+              <a:rPr lang="en-US" sz="2000" dirty="0" smtClean="0">
+                <a:solidFill>
+                  <a:schemeClr val="accent6"/>
+                </a:solidFill>
+              </a:rPr>
+              <a:t>4. </a:t>
+            </a:r>
+            <a:r>
+              <a:rPr lang="en-US" sz="2000" dirty="0" smtClean="0">
+                <a:solidFill>
+                  <a:schemeClr val="bg1"/>
+                </a:solidFill>
+              </a:rPr>
+              <a:t>file </a:t>
+            </a:r>
+            <a:r>
+              <a:rPr lang="en-US" sz="2000" dirty="0" err="1" smtClean="0">
+                <a:solidFill>
+                  <a:schemeClr val="bg1"/>
+                </a:solidFill>
+              </a:rPr>
+              <a:t>default.target</a:t>
+            </a:r>
+            <a:r>
+              <a:rPr lang="en-US" sz="2000" dirty="0" smtClean="0">
+                <a:solidFill>
+                  <a:schemeClr val="accent6"/>
+                </a:solidFill>
+              </a:rPr>
+              <a:t/>
+            </a:r>
+            <a:br>
+              <a:rPr lang="en-US" sz="2000" dirty="0" smtClean="0">
+                <a:solidFill>
+                  <a:schemeClr val="accent6"/>
+                </a:solidFill>
+              </a:rPr>
+            </a:br>
+            <a:r>
+              <a:rPr lang="en-US" sz="2000" dirty="0" smtClean="0">
+                <a:solidFill>
+                  <a:schemeClr val="accent6"/>
+                </a:solidFill>
+              </a:rPr>
+              <a:t>5. </a:t>
+            </a:r>
+            <a:r>
+              <a:rPr lang="en-US" sz="2000" dirty="0" smtClean="0">
+                <a:solidFill>
+                  <a:schemeClr val="bg1"/>
+                </a:solidFill>
+              </a:rPr>
+              <a:t>cat </a:t>
+            </a:r>
+            <a:r>
+              <a:rPr lang="en-US" sz="2000" dirty="0" err="1" smtClean="0">
+                <a:solidFill>
+                  <a:schemeClr val="bg1"/>
+                </a:solidFill>
+              </a:rPr>
+              <a:t>default.target</a:t>
+            </a:r>
+            <a:r>
+              <a:rPr lang="en-US" sz="2000" dirty="0">
+                <a:solidFill>
+                  <a:schemeClr val="bg1"/>
+                </a:solidFill>
+              </a:rPr>
+              <a:t/>
+            </a:r>
+            <a:br>
+              <a:rPr lang="en-US" sz="2000" dirty="0">
+                <a:solidFill>
+                  <a:schemeClr val="bg1"/>
+                </a:solidFill>
+              </a:rPr>
+            </a:br>
+            <a:r>
+              <a:rPr lang="en-US" sz="2000" dirty="0" smtClean="0">
+                <a:solidFill>
+                  <a:schemeClr val="accent6"/>
+                </a:solidFill>
+              </a:rPr>
+              <a:t/>
+            </a:r>
+            <a:br>
+              <a:rPr lang="en-US" sz="2000" dirty="0" smtClean="0">
+                <a:solidFill>
+                  <a:schemeClr val="accent6"/>
+                </a:solidFill>
+              </a:rPr>
+            </a:br>
+            <a:r>
+              <a:rPr lang="en-US" sz="2000" dirty="0" smtClean="0">
+                <a:solidFill>
+                  <a:schemeClr val="accent6"/>
+                </a:solidFill>
+              </a:rPr>
+              <a:t>Overriding the default configurations happens in </a:t>
+            </a:r>
+            <a:r>
+              <a:rPr lang="en-US" sz="2000" dirty="0" smtClean="0">
+                <a:solidFill>
+                  <a:schemeClr val="bg1"/>
+                </a:solidFill>
+              </a:rPr>
               <a:t>/</a:t>
             </a:r>
             <a:r>
@@ -5847,7 +6171,7 @@
                   <a:schemeClr val="bg1"/>
                 </a:solidFill>
               </a:rPr>
-              <a:t>usr</a:t>
+              <a:t>etc</a:t>
             </a:r>
             <a:r>
               <a:rPr lang="en-US" sz="2000" dirty="0" smtClean="0">
@@ -5855,7 +6179,7 @@
                   <a:schemeClr val="bg1"/>
                 </a:solidFill>
               </a:rPr>
-              <a:t>/lib/</a:t>
+              <a:t>/</a:t>
             </a:r>
             <a:r>
               <a:rPr lang="en-US" sz="2000" dirty="0" err="1" smtClean="0">
@@ -5889,243 +6213,9 @@
               </a:rPr>
             </a:br>
             <a:r>
-              <a:rPr lang="en-US" sz="2000" dirty="0" smtClean="0">
-                <a:solidFill>
-                  <a:schemeClr val="accent6"/>
-                </a:solidFill>
-              </a:rPr>
-              <a:t/>
-            </a:r>
-            <a:br>
-              <a:rPr lang="en-US" sz="2000" dirty="0" smtClean="0">
-                <a:solidFill>
-                  <a:schemeClr val="accent6"/>
-                </a:solidFill>
-              </a:rPr>
-            </a:br>
-            <a:r>
-              <a:rPr lang="en-US" sz="2000" dirty="0" smtClean="0">
-                <a:solidFill>
-                  <a:srgbClr val="FF0000"/>
-                </a:solidFill>
-              </a:rPr>
-              <a:t>Exercises:</a:t>
-            </a:r>
-            <a:r>
-              <a:rPr lang="en-US" sz="2000" dirty="0" smtClean="0">
-                <a:solidFill>
-                  <a:schemeClr val="accent6"/>
-                </a:solidFill>
-              </a:rPr>
-              <a:t/>
-            </a:r>
-            <a:br>
-              <a:rPr lang="en-US" sz="2000" dirty="0" smtClean="0">
-                <a:solidFill>
-                  <a:schemeClr val="accent6"/>
-                </a:solidFill>
-              </a:rPr>
-            </a:br>
-            <a:r>
-              <a:rPr lang="en-US" sz="2000" dirty="0" smtClean="0">
-                <a:solidFill>
-                  <a:schemeClr val="accent6"/>
-                </a:solidFill>
-              </a:rPr>
-              <a:t>1. </a:t>
-            </a:r>
-            <a:r>
-              <a:rPr lang="en-US" sz="2000" dirty="0" smtClean="0">
-                <a:solidFill>
-                  <a:schemeClr val="bg1"/>
-                </a:solidFill>
-              </a:rPr>
-              <a:t>SYSTEMD=/</a:t>
-            </a:r>
-            <a:r>
-              <a:rPr lang="en-US" sz="2000" dirty="0" err="1" smtClean="0">
-                <a:solidFill>
-                  <a:schemeClr val="bg1"/>
-                </a:solidFill>
-              </a:rPr>
-              <a:t>usr</a:t>
-            </a:r>
-            <a:r>
-              <a:rPr lang="en-US" sz="2000" dirty="0" smtClean="0">
-                <a:solidFill>
-                  <a:schemeClr val="bg1"/>
-                </a:solidFill>
-              </a:rPr>
-              <a:t>/lib/</a:t>
-            </a:r>
-            <a:r>
-              <a:rPr lang="en-US" sz="2000" dirty="0" err="1" smtClean="0">
-                <a:solidFill>
-                  <a:schemeClr val="bg1"/>
-                </a:solidFill>
-              </a:rPr>
-              <a:t>systemd</a:t>
-            </a:r>
-            <a:r>
-              <a:rPr lang="en-US" sz="2000" dirty="0" smtClean="0">
-                <a:solidFill>
-                  <a:schemeClr val="bg1"/>
-                </a:solidFill>
-              </a:rPr>
-              <a:t>/system</a:t>
-            </a:r>
-            <a:r>
-              <a:rPr lang="en-US" sz="2000" dirty="0" smtClean="0">
-                <a:solidFill>
-                  <a:schemeClr val="accent6"/>
-                </a:solidFill>
-              </a:rPr>
-              <a:t/>
-            </a:r>
-            <a:br>
-              <a:rPr lang="en-US" sz="2000" dirty="0" smtClean="0">
-                <a:solidFill>
-                  <a:schemeClr val="accent6"/>
-                </a:solidFill>
-              </a:rPr>
-            </a:br>
-            <a:r>
-              <a:rPr lang="en-US" sz="2000" dirty="0" smtClean="0">
-                <a:solidFill>
-                  <a:schemeClr val="accent6"/>
-                </a:solidFill>
-              </a:rPr>
-              <a:t>2. </a:t>
-            </a:r>
-            <a:r>
-              <a:rPr lang="en-US" sz="2000" dirty="0" smtClean="0">
-                <a:solidFill>
-                  <a:schemeClr val="bg1"/>
-                </a:solidFill>
-              </a:rPr>
-              <a:t>cd $</a:t>
-            </a:r>
-            <a:r>
-              <a:rPr lang="en-US" sz="2000" dirty="0" smtClean="0">
-                <a:solidFill>
-                  <a:schemeClr val="bg1"/>
-                </a:solidFill>
-              </a:rPr>
-              <a:t>SYSTEMD</a:t>
-            </a:r>
-            <a:r>
-              <a:rPr lang="en-US" sz="2000" dirty="0" smtClean="0">
-                <a:solidFill>
-                  <a:schemeClr val="accent6"/>
-                </a:solidFill>
-              </a:rPr>
-              <a:t/>
-            </a:r>
-            <a:br>
-              <a:rPr lang="en-US" sz="2000" dirty="0" smtClean="0">
-                <a:solidFill>
-                  <a:schemeClr val="accent6"/>
-                </a:solidFill>
-              </a:rPr>
-            </a:br>
-            <a:r>
-              <a:rPr lang="en-US" sz="2000" dirty="0" smtClean="0">
-                <a:solidFill>
-                  <a:schemeClr val="accent6"/>
-                </a:solidFill>
-              </a:rPr>
-              <a:t>3. </a:t>
-            </a:r>
-            <a:r>
-              <a:rPr lang="en-US" sz="2000" dirty="0" err="1" smtClean="0">
-                <a:solidFill>
-                  <a:schemeClr val="bg1"/>
-                </a:solidFill>
-              </a:rPr>
-              <a:t>pwd</a:t>
-            </a:r>
-            <a:r>
-              <a:rPr lang="en-US" sz="2000" dirty="0" smtClean="0">
-                <a:solidFill>
-                  <a:schemeClr val="accent6"/>
-                </a:solidFill>
-              </a:rPr>
-              <a:t/>
-            </a:r>
-            <a:br>
-              <a:rPr lang="en-US" sz="2000" dirty="0" smtClean="0">
-                <a:solidFill>
-                  <a:schemeClr val="accent6"/>
-                </a:solidFill>
-              </a:rPr>
-            </a:br>
-            <a:r>
-              <a:rPr lang="en-US" sz="2000" dirty="0" smtClean="0">
-                <a:solidFill>
-                  <a:schemeClr val="accent6"/>
-                </a:solidFill>
-              </a:rPr>
-              <a:t>4. </a:t>
-            </a:r>
-            <a:r>
-              <a:rPr lang="en-US" sz="2000" dirty="0" smtClean="0">
-                <a:solidFill>
-                  <a:schemeClr val="bg1"/>
-                </a:solidFill>
-              </a:rPr>
-              <a:t>file </a:t>
-            </a:r>
-            <a:r>
-              <a:rPr lang="en-US" sz="2000" dirty="0" err="1" smtClean="0">
-                <a:solidFill>
-                  <a:schemeClr val="bg1"/>
-                </a:solidFill>
-              </a:rPr>
-              <a:t>default.target</a:t>
-            </a:r>
-            <a:r>
-              <a:rPr lang="en-US" sz="2000" dirty="0" smtClean="0">
-                <a:solidFill>
-                  <a:schemeClr val="accent6"/>
-                </a:solidFill>
-              </a:rPr>
-              <a:t/>
-            </a:r>
-            <a:br>
-              <a:rPr lang="en-US" sz="2000" dirty="0" smtClean="0">
-                <a:solidFill>
-                  <a:schemeClr val="accent6"/>
-                </a:solidFill>
-              </a:rPr>
-            </a:br>
-            <a:r>
-              <a:rPr lang="en-US" sz="2000" dirty="0" smtClean="0">
-                <a:solidFill>
-                  <a:schemeClr val="accent6"/>
-                </a:solidFill>
-              </a:rPr>
-              <a:t>5. </a:t>
-            </a:r>
-            <a:r>
-              <a:rPr lang="en-US" sz="2000" dirty="0" smtClean="0">
-                <a:solidFill>
-                  <a:schemeClr val="bg1"/>
-                </a:solidFill>
-              </a:rPr>
-              <a:t>cat </a:t>
-            </a:r>
-            <a:r>
-              <a:rPr lang="en-US" sz="2000" dirty="0" err="1" smtClean="0">
-                <a:solidFill>
-                  <a:schemeClr val="bg1"/>
-                </a:solidFill>
-              </a:rPr>
-              <a:t>default.target</a:t>
-            </a:r>
-            <a:r>
               <a:rPr lang="en-US" sz="2000" dirty="0">
                 <a:solidFill>
-                  <a:schemeClr val="bg1"/>
+                  <a:schemeClr val="accent6"/>
                 </a:solidFill>
               </a:rPr>
               <a:t/>
@@ -6133,99 +6223,6 @@
             <a:br>
               <a:rPr lang="en-US" sz="2000" dirty="0">
                 <a:solidFill>
-                  <a:schemeClr val="bg1"/>
-                </a:solidFill>
-              </a:rPr>
-            </a:br>
-            <a:r>
-              <a:rPr lang="en-US" sz="2000" dirty="0" smtClean="0">
-                <a:solidFill>
-                  <a:schemeClr val="accent6"/>
-                </a:solidFill>
-              </a:rPr>
-              <a:t/>
-            </a:r>
-            <a:br>
-              <a:rPr lang="en-US" sz="2000" dirty="0" smtClean="0">
-                <a:solidFill>
-                  <a:schemeClr val="accent6"/>
-                </a:solidFill>
-              </a:rPr>
-            </a:br>
-            <a:r>
-              <a:rPr lang="en-US" sz="2000" dirty="0" smtClean="0">
-                <a:solidFill>
-                  <a:schemeClr val="accent6"/>
-                </a:solidFill>
-              </a:rPr>
-              <a:t>Overriding the default configurations happens in </a:t>
-            </a:r>
-            <a:r>
-              <a:rPr lang="en-US" sz="2000" dirty="0" smtClean="0">
-                <a:solidFill>
-                  <a:schemeClr val="bg1"/>
-                </a:solidFill>
-              </a:rPr>
-              <a:t>/</a:t>
-            </a:r>
-            <a:r>
-              <a:rPr lang="en-US" sz="2000" dirty="0" err="1" smtClean="0">
-                <a:solidFill>
-                  <a:schemeClr val="bg1"/>
-                </a:solidFill>
-              </a:rPr>
-              <a:t>etc</a:t>
-            </a:r>
-            <a:r>
-              <a:rPr lang="en-US" sz="2000" dirty="0" smtClean="0">
-                <a:solidFill>
-                  <a:schemeClr val="bg1"/>
-                </a:solidFill>
-              </a:rPr>
-              <a:t>/</a:t>
-            </a:r>
-            <a:r>
-              <a:rPr lang="en-US" sz="2000" dirty="0" err="1" smtClean="0">
-                <a:solidFill>
-                  <a:schemeClr val="bg1"/>
-                </a:solidFill>
-              </a:rPr>
-              <a:t>systemd</a:t>
-            </a:r>
-            <a:r>
-              <a:rPr lang="en-US" sz="2000" dirty="0" smtClean="0">
-                <a:solidFill>
-                  <a:schemeClr val="bg1"/>
-                </a:solidFill>
-              </a:rPr>
-              <a:t>/system</a:t>
-            </a:r>
-            <a:r>
-              <a:rPr lang="en-US" sz="2000" dirty="0" smtClean="0">
-                <a:solidFill>
-                  <a:schemeClr val="accent6"/>
-                </a:solidFill>
-              </a:rPr>
-              <a:t/>
-            </a:r>
-            <a:br>
-              <a:rPr lang="en-US" sz="2000" dirty="0" smtClean="0">
-                <a:solidFill>
-                  <a:schemeClr val="accent6"/>
-                </a:solidFill>
-              </a:rPr>
-            </a:br>
-            <a:r>
-              <a:rPr lang="en-US" sz="2000" dirty="0">
-                <a:solidFill>
-                  <a:schemeClr val="accent6"/>
-                </a:solidFill>
-              </a:rPr>
-              <a:t/>
-            </a:r>
-            <a:br>
-              <a:rPr lang="en-US" sz="2000" dirty="0">
-                <a:solidFill>
                   <a:schemeClr val="accent6"/>
                 </a:solidFill>
               </a:rPr>
@@ -6239,20 +6236,28 @@
               <a:t>You would rarely </a:t>
             </a:r>
             <a:r>
-              <a:rPr lang="en-US" sz="2000" dirty="0" err="1" smtClean="0">
-                <a:solidFill>
-                  <a:schemeClr val="accent6"/>
-                </a:solidFill>
-              </a:rPr>
-              <a:t>config</a:t>
-            </a:r>
-            <a:r>
-              <a:rPr lang="en-US" sz="2000" dirty="0" smtClean="0">
-                <a:solidFill>
-                  <a:schemeClr val="accent6"/>
-                </a:solidFill>
-              </a:rPr>
-              <a:t> your own unit, so do not focus too much on the units content, instead focus on controlling them.</a:t>
+              <a:rPr lang="en-US" sz="2000" dirty="0" smtClean="0">
+                <a:solidFill>
+                  <a:schemeClr val="accent6"/>
+                </a:solidFill>
+              </a:rPr>
+              <a:t>configure </a:t>
+            </a:r>
+            <a:r>
+              <a:rPr lang="en-US" sz="2000" dirty="0" smtClean="0">
+                <a:solidFill>
+                  <a:schemeClr val="accent6"/>
+                </a:solidFill>
+              </a:rPr>
+              <a:t>your own unit, so do not focus too much on the units content, instead focus on </a:t>
+            </a:r>
+            <a:r>
+              <a:rPr lang="en-US" sz="2000" dirty="0" smtClean="0">
+                <a:solidFill>
+                  <a:schemeClr val="accent6"/>
+                </a:solidFill>
+              </a:rPr>
+              <a:t>controlling(status, stop, restart, reload) at this point.</a:t>
             </a:r>
             <a:endParaRPr lang="en-US" sz="2000" dirty="0"/>
           </a:p>
@@ -6270,12 +6275,14 @@
         </p:nvSpPr>
         <p:spPr>
           <a:xfrm>
-            <a:off x="457200" y="4343400"/>
-            <a:ext cx="8229600" cy="1782763"/>
+            <a:off x="5562600" y="6019800"/>
+            <a:ext cx="3124200" cy="106363"/>
           </a:xfrm>
         </p:spPr>
         <p:txBody>
-          <a:bodyPr/>
+          <a:bodyPr>
+            <a:normAutofit fontScale="25000" lnSpcReduction="20000"/>
+          </a:bodyPr>
           <a:lstStyle/>
           <a:p>
             <a:endParaRPr lang="en-US" dirty="0" smtClean="0"/>
@@ -6617,17 +6624,25 @@
           </a:p>
           <a:p>
             <a:r>
-              <a:rPr lang="en-US" sz="2000" dirty="0" smtClean="0">
-                <a:solidFill>
-                  <a:schemeClr val="accent6"/>
-                </a:solidFill>
-              </a:rPr>
-              <a:t>Enabled services will start once the OS is booted. Other common services: network, </a:t>
+              <a:rPr lang="en-US" sz="2400" dirty="0">
+                <a:solidFill>
+                  <a:schemeClr val="bg1"/>
+                </a:solidFill>
+              </a:rPr>
+              <a:t>Enabled</a:t>
+            </a:r>
+            <a:r>
+              <a:rPr lang="en-US" sz="2000" dirty="0" smtClean="0">
+                <a:solidFill>
+                  <a:schemeClr val="accent6"/>
+                </a:solidFill>
+              </a:rPr>
+              <a:t> services will start once the OS is booted. Other common services: network, </a:t>
             </a:r>
             <a:r>
               <a:rPr lang="en-US" sz="2000" dirty="0" err="1" smtClean="0">
                 <a:solidFill>
-                  <a:schemeClr val="accent6"/>
+                  <a:schemeClr val="bg1"/>
                 </a:solidFill>
               </a:rPr>
               <a:t>NetworkManager</a:t>
@@ -6643,38 +6658,30 @@
             <a:r>
               <a:rPr lang="en-US" sz="2000" dirty="0" err="1" smtClean="0">
                 <a:solidFill>
-                  <a:schemeClr val="accent6"/>
+                  <a:schemeClr val="bg1"/>
+                </a:solidFill>
+              </a:rPr>
+              <a:t>firewalld</a:t>
+            </a:r>
+            <a:r>
+              <a:rPr lang="en-US" sz="2000" dirty="0" smtClean="0">
+                <a:solidFill>
+                  <a:schemeClr val="accent6"/>
+                </a:solidFill>
+              </a:rPr>
+              <a:t>  </a:t>
+            </a:r>
+            <a:r>
+              <a:rPr lang="en-US" sz="2000" dirty="0" err="1" smtClean="0">
+                <a:solidFill>
+                  <a:schemeClr val="bg1"/>
                 </a:solidFill>
               </a:rPr>
               <a:t>httpd</a:t>
-            </a:r>
-            <a:r>
-              <a:rPr lang="en-US" sz="2000" dirty="0" smtClean="0">
-                <a:solidFill>
-                  <a:schemeClr val="accent6"/>
-                </a:solidFill>
-              </a:rPr>
-              <a:t>, </a:t>
-            </a:r>
-            <a:r>
-              <a:rPr lang="en-US" sz="2000" dirty="0" err="1" smtClean="0">
-                <a:solidFill>
-                  <a:schemeClr val="accent6"/>
-                </a:solidFill>
-              </a:rPr>
-              <a:t>firewalld</a:t>
-            </a:r>
-            <a:r>
-              <a:rPr lang="en-US" sz="2000" dirty="0" smtClean="0">
-                <a:solidFill>
-                  <a:schemeClr val="accent6"/>
-                </a:solidFill>
-              </a:rPr>
-              <a:t> …</a:t>
             </a:r>
             <a:endParaRPr lang="en-US" sz="2000" dirty="0">
               <a:solidFill>
-                <a:schemeClr val="accent6"/>
+                <a:schemeClr val="bg1"/>
               </a:solidFill>
             </a:endParaRPr>
           </a:p>
@@ -6853,10 +6860,31 @@
                   <a:schemeClr val="accent6"/>
                 </a:solidFill>
               </a:rPr>
-              <a:t> To prevent an administrator from accidentally starting a service, that service may be masked. Masking will create a configuration directories so that if the service is started, nothing will happen.</a:t>
-            </a:r>
-          </a:p>
-          <a:p>
+              <a:t> To prevent an administrator from accidentally starting a service, that service may be masked</a:t>
+            </a:r>
+            <a:r>
+              <a:rPr lang="en-US" sz="2000" dirty="0" smtClean="0">
+                <a:solidFill>
+                  <a:schemeClr val="accent6"/>
+                </a:solidFill>
+              </a:rPr>
+              <a:t>..</a:t>
+            </a:r>
+            <a:endParaRPr lang="en-US" sz="2000" dirty="0" smtClean="0">
+              <a:solidFill>
+                <a:schemeClr val="accent6"/>
+              </a:solidFill>
+            </a:endParaRPr>
+          </a:p>
+          <a:p>
+            <a:r>
+              <a:rPr lang="en-US" sz="2000" dirty="0">
+                <a:solidFill>
+                  <a:schemeClr val="accent6"/>
+                </a:solidFill>
+              </a:rPr>
+              <a:t>Masking will create a configuration directories so that if the service is started, nothing will happen</a:t>
+            </a:r>
             <a:endParaRPr lang="en-US" sz="2000" dirty="0">
               <a:solidFill>
                 <a:schemeClr val="accent6"/>
@@ -7847,12 +7875,28 @@
                   <a:schemeClr val="accent6"/>
                 </a:solidFill>
               </a:rPr>
-              <a:t>The GRUB 2 boot loaders makes sure that you can boot Linux. GRUB2 is installed in the boot sector of your server’s hard drive and is configured to load a Linux kernel and </a:t>
+              <a:t>The GRUB 2 boot loaders makes sure that you can boot Linux. GRUB2 is installed in the boot sector of your server’s hard drive and is configured to load a Linux </a:t>
+            </a:r>
+            <a:r>
+              <a:rPr lang="en-US" sz="2000" dirty="0" smtClean="0">
+                <a:solidFill>
+                  <a:schemeClr val="bg1"/>
+                </a:solidFill>
+              </a:rPr>
+              <a:t>kerne</a:t>
+            </a:r>
+            <a:r>
+              <a:rPr lang="en-US" sz="2000" dirty="0" smtClean="0">
+                <a:solidFill>
+                  <a:schemeClr val="accent6"/>
+                </a:solidFill>
+              </a:rPr>
+              <a:t>l and </a:t>
             </a:r>
             <a:r>
               <a:rPr lang="en-US" sz="2000" dirty="0" err="1" smtClean="0">
                 <a:solidFill>
-                  <a:schemeClr val="accent6"/>
+                  <a:schemeClr val="bg1"/>
                 </a:solidFill>
               </a:rPr>
               <a:t>initramfs</a:t>
@@ -7890,7 +7934,7 @@
             <a:r>
               <a:rPr lang="en-US" sz="2000" dirty="0" err="1" smtClean="0">
                 <a:solidFill>
-                  <a:schemeClr val="accent6"/>
+                  <a:schemeClr val="bg1"/>
                 </a:solidFill>
               </a:rPr>
               <a:t>Initramfs</a:t>
@@ -7909,15 +7953,39 @@
                   <a:schemeClr val="accent6"/>
                 </a:solidFill>
               </a:rPr>
-              <a:t>eg.LVM</a:t>
-            </a:r>
-            <a:r>
-              <a:rPr lang="en-US" sz="2000" dirty="0" smtClean="0">
-                <a:solidFill>
-                  <a:schemeClr val="accent6"/>
-                </a:solidFill>
-              </a:rPr>
-              <a:t> and SCSI modules for accessing disks that are not supported by default).</a:t>
+              <a:t>eg.</a:t>
+            </a:r>
+            <a:r>
+              <a:rPr lang="en-US" sz="2000" dirty="0" err="1" smtClean="0">
+                <a:solidFill>
+                  <a:schemeClr val="bg1"/>
+                </a:solidFill>
+              </a:rPr>
+              <a:t>LVM</a:t>
+            </a:r>
+            <a:r>
+              <a:rPr lang="en-US" sz="2000" dirty="0" smtClean="0">
+                <a:solidFill>
+                  <a:schemeClr val="accent6"/>
+                </a:solidFill>
+              </a:rPr>
+              <a:t> and </a:t>
+            </a:r>
+            <a:r>
+              <a:rPr lang="en-US" sz="2000" dirty="0" smtClean="0">
+                <a:solidFill>
+                  <a:schemeClr val="bg1"/>
+                </a:solidFill>
+              </a:rPr>
+              <a:t>SCSI</a:t>
+            </a:r>
+            <a:r>
+              <a:rPr lang="en-US" sz="2000" dirty="0" smtClean="0">
+                <a:solidFill>
+                  <a:schemeClr val="accent6"/>
+                </a:solidFill>
+              </a:rPr>
+              <a:t> modules for accessing disks that are not supported by default).</a:t>
             </a:r>
             <a:br>
               <a:rPr lang="en-US" sz="2000" dirty="0" smtClean="0">

--- a/10.SystemD_And_TheBootProcedure/10-SystemDAndTheBootProcedure.pptx
+++ b/10.SystemD_And_TheBootProcedure/10-SystemDAndTheBootProcedure.pptx
@@ -227,7 +227,7 @@
           <a:p>
             <a:fld id="{75861919-8521-4274-BB91-998CD62CEE44}" type="datetimeFigureOut">
               <a:rPr lang="en-US" smtClean="0"/>
-              <a:t>4/25/17</a:t>
+              <a:t>5/5/17</a:t>
             </a:fld>
             <a:endParaRPr lang="en-US"/>
           </a:p>
@@ -760,7 +760,7 @@
           <a:p>
             <a:fld id="{3EA744D9-3FBE-48D8-BF2A-85DF203E4D20}" type="datetimeFigureOut">
               <a:rPr lang="bg-BG" smtClean="0"/>
-              <a:t>25.04.17 г.</a:t>
+              <a:t>5.05.17 г.</a:t>
             </a:fld>
             <a:endParaRPr lang="bg-BG"/>
           </a:p>
@@ -930,7 +930,7 @@
           <a:p>
             <a:fld id="{3EA744D9-3FBE-48D8-BF2A-85DF203E4D20}" type="datetimeFigureOut">
               <a:rPr lang="bg-BG" smtClean="0"/>
-              <a:t>25.04.17 г.</a:t>
+              <a:t>5.05.17 г.</a:t>
             </a:fld>
             <a:endParaRPr lang="bg-BG"/>
           </a:p>
@@ -1110,7 +1110,7 @@
           <a:p>
             <a:fld id="{3EA744D9-3FBE-48D8-BF2A-85DF203E4D20}" type="datetimeFigureOut">
               <a:rPr lang="bg-BG" smtClean="0"/>
-              <a:t>25.04.17 г.</a:t>
+              <a:t>5.05.17 г.</a:t>
             </a:fld>
             <a:endParaRPr lang="bg-BG"/>
           </a:p>
@@ -1280,7 +1280,7 @@
           <a:p>
             <a:fld id="{3EA744D9-3FBE-48D8-BF2A-85DF203E4D20}" type="datetimeFigureOut">
               <a:rPr lang="bg-BG" smtClean="0"/>
-              <a:t>25.04.17 г.</a:t>
+              <a:t>5.05.17 г.</a:t>
             </a:fld>
             <a:endParaRPr lang="bg-BG"/>
           </a:p>
@@ -1526,7 +1526,7 @@
           <a:p>
             <a:fld id="{3EA744D9-3FBE-48D8-BF2A-85DF203E4D20}" type="datetimeFigureOut">
               <a:rPr lang="bg-BG" smtClean="0"/>
-              <a:t>25.04.17 г.</a:t>
+              <a:t>5.05.17 г.</a:t>
             </a:fld>
             <a:endParaRPr lang="bg-BG"/>
           </a:p>
@@ -1814,7 +1814,7 @@
           <a:p>
             <a:fld id="{3EA744D9-3FBE-48D8-BF2A-85DF203E4D20}" type="datetimeFigureOut">
               <a:rPr lang="bg-BG" smtClean="0"/>
-              <a:t>25.04.17 г.</a:t>
+              <a:t>5.05.17 г.</a:t>
             </a:fld>
             <a:endParaRPr lang="bg-BG"/>
           </a:p>
@@ -2236,7 +2236,7 @@
           <a:p>
             <a:fld id="{3EA744D9-3FBE-48D8-BF2A-85DF203E4D20}" type="datetimeFigureOut">
               <a:rPr lang="bg-BG" smtClean="0"/>
-              <a:t>25.04.17 г.</a:t>
+              <a:t>5.05.17 г.</a:t>
             </a:fld>
             <a:endParaRPr lang="bg-BG"/>
           </a:p>
@@ -2354,7 +2354,7 @@
           <a:p>
             <a:fld id="{3EA744D9-3FBE-48D8-BF2A-85DF203E4D20}" type="datetimeFigureOut">
               <a:rPr lang="bg-BG" smtClean="0"/>
-              <a:t>25.04.17 г.</a:t>
+              <a:t>5.05.17 г.</a:t>
             </a:fld>
             <a:endParaRPr lang="bg-BG"/>
           </a:p>
@@ -2449,7 +2449,7 @@
           <a:p>
             <a:fld id="{3EA744D9-3FBE-48D8-BF2A-85DF203E4D20}" type="datetimeFigureOut">
               <a:rPr lang="bg-BG" smtClean="0"/>
-              <a:t>25.04.17 г.</a:t>
+              <a:t>5.05.17 г.</a:t>
             </a:fld>
             <a:endParaRPr lang="bg-BG"/>
           </a:p>
@@ -2726,7 +2726,7 @@
           <a:p>
             <a:fld id="{3EA744D9-3FBE-48D8-BF2A-85DF203E4D20}" type="datetimeFigureOut">
               <a:rPr lang="bg-BG" smtClean="0"/>
-              <a:t>25.04.17 г.</a:t>
+              <a:t>5.05.17 г.</a:t>
             </a:fld>
             <a:endParaRPr lang="bg-BG"/>
           </a:p>
@@ -2979,7 +2979,7 @@
           <a:p>
             <a:fld id="{3EA744D9-3FBE-48D8-BF2A-85DF203E4D20}" type="datetimeFigureOut">
               <a:rPr lang="bg-BG" smtClean="0"/>
-              <a:t>25.04.17 г.</a:t>
+              <a:t>5.05.17 г.</a:t>
             </a:fld>
             <a:endParaRPr lang="bg-BG"/>
           </a:p>
@@ -3201,7 +3201,7 @@
           <a:p>
             <a:fld id="{3EA744D9-3FBE-48D8-BF2A-85DF203E4D20}" type="datetimeFigureOut">
               <a:rPr lang="bg-BG" smtClean="0"/>
-              <a:t>25.04.17 г.</a:t>
+              <a:t>5.05.17 г.</a:t>
             </a:fld>
             <a:endParaRPr lang="bg-BG"/>
           </a:p>
@@ -3669,77 +3669,53 @@
                   <a:schemeClr val="accent6"/>
                 </a:solidFill>
               </a:rPr>
-              <a:t> process. This process was </a:t>
-            </a:r>
-            <a:r>
+              <a:t> process. This process was responsible for activating other services on the system.</a:t>
+            </a:r>
+            <a:br>
               <a:rPr lang="en-US" sz="3600" dirty="0" smtClean="0">
                 <a:solidFill>
                   <a:schemeClr val="accent6"/>
                 </a:solidFill>
               </a:rPr>
-              <a:t>responsible </a:t>
-            </a:r>
+            </a:br>
+            <a:r>
+              <a:rPr lang="en-US" sz="3600" dirty="0">
+                <a:solidFill>
+                  <a:schemeClr val="accent6"/>
+                </a:solidFill>
+              </a:rPr>
+              <a:t/>
+            </a:r>
+            <a:br>
+              <a:rPr lang="en-US" sz="3600" dirty="0">
+                <a:solidFill>
+                  <a:schemeClr val="accent6"/>
+                </a:solidFill>
+              </a:rPr>
+            </a:br>
             <a:r>
               <a:rPr lang="en-US" sz="3600" dirty="0" smtClean="0">
                 <a:solidFill>
                   <a:schemeClr val="accent6"/>
                 </a:solidFill>
               </a:rPr>
-              <a:t>for activating other services on the system.</a:t>
-            </a:r>
-            <a:br>
+              <a:t>Frequently used daemons were started on systems at boo time with </a:t>
+            </a:r>
+            <a:r>
               <a:rPr lang="en-US" sz="3600" dirty="0" smtClean="0">
                 <a:solidFill>
-                  <a:schemeClr val="accent6"/>
-                </a:solidFill>
-              </a:rPr>
-            </a:br>
-            <a:r>
-              <a:rPr lang="en-US" sz="3600" dirty="0">
-                <a:solidFill>
-                  <a:schemeClr val="accent6"/>
-                </a:solidFill>
-              </a:rPr>
-              <a:t/>
-            </a:r>
-            <a:br>
-              <a:rPr lang="en-US" sz="3600" dirty="0">
-                <a:solidFill>
-                  <a:schemeClr val="accent6"/>
-                </a:solidFill>
-              </a:rPr>
-            </a:br>
+                  <a:schemeClr val="bg1"/>
+                </a:solidFill>
+              </a:rPr>
+              <a:t>System V</a:t>
+            </a:r>
             <a:r>
               <a:rPr lang="en-US" sz="3600" dirty="0" smtClean="0">
                 <a:solidFill>
                   <a:schemeClr val="accent6"/>
                 </a:solidFill>
               </a:rPr>
-              <a:t>Frequently used daemons were started on systems at boo time with </a:t>
-            </a:r>
-            <a:r>
-              <a:rPr lang="en-US" sz="3600" dirty="0" smtClean="0">
-                <a:solidFill>
-                  <a:schemeClr val="bg1"/>
-                </a:solidFill>
-              </a:rPr>
-              <a:t>System V</a:t>
-            </a:r>
-            <a:r>
-              <a:rPr lang="en-US" sz="3600" dirty="0" smtClean="0">
-                <a:solidFill>
-                  <a:schemeClr val="accent6"/>
-                </a:solidFill>
-              </a:rPr>
-              <a:t> </a:t>
-            </a:r>
-            <a:r>
-              <a:rPr lang="en-US" sz="3600" dirty="0" smtClean="0">
-                <a:solidFill>
-                  <a:schemeClr val="accent6"/>
-                </a:solidFill>
-              </a:rPr>
-              <a:t>scripts</a:t>
+              <a:t> scripts</a:t>
             </a:r>
             <a:r>
               <a:rPr lang="en-US" dirty="0" smtClean="0">
@@ -6233,31 +6209,7 @@
                   <a:schemeClr val="accent6"/>
                 </a:solidFill>
               </a:rPr>
-              <a:t>You would rarely </a:t>
-            </a:r>
-            <a:r>
-              <a:rPr lang="en-US" sz="2000" dirty="0" smtClean="0">
-                <a:solidFill>
-                  <a:schemeClr val="accent6"/>
-                </a:solidFill>
-              </a:rPr>
-              <a:t>configure </a:t>
-            </a:r>
-            <a:r>
-              <a:rPr lang="en-US" sz="2000" dirty="0" smtClean="0">
-                <a:solidFill>
-                  <a:schemeClr val="accent6"/>
-                </a:solidFill>
-              </a:rPr>
-              <a:t>your own unit, so do not focus too much on the units content, instead focus on </a:t>
-            </a:r>
-            <a:r>
-              <a:rPr lang="en-US" sz="2000" dirty="0" smtClean="0">
-                <a:solidFill>
-                  <a:schemeClr val="accent6"/>
-                </a:solidFill>
-              </a:rPr>
-              <a:t>controlling(status, stop, restart, reload) at this point.</a:t>
+              <a:t>You would rarely configure your own unit, so do not focus too much on the units content, instead focus on controlling(status, stop, restart, reload) at this point.</a:t>
             </a:r>
             <a:endParaRPr lang="en-US" sz="2000" dirty="0"/>
           </a:p>
@@ -6860,21 +6812,8 @@
                   <a:schemeClr val="accent6"/>
                 </a:solidFill>
               </a:rPr>
-              <a:t> To prevent an administrator from accidentally starting a service, that service may be masked</a:t>
-            </a:r>
-            <a:r>
-              <a:rPr lang="en-US" sz="2000" dirty="0" smtClean="0">
-                <a:solidFill>
-                  <a:schemeClr val="accent6"/>
-                </a:solidFill>
-              </a:rPr>
-              <a:t>..</a:t>
-            </a:r>
-            <a:endParaRPr lang="en-US" sz="2000" dirty="0" smtClean="0">
-              <a:solidFill>
-                <a:schemeClr val="accent6"/>
-              </a:solidFill>
-            </a:endParaRPr>
+              <a:t> To prevent an administrator from accidentally starting a service, that service may be masked..</a:t>
+            </a:r>
           </a:p>
           <a:p>
             <a:r>
@@ -6885,11 +6824,6 @@
               </a:rPr>
               <a:t>Masking will create a configuration directories so that if the service is started, nothing will happen</a:t>
             </a:r>
-            <a:endParaRPr lang="en-US" sz="2000" dirty="0">
-              <a:solidFill>
-                <a:schemeClr val="accent6"/>
-              </a:solidFill>
-            </a:endParaRPr>
           </a:p>
           <a:p>
             <a:r>
@@ -7945,7 +7879,31 @@
                   <a:schemeClr val="accent6"/>
                 </a:solidFill>
               </a:rPr>
-              <a:t> contains drivers that are needed to start your server. It contains a mini file system that is mounted during boot. In it are kernel modules that are needed during the rest of the boot process (</a:t>
+              <a:t> contains drivers that are needed to start your server. It contains a mini file system that is mounted during boot. </a:t>
+            </a:r>
+            <a:r>
+              <a:rPr lang="en-US" sz="2000" dirty="0" smtClean="0">
+                <a:solidFill>
+                  <a:schemeClr val="accent6"/>
+                </a:solidFill>
+              </a:rPr>
+              <a:t>Inside it</a:t>
+            </a:r>
+            <a:r>
+              <a:rPr lang="en-US" sz="2000" dirty="0" smtClean="0">
+                <a:solidFill>
+                  <a:schemeClr val="accent6"/>
+                </a:solidFill>
+              </a:rPr>
+              <a:t> </a:t>
+            </a:r>
+            <a:r>
+              <a:rPr lang="en-US" sz="2000" dirty="0" smtClean="0">
+                <a:solidFill>
+                  <a:schemeClr val="accent6"/>
+                </a:solidFill>
+              </a:rPr>
+              <a:t>are kernel modules that are needed during the rest of the boot process (</a:t>
             </a:r>
             <a:r>
               <a:rPr lang="en-US" sz="2000" dirty="0" err="1" smtClean="0">
@@ -8038,7 +7996,15 @@
                   <a:schemeClr val="accent6"/>
                 </a:solidFill>
               </a:rPr>
-              <a:t>1.c</a:t>
+              <a:t>1.</a:t>
+            </a:r>
+            <a:r>
+              <a:rPr lang="en-US" sz="2000" dirty="0" smtClean="0">
+                <a:solidFill>
+                  <a:schemeClr val="bg1"/>
+                </a:solidFill>
+              </a:rPr>
+              <a:t>c</a:t>
             </a:r>
             <a:r>
               <a:rPr lang="en-US" sz="2000" dirty="0" smtClean="0">

--- a/10.SystemD_And_TheBootProcedure/10-SystemDAndTheBootProcedure.pptx
+++ b/10.SystemD_And_TheBootProcedure/10-SystemDAndTheBootProcedure.pptx
@@ -227,7 +227,7 @@
           <a:p>
             <a:fld id="{75861919-8521-4274-BB91-998CD62CEE44}" type="datetimeFigureOut">
               <a:rPr lang="en-US" smtClean="0"/>
-              <a:t>5/5/17</a:t>
+              <a:t>5/17/17</a:t>
             </a:fld>
             <a:endParaRPr lang="en-US"/>
           </a:p>
@@ -760,7 +760,7 @@
           <a:p>
             <a:fld id="{3EA744D9-3FBE-48D8-BF2A-85DF203E4D20}" type="datetimeFigureOut">
               <a:rPr lang="bg-BG" smtClean="0"/>
-              <a:t>5.05.17 г.</a:t>
+              <a:t>17.05.17 г.</a:t>
             </a:fld>
             <a:endParaRPr lang="bg-BG"/>
           </a:p>
@@ -930,7 +930,7 @@
           <a:p>
             <a:fld id="{3EA744D9-3FBE-48D8-BF2A-85DF203E4D20}" type="datetimeFigureOut">
               <a:rPr lang="bg-BG" smtClean="0"/>
-              <a:t>5.05.17 г.</a:t>
+              <a:t>17.05.17 г.</a:t>
             </a:fld>
             <a:endParaRPr lang="bg-BG"/>
           </a:p>
@@ -1110,7 +1110,7 @@
           <a:p>
             <a:fld id="{3EA744D9-3FBE-48D8-BF2A-85DF203E4D20}" type="datetimeFigureOut">
               <a:rPr lang="bg-BG" smtClean="0"/>
-              <a:t>5.05.17 г.</a:t>
+              <a:t>17.05.17 г.</a:t>
             </a:fld>
             <a:endParaRPr lang="bg-BG"/>
           </a:p>
@@ -1280,7 +1280,7 @@
           <a:p>
             <a:fld id="{3EA744D9-3FBE-48D8-BF2A-85DF203E4D20}" type="datetimeFigureOut">
               <a:rPr lang="bg-BG" smtClean="0"/>
-              <a:t>5.05.17 г.</a:t>
+              <a:t>17.05.17 г.</a:t>
             </a:fld>
             <a:endParaRPr lang="bg-BG"/>
           </a:p>
@@ -1526,7 +1526,7 @@
           <a:p>
             <a:fld id="{3EA744D9-3FBE-48D8-BF2A-85DF203E4D20}" type="datetimeFigureOut">
               <a:rPr lang="bg-BG" smtClean="0"/>
-              <a:t>5.05.17 г.</a:t>
+              <a:t>17.05.17 г.</a:t>
             </a:fld>
             <a:endParaRPr lang="bg-BG"/>
           </a:p>
@@ -1814,7 +1814,7 @@
           <a:p>
             <a:fld id="{3EA744D9-3FBE-48D8-BF2A-85DF203E4D20}" type="datetimeFigureOut">
               <a:rPr lang="bg-BG" smtClean="0"/>
-              <a:t>5.05.17 г.</a:t>
+              <a:t>17.05.17 г.</a:t>
             </a:fld>
             <a:endParaRPr lang="bg-BG"/>
           </a:p>
@@ -2236,7 +2236,7 @@
           <a:p>
             <a:fld id="{3EA744D9-3FBE-48D8-BF2A-85DF203E4D20}" type="datetimeFigureOut">
               <a:rPr lang="bg-BG" smtClean="0"/>
-              <a:t>5.05.17 г.</a:t>
+              <a:t>17.05.17 г.</a:t>
             </a:fld>
             <a:endParaRPr lang="bg-BG"/>
           </a:p>
@@ -2354,7 +2354,7 @@
           <a:p>
             <a:fld id="{3EA744D9-3FBE-48D8-BF2A-85DF203E4D20}" type="datetimeFigureOut">
               <a:rPr lang="bg-BG" smtClean="0"/>
-              <a:t>5.05.17 г.</a:t>
+              <a:t>17.05.17 г.</a:t>
             </a:fld>
             <a:endParaRPr lang="bg-BG"/>
           </a:p>
@@ -2449,7 +2449,7 @@
           <a:p>
             <a:fld id="{3EA744D9-3FBE-48D8-BF2A-85DF203E4D20}" type="datetimeFigureOut">
               <a:rPr lang="bg-BG" smtClean="0"/>
-              <a:t>5.05.17 г.</a:t>
+              <a:t>17.05.17 г.</a:t>
             </a:fld>
             <a:endParaRPr lang="bg-BG"/>
           </a:p>
@@ -2726,7 +2726,7 @@
           <a:p>
             <a:fld id="{3EA744D9-3FBE-48D8-BF2A-85DF203E4D20}" type="datetimeFigureOut">
               <a:rPr lang="bg-BG" smtClean="0"/>
-              <a:t>5.05.17 г.</a:t>
+              <a:t>17.05.17 г.</a:t>
             </a:fld>
             <a:endParaRPr lang="bg-BG"/>
           </a:p>
@@ -2979,7 +2979,7 @@
           <a:p>
             <a:fld id="{3EA744D9-3FBE-48D8-BF2A-85DF203E4D20}" type="datetimeFigureOut">
               <a:rPr lang="bg-BG" smtClean="0"/>
-              <a:t>5.05.17 г.</a:t>
+              <a:t>17.05.17 г.</a:t>
             </a:fld>
             <a:endParaRPr lang="bg-BG"/>
           </a:p>
@@ -3201,7 +3201,7 @@
           <a:p>
             <a:fld id="{3EA744D9-3FBE-48D8-BF2A-85DF203E4D20}" type="datetimeFigureOut">
               <a:rPr lang="bg-BG" smtClean="0"/>
-              <a:t>5.05.17 г.</a:t>
+              <a:t>17.05.17 г.</a:t>
             </a:fld>
             <a:endParaRPr lang="bg-BG"/>
           </a:p>
@@ -3699,7 +3699,39 @@
                   <a:schemeClr val="accent6"/>
                 </a:solidFill>
               </a:rPr>
-              <a:t>Frequently used daemons were started on systems at boo time with </a:t>
+              <a:t>Frequently used daemons were started on </a:t>
+            </a:r>
+            <a:r>
+              <a:rPr lang="en-US" sz="3600" dirty="0" smtClean="0">
+                <a:solidFill>
+                  <a:schemeClr val="accent6"/>
+                </a:solidFill>
+              </a:rPr>
+              <a:t>system </a:t>
+            </a:r>
+            <a:r>
+              <a:rPr lang="en-US" sz="3600" dirty="0" smtClean="0">
+                <a:solidFill>
+                  <a:schemeClr val="accent6"/>
+                </a:solidFill>
+              </a:rPr>
+              <a:t>at </a:t>
+            </a:r>
+            <a:r>
+              <a:rPr lang="en-US" sz="3600" dirty="0" smtClean="0">
+                <a:solidFill>
+                  <a:schemeClr val="accent6"/>
+                </a:solidFill>
+              </a:rPr>
+              <a:t>boot </a:t>
+            </a:r>
+            <a:r>
+              <a:rPr lang="en-US" sz="3600" dirty="0" smtClean="0">
+                <a:solidFill>
+                  <a:schemeClr val="accent6"/>
+                </a:solidFill>
+              </a:rPr>
+              <a:t>time with </a:t>
             </a:r>
             <a:r>
               <a:rPr lang="en-US" sz="3600" dirty="0" smtClean="0">
@@ -6209,7 +6241,23 @@
                   <a:schemeClr val="accent6"/>
                 </a:solidFill>
               </a:rPr>
-              <a:t>You would rarely configure your own unit, so do not focus too much on the units content, instead focus on controlling(status, stop, restart, reload) at this point.</a:t>
+              <a:t>You would rarely configure your own unit, so do not focus too much on the units content, instead focus on controlling(status, stop, restart, reload</a:t>
+            </a:r>
+            <a:r>
+              <a:rPr lang="en-US" sz="2000" dirty="0" smtClean="0">
+                <a:solidFill>
+                  <a:schemeClr val="accent6"/>
+                </a:solidFill>
+              </a:rPr>
+              <a:t>) them </a:t>
+            </a:r>
+            <a:r>
+              <a:rPr lang="en-US" sz="2000" dirty="0" smtClean="0">
+                <a:solidFill>
+                  <a:schemeClr val="accent6"/>
+                </a:solidFill>
+              </a:rPr>
+              <a:t>at this point.</a:t>
             </a:r>
             <a:endParaRPr lang="en-US" sz="2000" dirty="0"/>
           </a:p>
@@ -6589,7 +6637,23 @@
                   <a:schemeClr val="accent6"/>
                 </a:solidFill>
               </a:rPr>
-              <a:t> services will start once the OS is booted. Other common services: network, </a:t>
+              <a:t> services will start once the OS is booted. Other common services: </a:t>
+            </a:r>
+            <a:r>
+              <a:rPr lang="en-US" sz="2000" dirty="0" smtClean="0">
+                <a:solidFill>
+                  <a:schemeClr val="bg1"/>
+                </a:solidFill>
+              </a:rPr>
+              <a:t>network</a:t>
+            </a:r>
+            <a:r>
+              <a:rPr lang="en-US" sz="2000" dirty="0" smtClean="0">
+                <a:solidFill>
+                  <a:schemeClr val="accent6"/>
+                </a:solidFill>
+              </a:rPr>
+              <a:t>, </a:t>
             </a:r>
             <a:r>
               <a:rPr lang="en-US" sz="2000" dirty="0" err="1" smtClean="0">
@@ -6710,7 +6774,7 @@
         </p:spPr>
         <p:txBody>
           <a:bodyPr>
-            <a:normAutofit/>
+            <a:normAutofit fontScale="92500" lnSpcReduction="10000"/>
           </a:bodyPr>
           <a:lstStyle/>
           <a:p>
@@ -6812,8 +6876,21 @@
                   <a:schemeClr val="accent6"/>
                 </a:solidFill>
               </a:rPr>
-              <a:t> To prevent an administrator from accidentally starting a service, that service may be masked..</a:t>
-            </a:r>
+              <a:t> To prevent an administrator from accidentally starting a service, that service may be masked</a:t>
+            </a:r>
+            <a:r>
+              <a:rPr lang="en-US" sz="2000" dirty="0" smtClean="0">
+                <a:solidFill>
+                  <a:schemeClr val="accent6"/>
+                </a:solidFill>
+              </a:rPr>
+              <a:t>.</a:t>
+            </a:r>
+            <a:endParaRPr lang="en-US" sz="2000" dirty="0" smtClean="0">
+              <a:solidFill>
+                <a:schemeClr val="accent6"/>
+              </a:solidFill>
+            </a:endParaRPr>
           </a:p>
           <a:p>
             <a:r>
@@ -6822,16 +6899,84 @@
                   <a:schemeClr val="accent6"/>
                 </a:solidFill>
               </a:rPr>
-              <a:t>Masking will create a configuration directories so that if the service is started, nothing will happen</a:t>
-            </a:r>
-          </a:p>
-          <a:p>
+              <a:t>Masking will create a configuration directories so that if the service is started, nothing will </a:t>
+            </a:r>
+            <a:r>
+              <a:rPr lang="en-US" sz="2000" dirty="0" smtClean="0">
+                <a:solidFill>
+                  <a:schemeClr val="accent6"/>
+                </a:solidFill>
+              </a:rPr>
+              <a:t>happen.</a:t>
+            </a:r>
+          </a:p>
+          <a:p>
+            <a:r>
+              <a:rPr lang="en-US" sz="2000" dirty="0" smtClean="0">
+                <a:solidFill>
+                  <a:srgbClr val="FF0000"/>
+                </a:solidFill>
+              </a:rPr>
+              <a:t>Exercises:</a:t>
+            </a:r>
+          </a:p>
+          <a:p>
+            <a:r>
+              <a:rPr lang="en-US" sz="2000" dirty="0" smtClean="0">
+                <a:solidFill>
+                  <a:schemeClr val="accent6"/>
+                </a:solidFill>
+              </a:rPr>
+              <a:t>1.</a:t>
+            </a:r>
+            <a:r>
+              <a:rPr lang="en-US" sz="2000" dirty="0" smtClean="0">
+                <a:solidFill>
+                  <a:schemeClr val="bg1"/>
+                </a:solidFill>
+              </a:rPr>
+              <a:t> </a:t>
+            </a:r>
             <a:r>
               <a:rPr lang="en-US" sz="2000" dirty="0" err="1" smtClean="0">
                 <a:solidFill>
                   <a:schemeClr val="bg1"/>
                 </a:solidFill>
               </a:rPr>
+              <a:t>s</a:t>
+            </a:r>
+            <a:r>
+              <a:rPr lang="en-US" sz="2000" dirty="0" err="1" smtClean="0">
+                <a:solidFill>
+                  <a:schemeClr val="bg1"/>
+                </a:solidFill>
+              </a:rPr>
+              <a:t>ystemctl</a:t>
+            </a:r>
+            <a:r>
+              <a:rPr lang="en-US" sz="2000" dirty="0" smtClean="0">
+                <a:solidFill>
+                  <a:schemeClr val="bg1"/>
+                </a:solidFill>
+              </a:rPr>
+              <a:t> status network</a:t>
+            </a:r>
+          </a:p>
+          <a:p>
+            <a:r>
+              <a:rPr lang="en-US" sz="2000" dirty="0" smtClean="0">
+                <a:solidFill>
+                  <a:schemeClr val="accent6"/>
+                </a:solidFill>
+              </a:rPr>
+              <a:t>2. </a:t>
+            </a:r>
+            <a:r>
+              <a:rPr lang="en-US" sz="2000" dirty="0" err="1" smtClean="0">
+                <a:solidFill>
+                  <a:schemeClr val="bg1"/>
+                </a:solidFill>
+              </a:rPr>
               <a:t>systemctl</a:t>
             </a:r>
             <a:r>
@@ -6840,8 +6985,106 @@
                   <a:schemeClr val="bg1"/>
                 </a:solidFill>
               </a:rPr>
-              <a:t> mask network</a:t>
-            </a:r>
+              <a:t> status </a:t>
+            </a:r>
+            <a:r>
+              <a:rPr lang="en-US" sz="2000" dirty="0" err="1" smtClean="0">
+                <a:solidFill>
+                  <a:schemeClr val="bg1"/>
+                </a:solidFill>
+              </a:rPr>
+              <a:t>NetworkManager</a:t>
+            </a:r>
+            <a:endParaRPr lang="en-US" sz="2000" dirty="0">
+              <a:solidFill>
+                <a:schemeClr val="bg1"/>
+              </a:solidFill>
+            </a:endParaRPr>
+          </a:p>
+          <a:p>
+            <a:r>
+              <a:rPr lang="en-US" sz="2000" dirty="0" smtClean="0">
+                <a:solidFill>
+                  <a:schemeClr val="accent6"/>
+                </a:solidFill>
+              </a:rPr>
+              <a:t>3. </a:t>
+            </a:r>
+            <a:r>
+              <a:rPr lang="en-US" sz="2000" dirty="0" err="1" smtClean="0">
+                <a:solidFill>
+                  <a:schemeClr val="bg1"/>
+                </a:solidFill>
+              </a:rPr>
+              <a:t>systemctl</a:t>
+            </a:r>
+            <a:r>
+              <a:rPr lang="en-US" sz="2000" dirty="0" smtClean="0">
+                <a:solidFill>
+                  <a:schemeClr val="bg1"/>
+                </a:solidFill>
+              </a:rPr>
+              <a:t> </a:t>
+            </a:r>
+            <a:r>
+              <a:rPr lang="en-US" sz="2000" dirty="0" smtClean="0">
+                <a:solidFill>
+                  <a:schemeClr val="bg1"/>
+                </a:solidFill>
+              </a:rPr>
+              <a:t>mask </a:t>
+            </a:r>
+            <a:r>
+              <a:rPr lang="en-US" sz="2000" dirty="0" smtClean="0">
+                <a:solidFill>
+                  <a:schemeClr val="bg1"/>
+                </a:solidFill>
+              </a:rPr>
+              <a:t>network</a:t>
+            </a:r>
+          </a:p>
+          <a:p>
+            <a:r>
+              <a:rPr lang="en-US" sz="2000" dirty="0" smtClean="0">
+                <a:solidFill>
+                  <a:schemeClr val="accent6"/>
+                </a:solidFill>
+              </a:rPr>
+              <a:t>4. </a:t>
+            </a:r>
+            <a:r>
+              <a:rPr lang="en-US" sz="2000" dirty="0" err="1" smtClean="0">
+                <a:solidFill>
+                  <a:schemeClr val="bg1"/>
+                </a:solidFill>
+              </a:rPr>
+              <a:t>systemctl</a:t>
+            </a:r>
+            <a:r>
+              <a:rPr lang="en-US" sz="2000" dirty="0" smtClean="0">
+                <a:solidFill>
+                  <a:schemeClr val="bg1"/>
+                </a:solidFill>
+              </a:rPr>
+              <a:t> status network</a:t>
+            </a:r>
+          </a:p>
+          <a:p>
+            <a:r>
+              <a:rPr lang="en-US" sz="2000" dirty="0" smtClean="0">
+                <a:solidFill>
+                  <a:schemeClr val="bg1"/>
+                </a:solidFill>
+              </a:rPr>
+              <a:t>Do we still have network?</a:t>
+            </a:r>
+          </a:p>
+          <a:p>
+            <a:endParaRPr lang="en-US" sz="2000" dirty="0" smtClean="0">
+              <a:solidFill>
+                <a:schemeClr val="bg1"/>
+              </a:solidFill>
+            </a:endParaRPr>
           </a:p>
           <a:p>
             <a:endParaRPr lang="en-US" sz="2000" dirty="0">
@@ -7026,7 +7269,23 @@
                   <a:schemeClr val="accent6"/>
                 </a:solidFill>
               </a:rPr>
-              <a:t> machines, there are a couple of targets. A target is a collection of units. Some targets could be isolated if they have the ‘isolate’ option.</a:t>
+              <a:t> machines, there are a couple of targets. A target is a collection of units. Some targets could be isolated if they have the ‘</a:t>
+            </a:r>
+            <a:r>
+              <a:rPr lang="en-US" sz="2200" dirty="0" smtClean="0">
+                <a:solidFill>
+                  <a:schemeClr val="bg1"/>
+                </a:solidFill>
+              </a:rPr>
+              <a:t>isolate</a:t>
+            </a:r>
+            <a:r>
+              <a:rPr lang="en-US" sz="2200" dirty="0" smtClean="0">
+                <a:solidFill>
+                  <a:schemeClr val="accent6"/>
+                </a:solidFill>
+              </a:rPr>
+              <a:t>’ option.</a:t>
             </a:r>
             <a:br>
               <a:rPr lang="en-US" sz="2200" dirty="0" smtClean="0">
@@ -7879,31 +8138,7 @@
                   <a:schemeClr val="accent6"/>
                 </a:solidFill>
               </a:rPr>
-              <a:t> contains drivers that are needed to start your server. It contains a mini file system that is mounted during boot. </a:t>
-            </a:r>
-            <a:r>
-              <a:rPr lang="en-US" sz="2000" dirty="0" smtClean="0">
-                <a:solidFill>
-                  <a:schemeClr val="accent6"/>
-                </a:solidFill>
-              </a:rPr>
-              <a:t>Inside it</a:t>
-            </a:r>
-            <a:r>
-              <a:rPr lang="en-US" sz="2000" dirty="0" smtClean="0">
-                <a:solidFill>
-                  <a:schemeClr val="accent6"/>
-                </a:solidFill>
-              </a:rPr>
-              <a:t> </a:t>
-            </a:r>
-            <a:r>
-              <a:rPr lang="en-US" sz="2000" dirty="0" smtClean="0">
-                <a:solidFill>
-                  <a:schemeClr val="accent6"/>
-                </a:solidFill>
-              </a:rPr>
-              <a:t>are kernel modules that are needed during the rest of the boot process (</a:t>
+              <a:t> contains drivers that are needed to start your server. It contains a mini file system that is mounted during boot. Inside it are kernel modules that are needed during the rest of the boot process (</a:t>
             </a:r>
             <a:r>
               <a:rPr lang="en-US" sz="2000" dirty="0" err="1" smtClean="0">
